--- a/Documenten/Tussentijdse Presentatie 01 - Nabil El Moussaoui.pptx
+++ b/Documenten/Tussentijdse Presentatie 01 - Nabil El Moussaoui.pptx
@@ -121,4492 +121,6 @@
     </p:ext>
   </p:extLst>
 </p:presentation>
-</file>
-
-<file path=ppt/diagrams/colors1.xml><?xml version="1.0" encoding="utf-8"?>
-<dgm:colorsDef xmlns:dgm="http://schemas.openxmlformats.org/drawingml/2006/diagram" xmlns:a="http://schemas.openxmlformats.org/drawingml/2006/main" uniqueId="urn:microsoft.com/office/officeart/2005/8/colors/accent1_2">
-  <dgm:title val=""/>
-  <dgm:desc val=""/>
-  <dgm:catLst>
-    <dgm:cat type="accent1" pri="11200"/>
-  </dgm:catLst>
-  <dgm:styleLbl name="node0">
-    <dgm:fillClrLst meth="repeat">
-      <a:schemeClr val="accent1"/>
-    </dgm:fillClrLst>
-    <dgm:linClrLst meth="repeat">
-      <a:schemeClr val="lt1"/>
-    </dgm:linClrLst>
-    <dgm:effectClrLst/>
-    <dgm:txLinClrLst/>
-    <dgm:txFillClrLst/>
-    <dgm:txEffectClrLst/>
-  </dgm:styleLbl>
-  <dgm:styleLbl name="alignNode1">
-    <dgm:fillClrLst meth="repeat">
-      <a:schemeClr val="accent1"/>
-    </dgm:fillClrLst>
-    <dgm:linClrLst meth="repeat">
-      <a:schemeClr val="accent1"/>
-    </dgm:linClrLst>
-    <dgm:effectClrLst/>
-    <dgm:txLinClrLst/>
-    <dgm:txFillClrLst/>
-    <dgm:txEffectClrLst/>
-  </dgm:styleLbl>
-  <dgm:styleLbl name="node1">
-    <dgm:fillClrLst meth="repeat">
-      <a:schemeClr val="accent1"/>
-    </dgm:fillClrLst>
-    <dgm:linClrLst meth="repeat">
-      <a:schemeClr val="lt1"/>
-    </dgm:linClrLst>
-    <dgm:effectClrLst/>
-    <dgm:txLinClrLst/>
-    <dgm:txFillClrLst/>
-    <dgm:txEffectClrLst/>
-  </dgm:styleLbl>
-  <dgm:styleLbl name="lnNode1">
-    <dgm:fillClrLst meth="repeat">
-      <a:schemeClr val="accent1"/>
-    </dgm:fillClrLst>
-    <dgm:linClrLst meth="repeat">
-      <a:schemeClr val="lt1"/>
-    </dgm:linClrLst>
-    <dgm:effectClrLst/>
-    <dgm:txLinClrLst/>
-    <dgm:txFillClrLst/>
-    <dgm:txEffectClrLst/>
-  </dgm:styleLbl>
-  <dgm:styleLbl name="vennNode1">
-    <dgm:fillClrLst meth="repeat">
-      <a:schemeClr val="accent1">
-        <a:alpha val="50000"/>
-      </a:schemeClr>
-    </dgm:fillClrLst>
-    <dgm:linClrLst meth="repeat">
-      <a:schemeClr val="lt1"/>
-    </dgm:linClrLst>
-    <dgm:effectClrLst/>
-    <dgm:txLinClrLst/>
-    <dgm:txFillClrLst/>
-    <dgm:txEffectClrLst/>
-  </dgm:styleLbl>
-  <dgm:styleLbl name="node2">
-    <dgm:fillClrLst meth="repeat">
-      <a:schemeClr val="accent1"/>
-    </dgm:fillClrLst>
-    <dgm:linClrLst meth="repeat">
-      <a:schemeClr val="lt1"/>
-    </dgm:linClrLst>
-    <dgm:effectClrLst/>
-    <dgm:txLinClrLst/>
-    <dgm:txFillClrLst/>
-    <dgm:txEffectClrLst/>
-  </dgm:styleLbl>
-  <dgm:styleLbl name="node3">
-    <dgm:fillClrLst meth="repeat">
-      <a:schemeClr val="accent1"/>
-    </dgm:fillClrLst>
-    <dgm:linClrLst meth="repeat">
-      <a:schemeClr val="lt1"/>
-    </dgm:linClrLst>
-    <dgm:effectClrLst/>
-    <dgm:txLinClrLst/>
-    <dgm:txFillClrLst/>
-    <dgm:txEffectClrLst/>
-  </dgm:styleLbl>
-  <dgm:styleLbl name="node4">
-    <dgm:fillClrLst meth="repeat">
-      <a:schemeClr val="accent1"/>
-    </dgm:fillClrLst>
-    <dgm:linClrLst meth="repeat">
-      <a:schemeClr val="lt1"/>
-    </dgm:linClrLst>
-    <dgm:effectClrLst/>
-    <dgm:txLinClrLst/>
-    <dgm:txFillClrLst/>
-    <dgm:txEffectClrLst/>
-  </dgm:styleLbl>
-  <dgm:styleLbl name="fgImgPlace1">
-    <dgm:fillClrLst meth="repeat">
-      <a:schemeClr val="accent1">
-        <a:tint val="50000"/>
-      </a:schemeClr>
-    </dgm:fillClrLst>
-    <dgm:linClrLst meth="repeat">
-      <a:schemeClr val="lt1"/>
-    </dgm:linClrLst>
-    <dgm:effectClrLst/>
-    <dgm:txLinClrLst/>
-    <dgm:txFillClrLst meth="repeat">
-      <a:schemeClr val="lt1"/>
-    </dgm:txFillClrLst>
-    <dgm:txEffectClrLst/>
-  </dgm:styleLbl>
-  <dgm:styleLbl name="alignImgPlace1">
-    <dgm:fillClrLst meth="repeat">
-      <a:schemeClr val="accent1">
-        <a:tint val="50000"/>
-      </a:schemeClr>
-    </dgm:fillClrLst>
-    <dgm:linClrLst meth="repeat">
-      <a:schemeClr val="lt1"/>
-    </dgm:linClrLst>
-    <dgm:effectClrLst/>
-    <dgm:txLinClrLst/>
-    <dgm:txFillClrLst meth="repeat">
-      <a:schemeClr val="lt1"/>
-    </dgm:txFillClrLst>
-    <dgm:txEffectClrLst/>
-  </dgm:styleLbl>
-  <dgm:styleLbl name="bgImgPlace1">
-    <dgm:fillClrLst meth="repeat">
-      <a:schemeClr val="accent1">
-        <a:tint val="50000"/>
-      </a:schemeClr>
-    </dgm:fillClrLst>
-    <dgm:linClrLst meth="repeat">
-      <a:schemeClr val="lt1"/>
-    </dgm:linClrLst>
-    <dgm:effectClrLst/>
-    <dgm:txLinClrLst/>
-    <dgm:txFillClrLst meth="repeat">
-      <a:schemeClr val="lt1"/>
-    </dgm:txFillClrLst>
-    <dgm:txEffectClrLst/>
-  </dgm:styleLbl>
-  <dgm:styleLbl name="sibTrans2D1">
-    <dgm:fillClrLst meth="repeat">
-      <a:schemeClr val="accent1">
-        <a:tint val="60000"/>
-      </a:schemeClr>
-    </dgm:fillClrLst>
-    <dgm:linClrLst meth="repeat">
-      <a:schemeClr val="accent1">
-        <a:tint val="60000"/>
-      </a:schemeClr>
-    </dgm:linClrLst>
-    <dgm:effectClrLst/>
-    <dgm:txLinClrLst/>
-    <dgm:txFillClrLst/>
-    <dgm:txEffectClrLst/>
-  </dgm:styleLbl>
-  <dgm:styleLbl name="fgSibTrans2D1">
-    <dgm:fillClrLst meth="repeat">
-      <a:schemeClr val="accent1">
-        <a:tint val="60000"/>
-      </a:schemeClr>
-    </dgm:fillClrLst>
-    <dgm:linClrLst meth="repeat">
-      <a:schemeClr val="accent1">
-        <a:tint val="60000"/>
-      </a:schemeClr>
-    </dgm:linClrLst>
-    <dgm:effectClrLst/>
-    <dgm:txLinClrLst/>
-    <dgm:txFillClrLst/>
-    <dgm:txEffectClrLst/>
-  </dgm:styleLbl>
-  <dgm:styleLbl name="bgSibTrans2D1">
-    <dgm:fillClrLst meth="repeat">
-      <a:schemeClr val="accent1">
-        <a:tint val="60000"/>
-      </a:schemeClr>
-    </dgm:fillClrLst>
-    <dgm:linClrLst meth="repeat">
-      <a:schemeClr val="accent1">
-        <a:tint val="60000"/>
-      </a:schemeClr>
-    </dgm:linClrLst>
-    <dgm:effectClrLst/>
-    <dgm:txLinClrLst/>
-    <dgm:txFillClrLst/>
-    <dgm:txEffectClrLst/>
-  </dgm:styleLbl>
-  <dgm:styleLbl name="sibTrans1D1">
-    <dgm:fillClrLst meth="repeat">
-      <a:schemeClr val="accent1"/>
-    </dgm:fillClrLst>
-    <dgm:linClrLst meth="repeat">
-      <a:schemeClr val="accent1"/>
-    </dgm:linClrLst>
-    <dgm:effectClrLst/>
-    <dgm:txLinClrLst/>
-    <dgm:txFillClrLst meth="repeat">
-      <a:schemeClr val="tx1"/>
-    </dgm:txFillClrLst>
-    <dgm:txEffectClrLst/>
-  </dgm:styleLbl>
-  <dgm:styleLbl name="callout">
-    <dgm:fillClrLst meth="repeat">
-      <a:schemeClr val="accent1"/>
-    </dgm:fillClrLst>
-    <dgm:linClrLst meth="repeat">
-      <a:schemeClr val="accent1">
-        <a:tint val="50000"/>
-      </a:schemeClr>
-    </dgm:linClrLst>
-    <dgm:effectClrLst/>
-    <dgm:txLinClrLst/>
-    <dgm:txFillClrLst meth="repeat">
-      <a:schemeClr val="tx1"/>
-    </dgm:txFillClrLst>
-    <dgm:txEffectClrLst/>
-  </dgm:styleLbl>
-  <dgm:styleLbl name="asst0">
-    <dgm:fillClrLst meth="repeat">
-      <a:schemeClr val="accent1"/>
-    </dgm:fillClrLst>
-    <dgm:linClrLst meth="repeat">
-      <a:schemeClr val="lt1"/>
-    </dgm:linClrLst>
-    <dgm:effectClrLst/>
-    <dgm:txLinClrLst/>
-    <dgm:txFillClrLst/>
-    <dgm:txEffectClrLst/>
-  </dgm:styleLbl>
-  <dgm:styleLbl name="asst1">
-    <dgm:fillClrLst meth="repeat">
-      <a:schemeClr val="accent1"/>
-    </dgm:fillClrLst>
-    <dgm:linClrLst meth="repeat">
-      <a:schemeClr val="lt1"/>
-    </dgm:linClrLst>
-    <dgm:effectClrLst/>
-    <dgm:txLinClrLst/>
-    <dgm:txFillClrLst/>
-    <dgm:txEffectClrLst/>
-  </dgm:styleLbl>
-  <dgm:styleLbl name="asst2">
-    <dgm:fillClrLst meth="repeat">
-      <a:schemeClr val="accent1"/>
-    </dgm:fillClrLst>
-    <dgm:linClrLst meth="repeat">
-      <a:schemeClr val="lt1"/>
-    </dgm:linClrLst>
-    <dgm:effectClrLst/>
-    <dgm:txLinClrLst/>
-    <dgm:txFillClrLst/>
-    <dgm:txEffectClrLst/>
-  </dgm:styleLbl>
-  <dgm:styleLbl name="asst3">
-    <dgm:fillClrLst meth="repeat">
-      <a:schemeClr val="accent1"/>
-    </dgm:fillClrLst>
-    <dgm:linClrLst meth="repeat">
-      <a:schemeClr val="lt1"/>
-    </dgm:linClrLst>
-    <dgm:effectClrLst/>
-    <dgm:txLinClrLst/>
-    <dgm:txFillClrLst/>
-    <dgm:txEffectClrLst/>
-  </dgm:styleLbl>
-  <dgm:styleLbl name="asst4">
-    <dgm:fillClrLst meth="repeat">
-      <a:schemeClr val="accent1"/>
-    </dgm:fillClrLst>
-    <dgm:linClrLst meth="repeat">
-      <a:schemeClr val="lt1"/>
-    </dgm:linClrLst>
-    <dgm:effectClrLst/>
-    <dgm:txLinClrLst/>
-    <dgm:txFillClrLst/>
-    <dgm:txEffectClrLst/>
-  </dgm:styleLbl>
-  <dgm:styleLbl name="parChTrans2D1">
-    <dgm:fillClrLst meth="repeat">
-      <a:schemeClr val="accent1">
-        <a:tint val="60000"/>
-      </a:schemeClr>
-    </dgm:fillClrLst>
-    <dgm:linClrLst meth="repeat">
-      <a:schemeClr val="accent1">
-        <a:tint val="60000"/>
-      </a:schemeClr>
-    </dgm:linClrLst>
-    <dgm:effectClrLst/>
-    <dgm:txLinClrLst/>
-    <dgm:txFillClrLst meth="repeat">
-      <a:schemeClr val="lt1"/>
-    </dgm:txFillClrLst>
-    <dgm:txEffectClrLst/>
-  </dgm:styleLbl>
-  <dgm:styleLbl name="parChTrans2D2">
-    <dgm:fillClrLst meth="repeat">
-      <a:schemeClr val="accent1"/>
-    </dgm:fillClrLst>
-    <dgm:linClrLst meth="repeat">
-      <a:schemeClr val="accent1"/>
-    </dgm:linClrLst>
-    <dgm:effectClrLst/>
-    <dgm:txLinClrLst/>
-    <dgm:txFillClrLst meth="repeat">
-      <a:schemeClr val="lt1"/>
-    </dgm:txFillClrLst>
-    <dgm:txEffectClrLst/>
-  </dgm:styleLbl>
-  <dgm:styleLbl name="parChTrans2D3">
-    <dgm:fillClrLst meth="repeat">
-      <a:schemeClr val="accent1"/>
-    </dgm:fillClrLst>
-    <dgm:linClrLst meth="repeat">
-      <a:schemeClr val="accent1"/>
-    </dgm:linClrLst>
-    <dgm:effectClrLst/>
-    <dgm:txLinClrLst/>
-    <dgm:txFillClrLst meth="repeat">
-      <a:schemeClr val="lt1"/>
-    </dgm:txFillClrLst>
-    <dgm:txEffectClrLst/>
-  </dgm:styleLbl>
-  <dgm:styleLbl name="parChTrans2D4">
-    <dgm:fillClrLst meth="repeat">
-      <a:schemeClr val="accent1"/>
-    </dgm:fillClrLst>
-    <dgm:linClrLst meth="repeat">
-      <a:schemeClr val="accent1"/>
-    </dgm:linClrLst>
-    <dgm:effectClrLst/>
-    <dgm:txLinClrLst/>
-    <dgm:txFillClrLst meth="repeat">
-      <a:schemeClr val="lt1"/>
-    </dgm:txFillClrLst>
-    <dgm:txEffectClrLst/>
-  </dgm:styleLbl>
-  <dgm:styleLbl name="parChTrans1D1">
-    <dgm:fillClrLst meth="repeat">
-      <a:schemeClr val="accent1"/>
-    </dgm:fillClrLst>
-    <dgm:linClrLst meth="repeat">
-      <a:schemeClr val="accent1">
-        <a:shade val="60000"/>
-      </a:schemeClr>
-    </dgm:linClrLst>
-    <dgm:effectClrLst/>
-    <dgm:txLinClrLst/>
-    <dgm:txFillClrLst meth="repeat">
-      <a:schemeClr val="tx1"/>
-    </dgm:txFillClrLst>
-    <dgm:txEffectClrLst/>
-  </dgm:styleLbl>
-  <dgm:styleLbl name="parChTrans1D2">
-    <dgm:fillClrLst meth="repeat">
-      <a:schemeClr val="accent1"/>
-    </dgm:fillClrLst>
-    <dgm:linClrLst meth="repeat">
-      <a:schemeClr val="accent1">
-        <a:shade val="60000"/>
-      </a:schemeClr>
-    </dgm:linClrLst>
-    <dgm:effectClrLst/>
-    <dgm:txLinClrLst/>
-    <dgm:txFillClrLst meth="repeat">
-      <a:schemeClr val="tx1"/>
-    </dgm:txFillClrLst>
-    <dgm:txEffectClrLst/>
-  </dgm:styleLbl>
-  <dgm:styleLbl name="parChTrans1D3">
-    <dgm:fillClrLst meth="repeat">
-      <a:schemeClr val="accent1"/>
-    </dgm:fillClrLst>
-    <dgm:linClrLst meth="repeat">
-      <a:schemeClr val="accent1">
-        <a:shade val="80000"/>
-      </a:schemeClr>
-    </dgm:linClrLst>
-    <dgm:effectClrLst/>
-    <dgm:txLinClrLst/>
-    <dgm:txFillClrLst meth="repeat">
-      <a:schemeClr val="tx1"/>
-    </dgm:txFillClrLst>
-    <dgm:txEffectClrLst/>
-  </dgm:styleLbl>
-  <dgm:styleLbl name="parChTrans1D4">
-    <dgm:fillClrLst meth="repeat">
-      <a:schemeClr val="accent1"/>
-    </dgm:fillClrLst>
-    <dgm:linClrLst meth="repeat">
-      <a:schemeClr val="accent1">
-        <a:shade val="80000"/>
-      </a:schemeClr>
-    </dgm:linClrLst>
-    <dgm:effectClrLst/>
-    <dgm:txLinClrLst/>
-    <dgm:txFillClrLst meth="repeat">
-      <a:schemeClr val="tx1"/>
-    </dgm:txFillClrLst>
-    <dgm:txEffectClrLst/>
-  </dgm:styleLbl>
-  <dgm:styleLbl name="fgAcc1">
-    <dgm:fillClrLst meth="repeat">
-      <a:schemeClr val="lt1">
-        <a:alpha val="90000"/>
-      </a:schemeClr>
-    </dgm:fillClrLst>
-    <dgm:linClrLst meth="repeat">
-      <a:schemeClr val="accent1"/>
-    </dgm:linClrLst>
-    <dgm:effectClrLst/>
-    <dgm:txLinClrLst/>
-    <dgm:txFillClrLst meth="repeat">
-      <a:schemeClr val="dk1"/>
-    </dgm:txFillClrLst>
-    <dgm:txEffectClrLst/>
-  </dgm:styleLbl>
-  <dgm:styleLbl name="conFgAcc1">
-    <dgm:fillClrLst meth="repeat">
-      <a:schemeClr val="lt1">
-        <a:alpha val="90000"/>
-      </a:schemeClr>
-    </dgm:fillClrLst>
-    <dgm:linClrLst meth="repeat">
-      <a:schemeClr val="accent1"/>
-    </dgm:linClrLst>
-    <dgm:effectClrLst/>
-    <dgm:txLinClrLst/>
-    <dgm:txFillClrLst meth="repeat">
-      <a:schemeClr val="dk1"/>
-    </dgm:txFillClrLst>
-    <dgm:txEffectClrLst/>
-  </dgm:styleLbl>
-  <dgm:styleLbl name="alignAcc1">
-    <dgm:fillClrLst meth="repeat">
-      <a:schemeClr val="lt1">
-        <a:alpha val="90000"/>
-      </a:schemeClr>
-    </dgm:fillClrLst>
-    <dgm:linClrLst meth="repeat">
-      <a:schemeClr val="accent1"/>
-    </dgm:linClrLst>
-    <dgm:effectClrLst/>
-    <dgm:txLinClrLst/>
-    <dgm:txFillClrLst meth="repeat">
-      <a:schemeClr val="dk1"/>
-    </dgm:txFillClrLst>
-    <dgm:txEffectClrLst/>
-  </dgm:styleLbl>
-  <dgm:styleLbl name="trAlignAcc1">
-    <dgm:fillClrLst meth="repeat">
-      <a:schemeClr val="lt1">
-        <a:alpha val="40000"/>
-      </a:schemeClr>
-    </dgm:fillClrLst>
-    <dgm:linClrLst meth="repeat">
-      <a:schemeClr val="accent1"/>
-    </dgm:linClrLst>
-    <dgm:effectClrLst/>
-    <dgm:txLinClrLst/>
-    <dgm:txFillClrLst meth="repeat">
-      <a:schemeClr val="dk1"/>
-    </dgm:txFillClrLst>
-    <dgm:txEffectClrLst/>
-  </dgm:styleLbl>
-  <dgm:styleLbl name="bgAcc1">
-    <dgm:fillClrLst meth="repeat">
-      <a:schemeClr val="lt1">
-        <a:alpha val="90000"/>
-      </a:schemeClr>
-    </dgm:fillClrLst>
-    <dgm:linClrLst meth="repeat">
-      <a:schemeClr val="accent1"/>
-    </dgm:linClrLst>
-    <dgm:effectClrLst/>
-    <dgm:txLinClrLst/>
-    <dgm:txFillClrLst meth="repeat">
-      <a:schemeClr val="dk1"/>
-    </dgm:txFillClrLst>
-    <dgm:txEffectClrLst/>
-  </dgm:styleLbl>
-  <dgm:styleLbl name="solidFgAcc1">
-    <dgm:fillClrLst meth="repeat">
-      <a:schemeClr val="lt1"/>
-    </dgm:fillClrLst>
-    <dgm:linClrLst meth="repeat">
-      <a:schemeClr val="accent1"/>
-    </dgm:linClrLst>
-    <dgm:effectClrLst/>
-    <dgm:txLinClrLst/>
-    <dgm:txFillClrLst meth="repeat">
-      <a:schemeClr val="dk1"/>
-    </dgm:txFillClrLst>
-    <dgm:txEffectClrLst/>
-  </dgm:styleLbl>
-  <dgm:styleLbl name="solidAlignAcc1">
-    <dgm:fillClrLst meth="repeat">
-      <a:schemeClr val="lt1"/>
-    </dgm:fillClrLst>
-    <dgm:linClrLst meth="repeat">
-      <a:schemeClr val="accent1"/>
-    </dgm:linClrLst>
-    <dgm:effectClrLst/>
-    <dgm:txLinClrLst/>
-    <dgm:txFillClrLst meth="repeat">
-      <a:schemeClr val="dk1"/>
-    </dgm:txFillClrLst>
-    <dgm:txEffectClrLst/>
-  </dgm:styleLbl>
-  <dgm:styleLbl name="solidBgAcc1">
-    <dgm:fillClrLst meth="repeat">
-      <a:schemeClr val="lt1"/>
-    </dgm:fillClrLst>
-    <dgm:linClrLst meth="repeat">
-      <a:schemeClr val="accent1"/>
-    </dgm:linClrLst>
-    <dgm:effectClrLst/>
-    <dgm:txLinClrLst/>
-    <dgm:txFillClrLst meth="repeat">
-      <a:schemeClr val="dk1"/>
-    </dgm:txFillClrLst>
-    <dgm:txEffectClrLst/>
-  </dgm:styleLbl>
-  <dgm:styleLbl name="fgAccFollowNode1">
-    <dgm:fillClrLst meth="repeat">
-      <a:schemeClr val="accent1">
-        <a:alpha val="90000"/>
-        <a:tint val="40000"/>
-      </a:schemeClr>
-    </dgm:fillClrLst>
-    <dgm:linClrLst meth="repeat">
-      <a:schemeClr val="accent1">
-        <a:alpha val="90000"/>
-        <a:tint val="40000"/>
-      </a:schemeClr>
-    </dgm:linClrLst>
-    <dgm:effectClrLst/>
-    <dgm:txLinClrLst/>
-    <dgm:txFillClrLst meth="repeat">
-      <a:schemeClr val="dk1"/>
-    </dgm:txFillClrLst>
-    <dgm:txEffectClrLst/>
-  </dgm:styleLbl>
-  <dgm:styleLbl name="alignAccFollowNode1">
-    <dgm:fillClrLst meth="repeat">
-      <a:schemeClr val="accent1">
-        <a:alpha val="90000"/>
-        <a:tint val="40000"/>
-      </a:schemeClr>
-    </dgm:fillClrLst>
-    <dgm:linClrLst meth="repeat">
-      <a:schemeClr val="accent1">
-        <a:alpha val="90000"/>
-        <a:tint val="40000"/>
-      </a:schemeClr>
-    </dgm:linClrLst>
-    <dgm:effectClrLst/>
-    <dgm:txLinClrLst/>
-    <dgm:txFillClrLst meth="repeat">
-      <a:schemeClr val="dk1"/>
-    </dgm:txFillClrLst>
-    <dgm:txEffectClrLst/>
-  </dgm:styleLbl>
-  <dgm:styleLbl name="bgAccFollowNode1">
-    <dgm:fillClrLst meth="repeat">
-      <a:schemeClr val="accent1">
-        <a:alpha val="90000"/>
-        <a:tint val="40000"/>
-      </a:schemeClr>
-    </dgm:fillClrLst>
-    <dgm:linClrLst meth="repeat">
-      <a:schemeClr val="accent1">
-        <a:alpha val="90000"/>
-        <a:tint val="40000"/>
-      </a:schemeClr>
-    </dgm:linClrLst>
-    <dgm:effectClrLst/>
-    <dgm:txLinClrLst/>
-    <dgm:txFillClrLst meth="repeat">
-      <a:schemeClr val="dk1"/>
-    </dgm:txFillClrLst>
-    <dgm:txEffectClrLst/>
-  </dgm:styleLbl>
-  <dgm:styleLbl name="fgAcc0">
-    <dgm:fillClrLst meth="repeat">
-      <a:schemeClr val="lt1">
-        <a:alpha val="90000"/>
-      </a:schemeClr>
-    </dgm:fillClrLst>
-    <dgm:linClrLst meth="repeat">
-      <a:schemeClr val="accent1"/>
-    </dgm:linClrLst>
-    <dgm:effectClrLst/>
-    <dgm:txLinClrLst/>
-    <dgm:txFillClrLst meth="repeat">
-      <a:schemeClr val="dk1"/>
-    </dgm:txFillClrLst>
-    <dgm:txEffectClrLst/>
-  </dgm:styleLbl>
-  <dgm:styleLbl name="fgAcc2">
-    <dgm:fillClrLst meth="repeat">
-      <a:schemeClr val="lt1">
-        <a:alpha val="90000"/>
-      </a:schemeClr>
-    </dgm:fillClrLst>
-    <dgm:linClrLst meth="repeat">
-      <a:schemeClr val="accent1"/>
-    </dgm:linClrLst>
-    <dgm:effectClrLst/>
-    <dgm:txLinClrLst/>
-    <dgm:txFillClrLst meth="repeat">
-      <a:schemeClr val="dk1"/>
-    </dgm:txFillClrLst>
-    <dgm:txEffectClrLst/>
-  </dgm:styleLbl>
-  <dgm:styleLbl name="fgAcc3">
-    <dgm:fillClrLst meth="repeat">
-      <a:schemeClr val="lt1">
-        <a:alpha val="90000"/>
-      </a:schemeClr>
-    </dgm:fillClrLst>
-    <dgm:linClrLst meth="repeat">
-      <a:schemeClr val="accent1"/>
-    </dgm:linClrLst>
-    <dgm:effectClrLst/>
-    <dgm:txLinClrLst/>
-    <dgm:txFillClrLst meth="repeat">
-      <a:schemeClr val="dk1"/>
-    </dgm:txFillClrLst>
-    <dgm:txEffectClrLst/>
-  </dgm:styleLbl>
-  <dgm:styleLbl name="fgAcc4">
-    <dgm:fillClrLst meth="repeat">
-      <a:schemeClr val="lt1">
-        <a:alpha val="90000"/>
-      </a:schemeClr>
-    </dgm:fillClrLst>
-    <dgm:linClrLst meth="repeat">
-      <a:schemeClr val="accent1"/>
-    </dgm:linClrLst>
-    <dgm:effectClrLst/>
-    <dgm:txLinClrLst/>
-    <dgm:txFillClrLst meth="repeat">
-      <a:schemeClr val="dk1"/>
-    </dgm:txFillClrLst>
-    <dgm:txEffectClrLst/>
-  </dgm:styleLbl>
-  <dgm:styleLbl name="bgShp">
-    <dgm:fillClrLst meth="repeat">
-      <a:schemeClr val="accent1">
-        <a:tint val="40000"/>
-      </a:schemeClr>
-    </dgm:fillClrLst>
-    <dgm:linClrLst meth="repeat">
-      <a:schemeClr val="accent1"/>
-    </dgm:linClrLst>
-    <dgm:effectClrLst/>
-    <dgm:txLinClrLst/>
-    <dgm:txFillClrLst meth="repeat">
-      <a:schemeClr val="dk1"/>
-    </dgm:txFillClrLst>
-    <dgm:txEffectClrLst/>
-  </dgm:styleLbl>
-  <dgm:styleLbl name="dkBgShp">
-    <dgm:fillClrLst meth="repeat">
-      <a:schemeClr val="accent1">
-        <a:shade val="80000"/>
-      </a:schemeClr>
-    </dgm:fillClrLst>
-    <dgm:linClrLst meth="repeat">
-      <a:schemeClr val="accent1"/>
-    </dgm:linClrLst>
-    <dgm:effectClrLst/>
-    <dgm:txLinClrLst/>
-    <dgm:txFillClrLst meth="repeat">
-      <a:schemeClr val="lt1"/>
-    </dgm:txFillClrLst>
-    <dgm:txEffectClrLst/>
-  </dgm:styleLbl>
-  <dgm:styleLbl name="trBgShp">
-    <dgm:fillClrLst meth="repeat">
-      <a:schemeClr val="accent1">
-        <a:tint val="50000"/>
-        <a:alpha val="40000"/>
-      </a:schemeClr>
-    </dgm:fillClrLst>
-    <dgm:linClrLst meth="repeat">
-      <a:schemeClr val="accent1"/>
-    </dgm:linClrLst>
-    <dgm:effectClrLst/>
-    <dgm:txLinClrLst/>
-    <dgm:txFillClrLst meth="repeat">
-      <a:schemeClr val="lt1"/>
-    </dgm:txFillClrLst>
-    <dgm:txEffectClrLst/>
-  </dgm:styleLbl>
-  <dgm:styleLbl name="fgShp">
-    <dgm:fillClrLst meth="repeat">
-      <a:schemeClr val="accent1">
-        <a:tint val="60000"/>
-      </a:schemeClr>
-    </dgm:fillClrLst>
-    <dgm:linClrLst meth="repeat">
-      <a:schemeClr val="lt1"/>
-    </dgm:linClrLst>
-    <dgm:effectClrLst/>
-    <dgm:txLinClrLst/>
-    <dgm:txFillClrLst meth="repeat">
-      <a:schemeClr val="dk1"/>
-    </dgm:txFillClrLst>
-    <dgm:txEffectClrLst/>
-  </dgm:styleLbl>
-  <dgm:styleLbl name="revTx">
-    <dgm:fillClrLst meth="repeat">
-      <a:schemeClr val="lt1">
-        <a:alpha val="0"/>
-      </a:schemeClr>
-    </dgm:fillClrLst>
-    <dgm:linClrLst meth="repeat">
-      <a:schemeClr val="dk1">
-        <a:alpha val="0"/>
-      </a:schemeClr>
-    </dgm:linClrLst>
-    <dgm:effectClrLst/>
-    <dgm:txLinClrLst/>
-    <dgm:txFillClrLst meth="repeat">
-      <a:schemeClr val="tx1"/>
-    </dgm:txFillClrLst>
-    <dgm:txEffectClrLst/>
-  </dgm:styleLbl>
-</dgm:colorsDef>
-</file>
-
-<file path=ppt/diagrams/data1.xml><?xml version="1.0" encoding="utf-8"?>
-<dgm:dataModel xmlns:dgm="http://schemas.openxmlformats.org/drawingml/2006/diagram" xmlns:a="http://schemas.openxmlformats.org/drawingml/2006/main">
-  <dgm:ptLst>
-    <dgm:pt modelId="{1148BC83-A01B-42F4-9D03-51BBB011F61C}" type="doc">
-      <dgm:prSet loTypeId="urn:microsoft.com/office/officeart/2008/layout/NameandTitleOrganizationalChart" loCatId="hierarchy" qsTypeId="urn:microsoft.com/office/officeart/2005/8/quickstyle/simple1" qsCatId="simple" csTypeId="urn:microsoft.com/office/officeart/2005/8/colors/accent1_2" csCatId="accent1" phldr="1"/>
-      <dgm:spPr/>
-      <dgm:t>
-        <a:bodyPr/>
-        <a:lstStyle/>
-        <a:p>
-          <a:endParaRPr lang="nl-BE"/>
-        </a:p>
-      </dgm:t>
-    </dgm:pt>
-    <dgm:pt modelId="{05621564-F11A-4EE9-9288-EA5921E810A3}">
-      <dgm:prSet phldrT="[Tekst]"/>
-      <dgm:spPr/>
-      <dgm:t>
-        <a:bodyPr/>
-        <a:lstStyle/>
-        <a:p>
-          <a:r>
-            <a:rPr lang="nl-BE" dirty="0" err="1"/>
-            <a:t>Owner</a:t>
-          </a:r>
-          <a:endParaRPr lang="nl-BE" dirty="0"/>
-        </a:p>
-      </dgm:t>
-    </dgm:pt>
-    <dgm:pt modelId="{0A9EB010-0AAD-4524-8229-3DF9E0B57893}" type="parTrans" cxnId="{4D8E3ED3-DBBA-4CA1-9BE5-879DD8B52F9B}">
-      <dgm:prSet/>
-      <dgm:spPr/>
-      <dgm:t>
-        <a:bodyPr/>
-        <a:lstStyle/>
-        <a:p>
-          <a:endParaRPr lang="nl-BE"/>
-        </a:p>
-      </dgm:t>
-    </dgm:pt>
-    <dgm:pt modelId="{011E9C3E-D8DF-4E10-86AE-3E0314E92FE6}" type="sibTrans" cxnId="{4D8E3ED3-DBBA-4CA1-9BE5-879DD8B52F9B}">
-      <dgm:prSet/>
-      <dgm:spPr/>
-      <dgm:t>
-        <a:bodyPr/>
-        <a:lstStyle/>
-        <a:p>
-          <a:endParaRPr lang="nl-BE"/>
-        </a:p>
-      </dgm:t>
-    </dgm:pt>
-    <dgm:pt modelId="{EAFCD9FD-0460-490C-BC53-C1C2294A1F1B}" type="asst">
-      <dgm:prSet phldrT="[Tekst]"/>
-      <dgm:spPr/>
-      <dgm:t>
-        <a:bodyPr/>
-        <a:lstStyle/>
-        <a:p>
-          <a:r>
-            <a:rPr lang="nl-BE" dirty="0"/>
-            <a:t>Manager</a:t>
-          </a:r>
-        </a:p>
-      </dgm:t>
-    </dgm:pt>
-    <dgm:pt modelId="{1C653B44-964E-40FE-BE40-476037D80FBE}" type="parTrans" cxnId="{EF48531A-9F9A-46B6-94FE-07C5658C40B8}">
-      <dgm:prSet/>
-      <dgm:spPr/>
-      <dgm:t>
-        <a:bodyPr/>
-        <a:lstStyle/>
-        <a:p>
-          <a:endParaRPr lang="nl-BE"/>
-        </a:p>
-      </dgm:t>
-    </dgm:pt>
-    <dgm:pt modelId="{3143725E-4B9F-4A2C-8EAC-25BB4DF28692}" type="sibTrans" cxnId="{EF48531A-9F9A-46B6-94FE-07C5658C40B8}">
-      <dgm:prSet/>
-      <dgm:spPr/>
-      <dgm:t>
-        <a:bodyPr/>
-        <a:lstStyle/>
-        <a:p>
-          <a:endParaRPr lang="nl-BE"/>
-        </a:p>
-      </dgm:t>
-    </dgm:pt>
-    <dgm:pt modelId="{A34E29F1-762A-4413-9136-4448D6A7FF1B}">
-      <dgm:prSet phldrT="[Tekst]"/>
-      <dgm:spPr/>
-      <dgm:t>
-        <a:bodyPr/>
-        <a:lstStyle/>
-        <a:p>
-          <a:r>
-            <a:rPr lang="nl-BE" dirty="0"/>
-            <a:t>Lead</a:t>
-          </a:r>
-        </a:p>
-      </dgm:t>
-    </dgm:pt>
-    <dgm:pt modelId="{3FC1ADFC-3B56-467F-BFA0-D8A6ACB93FAF}" type="parTrans" cxnId="{584AA77A-1F5A-4356-9F86-4432072683BF}">
-      <dgm:prSet/>
-      <dgm:spPr/>
-      <dgm:t>
-        <a:bodyPr/>
-        <a:lstStyle/>
-        <a:p>
-          <a:endParaRPr lang="nl-BE"/>
-        </a:p>
-      </dgm:t>
-    </dgm:pt>
-    <dgm:pt modelId="{E2506E76-247A-4A22-8112-06286F6BF9D6}" type="sibTrans" cxnId="{584AA77A-1F5A-4356-9F86-4432072683BF}">
-      <dgm:prSet/>
-      <dgm:spPr/>
-      <dgm:t>
-        <a:bodyPr/>
-        <a:lstStyle/>
-        <a:p>
-          <a:endParaRPr lang="nl-BE"/>
-        </a:p>
-      </dgm:t>
-    </dgm:pt>
-    <dgm:pt modelId="{1EB909B9-745A-48AE-89AC-C00DFBC368E3}">
-      <dgm:prSet phldrT="[Tekst]"/>
-      <dgm:spPr/>
-      <dgm:t>
-        <a:bodyPr/>
-        <a:lstStyle/>
-        <a:p>
-          <a:r>
-            <a:rPr lang="nl-BE" dirty="0" err="1"/>
-            <a:t>Dev</a:t>
-          </a:r>
-          <a:endParaRPr lang="nl-BE" dirty="0"/>
-        </a:p>
-      </dgm:t>
-    </dgm:pt>
-    <dgm:pt modelId="{8FBE0BE1-D593-4312-B428-D77535DDFFB3}" type="parTrans" cxnId="{57D2855C-072E-4602-BA3F-0BEEBEC503ED}">
-      <dgm:prSet/>
-      <dgm:spPr/>
-      <dgm:t>
-        <a:bodyPr/>
-        <a:lstStyle/>
-        <a:p>
-          <a:endParaRPr lang="nl-BE"/>
-        </a:p>
-      </dgm:t>
-    </dgm:pt>
-    <dgm:pt modelId="{B86A4961-CBFC-4873-AFAB-A8D188DD71F6}" type="sibTrans" cxnId="{57D2855C-072E-4602-BA3F-0BEEBEC503ED}">
-      <dgm:prSet/>
-      <dgm:spPr/>
-      <dgm:t>
-        <a:bodyPr/>
-        <a:lstStyle/>
-        <a:p>
-          <a:endParaRPr lang="nl-BE"/>
-        </a:p>
-      </dgm:t>
-    </dgm:pt>
-    <dgm:pt modelId="{EE9293C8-FEFB-40F8-8ABC-A31593DAD377}">
-      <dgm:prSet phldrT="[Tekst]"/>
-      <dgm:spPr/>
-      <dgm:t>
-        <a:bodyPr/>
-        <a:lstStyle/>
-        <a:p>
-          <a:r>
-            <a:rPr lang="nl-BE" dirty="0"/>
-            <a:t>Stagiair</a:t>
-          </a:r>
-        </a:p>
-      </dgm:t>
-    </dgm:pt>
-    <dgm:pt modelId="{1F1AA314-D4BF-4E60-AD7E-9F80909077E5}" type="parTrans" cxnId="{A83A61C0-277B-440F-8CB1-9F420E71D5E5}">
-      <dgm:prSet/>
-      <dgm:spPr/>
-      <dgm:t>
-        <a:bodyPr/>
-        <a:lstStyle/>
-        <a:p>
-          <a:endParaRPr lang="nl-BE"/>
-        </a:p>
-      </dgm:t>
-    </dgm:pt>
-    <dgm:pt modelId="{29B4C987-E904-4EE8-B4AA-EED29F3342AC}" type="sibTrans" cxnId="{A83A61C0-277B-440F-8CB1-9F420E71D5E5}">
-      <dgm:prSet/>
-      <dgm:spPr/>
-      <dgm:t>
-        <a:bodyPr/>
-        <a:lstStyle/>
-        <a:p>
-          <a:endParaRPr lang="nl-BE"/>
-        </a:p>
-      </dgm:t>
-    </dgm:pt>
-    <dgm:pt modelId="{0FEEA645-9467-42F0-B4F5-9F09BFCE7212}" type="pres">
-      <dgm:prSet presAssocID="{1148BC83-A01B-42F4-9D03-51BBB011F61C}" presName="hierChild1" presStyleCnt="0">
-        <dgm:presLayoutVars>
-          <dgm:orgChart val="1"/>
-          <dgm:chPref val="1"/>
-          <dgm:dir/>
-          <dgm:animOne val="branch"/>
-          <dgm:animLvl val="lvl"/>
-          <dgm:resizeHandles/>
-        </dgm:presLayoutVars>
-      </dgm:prSet>
-      <dgm:spPr/>
-    </dgm:pt>
-    <dgm:pt modelId="{6A121CD9-8525-4B1B-A09A-7C4CA348085F}" type="pres">
-      <dgm:prSet presAssocID="{05621564-F11A-4EE9-9288-EA5921E810A3}" presName="hierRoot1" presStyleCnt="0">
-        <dgm:presLayoutVars>
-          <dgm:hierBranch val="init"/>
-        </dgm:presLayoutVars>
-      </dgm:prSet>
-      <dgm:spPr/>
-    </dgm:pt>
-    <dgm:pt modelId="{82B3C2F7-587E-4A18-A41E-C03CD0EBEA42}" type="pres">
-      <dgm:prSet presAssocID="{05621564-F11A-4EE9-9288-EA5921E810A3}" presName="rootComposite1" presStyleCnt="0"/>
-      <dgm:spPr/>
-    </dgm:pt>
-    <dgm:pt modelId="{D46A32EF-66B3-41A4-802D-2844F682BEF0}" type="pres">
-      <dgm:prSet presAssocID="{05621564-F11A-4EE9-9288-EA5921E810A3}" presName="rootText1" presStyleLbl="node0" presStyleIdx="0" presStyleCnt="1">
-        <dgm:presLayoutVars>
-          <dgm:chMax/>
-          <dgm:chPref val="3"/>
-        </dgm:presLayoutVars>
-      </dgm:prSet>
-      <dgm:spPr/>
-    </dgm:pt>
-    <dgm:pt modelId="{2EC97923-1A0F-451E-BAFD-2BFFF3F51752}" type="pres">
-      <dgm:prSet presAssocID="{05621564-F11A-4EE9-9288-EA5921E810A3}" presName="titleText1" presStyleLbl="fgAcc0" presStyleIdx="0" presStyleCnt="1">
-        <dgm:presLayoutVars>
-          <dgm:chMax val="0"/>
-          <dgm:chPref val="0"/>
-        </dgm:presLayoutVars>
-      </dgm:prSet>
-      <dgm:spPr/>
-    </dgm:pt>
-    <dgm:pt modelId="{3BAB98A5-18A1-49BE-8DEE-81E69C9B915F}" type="pres">
-      <dgm:prSet presAssocID="{05621564-F11A-4EE9-9288-EA5921E810A3}" presName="rootConnector1" presStyleLbl="node1" presStyleIdx="0" presStyleCnt="3"/>
-      <dgm:spPr/>
-    </dgm:pt>
-    <dgm:pt modelId="{D93CFA2F-D63F-4E42-AB5E-0430AF2D8E64}" type="pres">
-      <dgm:prSet presAssocID="{05621564-F11A-4EE9-9288-EA5921E810A3}" presName="hierChild2" presStyleCnt="0"/>
-      <dgm:spPr/>
-    </dgm:pt>
-    <dgm:pt modelId="{F38697DA-5A4B-49B7-B6C8-378F238E4FC9}" type="pres">
-      <dgm:prSet presAssocID="{3FC1ADFC-3B56-467F-BFA0-D8A6ACB93FAF}" presName="Name37" presStyleLbl="parChTrans1D2" presStyleIdx="0" presStyleCnt="4"/>
-      <dgm:spPr/>
-    </dgm:pt>
-    <dgm:pt modelId="{AAFCE382-D830-47CA-97BC-F93ADCE7FE9A}" type="pres">
-      <dgm:prSet presAssocID="{A34E29F1-762A-4413-9136-4448D6A7FF1B}" presName="hierRoot2" presStyleCnt="0">
-        <dgm:presLayoutVars>
-          <dgm:hierBranch val="init"/>
-        </dgm:presLayoutVars>
-      </dgm:prSet>
-      <dgm:spPr/>
-    </dgm:pt>
-    <dgm:pt modelId="{25A66D28-9137-4631-9351-078934DD7B84}" type="pres">
-      <dgm:prSet presAssocID="{A34E29F1-762A-4413-9136-4448D6A7FF1B}" presName="rootComposite" presStyleCnt="0"/>
-      <dgm:spPr/>
-    </dgm:pt>
-    <dgm:pt modelId="{7C42552F-545A-4E12-934A-5AE68389673D}" type="pres">
-      <dgm:prSet presAssocID="{A34E29F1-762A-4413-9136-4448D6A7FF1B}" presName="rootText" presStyleLbl="node1" presStyleIdx="0" presStyleCnt="3">
-        <dgm:presLayoutVars>
-          <dgm:chMax/>
-          <dgm:chPref val="3"/>
-        </dgm:presLayoutVars>
-      </dgm:prSet>
-      <dgm:spPr/>
-    </dgm:pt>
-    <dgm:pt modelId="{9FFD6547-1490-423C-B748-A892BFCEF6D1}" type="pres">
-      <dgm:prSet presAssocID="{A34E29F1-762A-4413-9136-4448D6A7FF1B}" presName="titleText2" presStyleLbl="fgAcc1" presStyleIdx="0" presStyleCnt="3">
-        <dgm:presLayoutVars>
-          <dgm:chMax val="0"/>
-          <dgm:chPref val="0"/>
-        </dgm:presLayoutVars>
-      </dgm:prSet>
-      <dgm:spPr/>
-    </dgm:pt>
-    <dgm:pt modelId="{437B0F72-2A2A-4417-A68D-C0831648D83B}" type="pres">
-      <dgm:prSet presAssocID="{A34E29F1-762A-4413-9136-4448D6A7FF1B}" presName="rootConnector" presStyleLbl="node2" presStyleIdx="0" presStyleCnt="0"/>
-      <dgm:spPr/>
-    </dgm:pt>
-    <dgm:pt modelId="{03D5394C-126D-4286-BE9A-186529C0D837}" type="pres">
-      <dgm:prSet presAssocID="{A34E29F1-762A-4413-9136-4448D6A7FF1B}" presName="hierChild4" presStyleCnt="0"/>
-      <dgm:spPr/>
-    </dgm:pt>
-    <dgm:pt modelId="{68C68886-964F-4D59-B713-C57C534B2EE6}" type="pres">
-      <dgm:prSet presAssocID="{A34E29F1-762A-4413-9136-4448D6A7FF1B}" presName="hierChild5" presStyleCnt="0"/>
-      <dgm:spPr/>
-    </dgm:pt>
-    <dgm:pt modelId="{92E20963-03B8-44AC-A77D-D16EAF0943EC}" type="pres">
-      <dgm:prSet presAssocID="{8FBE0BE1-D593-4312-B428-D77535DDFFB3}" presName="Name37" presStyleLbl="parChTrans1D2" presStyleIdx="1" presStyleCnt="4"/>
-      <dgm:spPr/>
-    </dgm:pt>
-    <dgm:pt modelId="{13F01CFD-C4BE-463A-9FED-172891F39D30}" type="pres">
-      <dgm:prSet presAssocID="{1EB909B9-745A-48AE-89AC-C00DFBC368E3}" presName="hierRoot2" presStyleCnt="0">
-        <dgm:presLayoutVars>
-          <dgm:hierBranch val="init"/>
-        </dgm:presLayoutVars>
-      </dgm:prSet>
-      <dgm:spPr/>
-    </dgm:pt>
-    <dgm:pt modelId="{018C04D7-3006-43C3-AE02-09B3AE8BF3F1}" type="pres">
-      <dgm:prSet presAssocID="{1EB909B9-745A-48AE-89AC-C00DFBC368E3}" presName="rootComposite" presStyleCnt="0"/>
-      <dgm:spPr/>
-    </dgm:pt>
-    <dgm:pt modelId="{1C3D9A89-5DEC-4ADB-9F05-46CC3351D978}" type="pres">
-      <dgm:prSet presAssocID="{1EB909B9-745A-48AE-89AC-C00DFBC368E3}" presName="rootText" presStyleLbl="node1" presStyleIdx="1" presStyleCnt="3">
-        <dgm:presLayoutVars>
-          <dgm:chMax/>
-          <dgm:chPref val="3"/>
-        </dgm:presLayoutVars>
-      </dgm:prSet>
-      <dgm:spPr/>
-    </dgm:pt>
-    <dgm:pt modelId="{FD9BE22B-C738-4A82-813A-DE1614740311}" type="pres">
-      <dgm:prSet presAssocID="{1EB909B9-745A-48AE-89AC-C00DFBC368E3}" presName="titleText2" presStyleLbl="fgAcc1" presStyleIdx="1" presStyleCnt="3">
-        <dgm:presLayoutVars>
-          <dgm:chMax val="0"/>
-          <dgm:chPref val="0"/>
-        </dgm:presLayoutVars>
-      </dgm:prSet>
-      <dgm:spPr/>
-    </dgm:pt>
-    <dgm:pt modelId="{B270CDF5-7C12-4E9D-AA83-AC163F5E476E}" type="pres">
-      <dgm:prSet presAssocID="{1EB909B9-745A-48AE-89AC-C00DFBC368E3}" presName="rootConnector" presStyleLbl="node2" presStyleIdx="0" presStyleCnt="0"/>
-      <dgm:spPr/>
-    </dgm:pt>
-    <dgm:pt modelId="{0EE73575-A1A2-4220-8ED6-ABDE4A446CF8}" type="pres">
-      <dgm:prSet presAssocID="{1EB909B9-745A-48AE-89AC-C00DFBC368E3}" presName="hierChild4" presStyleCnt="0"/>
-      <dgm:spPr/>
-    </dgm:pt>
-    <dgm:pt modelId="{4DC67D45-4B44-4B79-BAFB-069ECAEBB98C}" type="pres">
-      <dgm:prSet presAssocID="{1EB909B9-745A-48AE-89AC-C00DFBC368E3}" presName="hierChild5" presStyleCnt="0"/>
-      <dgm:spPr/>
-    </dgm:pt>
-    <dgm:pt modelId="{7876B364-D131-49D2-A2F3-681226F6BF1F}" type="pres">
-      <dgm:prSet presAssocID="{1F1AA314-D4BF-4E60-AD7E-9F80909077E5}" presName="Name37" presStyleLbl="parChTrans1D2" presStyleIdx="2" presStyleCnt="4"/>
-      <dgm:spPr/>
-    </dgm:pt>
-    <dgm:pt modelId="{34532F60-C42F-45EE-828C-FEC3948A3EC2}" type="pres">
-      <dgm:prSet presAssocID="{EE9293C8-FEFB-40F8-8ABC-A31593DAD377}" presName="hierRoot2" presStyleCnt="0">
-        <dgm:presLayoutVars>
-          <dgm:hierBranch val="init"/>
-        </dgm:presLayoutVars>
-      </dgm:prSet>
-      <dgm:spPr/>
-    </dgm:pt>
-    <dgm:pt modelId="{1EBCAF75-DB7D-4CFA-92A0-717DB628C07E}" type="pres">
-      <dgm:prSet presAssocID="{EE9293C8-FEFB-40F8-8ABC-A31593DAD377}" presName="rootComposite" presStyleCnt="0"/>
-      <dgm:spPr/>
-    </dgm:pt>
-    <dgm:pt modelId="{028D17BA-3ADF-47D5-8491-EFEB15A78C0A}" type="pres">
-      <dgm:prSet presAssocID="{EE9293C8-FEFB-40F8-8ABC-A31593DAD377}" presName="rootText" presStyleLbl="node1" presStyleIdx="2" presStyleCnt="3">
-        <dgm:presLayoutVars>
-          <dgm:chMax/>
-          <dgm:chPref val="3"/>
-        </dgm:presLayoutVars>
-      </dgm:prSet>
-      <dgm:spPr/>
-    </dgm:pt>
-    <dgm:pt modelId="{A20B163B-647E-452D-BA22-421B96063E02}" type="pres">
-      <dgm:prSet presAssocID="{EE9293C8-FEFB-40F8-8ABC-A31593DAD377}" presName="titleText2" presStyleLbl="fgAcc1" presStyleIdx="2" presStyleCnt="3">
-        <dgm:presLayoutVars>
-          <dgm:chMax val="0"/>
-          <dgm:chPref val="0"/>
-        </dgm:presLayoutVars>
-      </dgm:prSet>
-      <dgm:spPr/>
-    </dgm:pt>
-    <dgm:pt modelId="{73479AE9-B852-4846-974C-71B5E8D2567B}" type="pres">
-      <dgm:prSet presAssocID="{EE9293C8-FEFB-40F8-8ABC-A31593DAD377}" presName="rootConnector" presStyleLbl="node2" presStyleIdx="0" presStyleCnt="0"/>
-      <dgm:spPr/>
-    </dgm:pt>
-    <dgm:pt modelId="{CA395066-8FAA-41AA-85BB-277EB45428D9}" type="pres">
-      <dgm:prSet presAssocID="{EE9293C8-FEFB-40F8-8ABC-A31593DAD377}" presName="hierChild4" presStyleCnt="0"/>
-      <dgm:spPr/>
-    </dgm:pt>
-    <dgm:pt modelId="{FDD955E0-FEC5-4770-B6D4-B37A22914C39}" type="pres">
-      <dgm:prSet presAssocID="{EE9293C8-FEFB-40F8-8ABC-A31593DAD377}" presName="hierChild5" presStyleCnt="0"/>
-      <dgm:spPr/>
-    </dgm:pt>
-    <dgm:pt modelId="{8CDC58EB-8563-45E9-802B-AFF9577DAAA9}" type="pres">
-      <dgm:prSet presAssocID="{05621564-F11A-4EE9-9288-EA5921E810A3}" presName="hierChild3" presStyleCnt="0"/>
-      <dgm:spPr/>
-    </dgm:pt>
-    <dgm:pt modelId="{663F0EC2-46C1-40FF-A397-FC76ABCC153A}" type="pres">
-      <dgm:prSet presAssocID="{1C653B44-964E-40FE-BE40-476037D80FBE}" presName="Name96" presStyleLbl="parChTrans1D2" presStyleIdx="3" presStyleCnt="4"/>
-      <dgm:spPr/>
-    </dgm:pt>
-    <dgm:pt modelId="{CCAF1DF5-33E9-43DF-A3AF-11ADCA80AFC9}" type="pres">
-      <dgm:prSet presAssocID="{EAFCD9FD-0460-490C-BC53-C1C2294A1F1B}" presName="hierRoot3" presStyleCnt="0">
-        <dgm:presLayoutVars>
-          <dgm:hierBranch val="init"/>
-        </dgm:presLayoutVars>
-      </dgm:prSet>
-      <dgm:spPr/>
-    </dgm:pt>
-    <dgm:pt modelId="{AA05B460-E466-4F84-9735-937F5845BC29}" type="pres">
-      <dgm:prSet presAssocID="{EAFCD9FD-0460-490C-BC53-C1C2294A1F1B}" presName="rootComposite3" presStyleCnt="0"/>
-      <dgm:spPr/>
-    </dgm:pt>
-    <dgm:pt modelId="{96524951-A31F-4E40-B9F7-E20E45172749}" type="pres">
-      <dgm:prSet presAssocID="{EAFCD9FD-0460-490C-BC53-C1C2294A1F1B}" presName="rootText3" presStyleLbl="asst1" presStyleIdx="0" presStyleCnt="1">
-        <dgm:presLayoutVars>
-          <dgm:chPref val="3"/>
-        </dgm:presLayoutVars>
-      </dgm:prSet>
-      <dgm:spPr/>
-    </dgm:pt>
-    <dgm:pt modelId="{713DBC5A-9AD0-4D96-8A86-E40C9AB35E28}" type="pres">
-      <dgm:prSet presAssocID="{EAFCD9FD-0460-490C-BC53-C1C2294A1F1B}" presName="titleText3" presStyleLbl="fgAcc2" presStyleIdx="0" presStyleCnt="1">
-        <dgm:presLayoutVars>
-          <dgm:chMax val="0"/>
-          <dgm:chPref val="0"/>
-        </dgm:presLayoutVars>
-      </dgm:prSet>
-      <dgm:spPr/>
-    </dgm:pt>
-    <dgm:pt modelId="{0522E79A-F287-4B22-92AF-1D187ED87D10}" type="pres">
-      <dgm:prSet presAssocID="{EAFCD9FD-0460-490C-BC53-C1C2294A1F1B}" presName="rootConnector3" presStyleLbl="asst1" presStyleIdx="0" presStyleCnt="1"/>
-      <dgm:spPr/>
-    </dgm:pt>
-    <dgm:pt modelId="{C40A7AC1-2C97-430E-BCC7-91B611C2EFBD}" type="pres">
-      <dgm:prSet presAssocID="{EAFCD9FD-0460-490C-BC53-C1C2294A1F1B}" presName="hierChild6" presStyleCnt="0"/>
-      <dgm:spPr/>
-    </dgm:pt>
-    <dgm:pt modelId="{A716F923-2FE1-44AE-8961-8A88F7807E7A}" type="pres">
-      <dgm:prSet presAssocID="{EAFCD9FD-0460-490C-BC53-C1C2294A1F1B}" presName="hierChild7" presStyleCnt="0"/>
-      <dgm:spPr/>
-    </dgm:pt>
-  </dgm:ptLst>
-  <dgm:cxnLst>
-    <dgm:cxn modelId="{D3A00209-ADA4-46AC-B440-B92FEFE342BE}" type="presOf" srcId="{EE9293C8-FEFB-40F8-8ABC-A31593DAD377}" destId="{028D17BA-3ADF-47D5-8491-EFEB15A78C0A}" srcOrd="0" destOrd="0" presId="urn:microsoft.com/office/officeart/2008/layout/NameandTitleOrganizationalChart"/>
-    <dgm:cxn modelId="{9ADEA90B-25CE-48B4-92C6-D9FC006D1B11}" type="presOf" srcId="{A34E29F1-762A-4413-9136-4448D6A7FF1B}" destId="{7C42552F-545A-4E12-934A-5AE68389673D}" srcOrd="0" destOrd="0" presId="urn:microsoft.com/office/officeart/2008/layout/NameandTitleOrganizationalChart"/>
-    <dgm:cxn modelId="{EF48531A-9F9A-46B6-94FE-07C5658C40B8}" srcId="{05621564-F11A-4EE9-9288-EA5921E810A3}" destId="{EAFCD9FD-0460-490C-BC53-C1C2294A1F1B}" srcOrd="0" destOrd="0" parTransId="{1C653B44-964E-40FE-BE40-476037D80FBE}" sibTransId="{3143725E-4B9F-4A2C-8EAC-25BB4DF28692}"/>
-    <dgm:cxn modelId="{226FB928-E3BD-4C82-B2DE-DB174A4088DE}" type="presOf" srcId="{1C653B44-964E-40FE-BE40-476037D80FBE}" destId="{663F0EC2-46C1-40FF-A397-FC76ABCC153A}" srcOrd="0" destOrd="0" presId="urn:microsoft.com/office/officeart/2008/layout/NameandTitleOrganizationalChart"/>
-    <dgm:cxn modelId="{B3C1E939-3CE3-482F-B391-71B27D8155E4}" type="presOf" srcId="{E2506E76-247A-4A22-8112-06286F6BF9D6}" destId="{9FFD6547-1490-423C-B748-A892BFCEF6D1}" srcOrd="0" destOrd="0" presId="urn:microsoft.com/office/officeart/2008/layout/NameandTitleOrganizationalChart"/>
-    <dgm:cxn modelId="{23B40D3B-1761-4688-91B0-488E81698CE7}" type="presOf" srcId="{A34E29F1-762A-4413-9136-4448D6A7FF1B}" destId="{437B0F72-2A2A-4417-A68D-C0831648D83B}" srcOrd="1" destOrd="0" presId="urn:microsoft.com/office/officeart/2008/layout/NameandTitleOrganizationalChart"/>
-    <dgm:cxn modelId="{57D2855C-072E-4602-BA3F-0BEEBEC503ED}" srcId="{05621564-F11A-4EE9-9288-EA5921E810A3}" destId="{1EB909B9-745A-48AE-89AC-C00DFBC368E3}" srcOrd="2" destOrd="0" parTransId="{8FBE0BE1-D593-4312-B428-D77535DDFFB3}" sibTransId="{B86A4961-CBFC-4873-AFAB-A8D188DD71F6}"/>
-    <dgm:cxn modelId="{EDB38263-13CD-450F-8ADA-EB5864FE822E}" type="presOf" srcId="{3FC1ADFC-3B56-467F-BFA0-D8A6ACB93FAF}" destId="{F38697DA-5A4B-49B7-B6C8-378F238E4FC9}" srcOrd="0" destOrd="0" presId="urn:microsoft.com/office/officeart/2008/layout/NameandTitleOrganizationalChart"/>
-    <dgm:cxn modelId="{429A2E48-D60A-45AB-AE73-4B0ADF3F9907}" type="presOf" srcId="{EAFCD9FD-0460-490C-BC53-C1C2294A1F1B}" destId="{0522E79A-F287-4B22-92AF-1D187ED87D10}" srcOrd="1" destOrd="0" presId="urn:microsoft.com/office/officeart/2008/layout/NameandTitleOrganizationalChart"/>
-    <dgm:cxn modelId="{CAC8506C-BCC6-4F1B-8D02-A5460EC7F258}" type="presOf" srcId="{EAFCD9FD-0460-490C-BC53-C1C2294A1F1B}" destId="{96524951-A31F-4E40-B9F7-E20E45172749}" srcOrd="0" destOrd="0" presId="urn:microsoft.com/office/officeart/2008/layout/NameandTitleOrganizationalChart"/>
-    <dgm:cxn modelId="{E04CB851-D389-452D-9CE8-1A13A681F541}" type="presOf" srcId="{1148BC83-A01B-42F4-9D03-51BBB011F61C}" destId="{0FEEA645-9467-42F0-B4F5-9F09BFCE7212}" srcOrd="0" destOrd="0" presId="urn:microsoft.com/office/officeart/2008/layout/NameandTitleOrganizationalChart"/>
-    <dgm:cxn modelId="{430F675A-1296-4721-9D36-E40CF65CFD2E}" type="presOf" srcId="{29B4C987-E904-4EE8-B4AA-EED29F3342AC}" destId="{A20B163B-647E-452D-BA22-421B96063E02}" srcOrd="0" destOrd="0" presId="urn:microsoft.com/office/officeart/2008/layout/NameandTitleOrganizationalChart"/>
-    <dgm:cxn modelId="{584AA77A-1F5A-4356-9F86-4432072683BF}" srcId="{05621564-F11A-4EE9-9288-EA5921E810A3}" destId="{A34E29F1-762A-4413-9136-4448D6A7FF1B}" srcOrd="1" destOrd="0" parTransId="{3FC1ADFC-3B56-467F-BFA0-D8A6ACB93FAF}" sibTransId="{E2506E76-247A-4A22-8112-06286F6BF9D6}"/>
-    <dgm:cxn modelId="{1827BB7A-9F0C-485E-B9E5-1F46D6CB7301}" type="presOf" srcId="{1F1AA314-D4BF-4E60-AD7E-9F80909077E5}" destId="{7876B364-D131-49D2-A2F3-681226F6BF1F}" srcOrd="0" destOrd="0" presId="urn:microsoft.com/office/officeart/2008/layout/NameandTitleOrganizationalChart"/>
-    <dgm:cxn modelId="{257C3C8E-67FC-4E9E-957C-0D17309D698A}" type="presOf" srcId="{05621564-F11A-4EE9-9288-EA5921E810A3}" destId="{D46A32EF-66B3-41A4-802D-2844F682BEF0}" srcOrd="0" destOrd="0" presId="urn:microsoft.com/office/officeart/2008/layout/NameandTitleOrganizationalChart"/>
-    <dgm:cxn modelId="{F948268F-0C22-4030-9453-1C14FA6C4F20}" type="presOf" srcId="{B86A4961-CBFC-4873-AFAB-A8D188DD71F6}" destId="{FD9BE22B-C738-4A82-813A-DE1614740311}" srcOrd="0" destOrd="0" presId="urn:microsoft.com/office/officeart/2008/layout/NameandTitleOrganizationalChart"/>
-    <dgm:cxn modelId="{7E5BAE95-ED20-4B28-96FC-8A9B27D3E96B}" type="presOf" srcId="{1EB909B9-745A-48AE-89AC-C00DFBC368E3}" destId="{B270CDF5-7C12-4E9D-AA83-AC163F5E476E}" srcOrd="1" destOrd="0" presId="urn:microsoft.com/office/officeart/2008/layout/NameandTitleOrganizationalChart"/>
-    <dgm:cxn modelId="{8A37CE96-ABD1-405D-BF13-F75259610C9D}" type="presOf" srcId="{011E9C3E-D8DF-4E10-86AE-3E0314E92FE6}" destId="{2EC97923-1A0F-451E-BAFD-2BFFF3F51752}" srcOrd="0" destOrd="0" presId="urn:microsoft.com/office/officeart/2008/layout/NameandTitleOrganizationalChart"/>
-    <dgm:cxn modelId="{1C61479B-C145-4C87-BD3E-B187EE3397BF}" type="presOf" srcId="{3143725E-4B9F-4A2C-8EAC-25BB4DF28692}" destId="{713DBC5A-9AD0-4D96-8A86-E40C9AB35E28}" srcOrd="0" destOrd="0" presId="urn:microsoft.com/office/officeart/2008/layout/NameandTitleOrganizationalChart"/>
-    <dgm:cxn modelId="{723DD19E-017C-4E5B-8CB9-9F34D22BC437}" type="presOf" srcId="{8FBE0BE1-D593-4312-B428-D77535DDFFB3}" destId="{92E20963-03B8-44AC-A77D-D16EAF0943EC}" srcOrd="0" destOrd="0" presId="urn:microsoft.com/office/officeart/2008/layout/NameandTitleOrganizationalChart"/>
-    <dgm:cxn modelId="{A83A61C0-277B-440F-8CB1-9F420E71D5E5}" srcId="{05621564-F11A-4EE9-9288-EA5921E810A3}" destId="{EE9293C8-FEFB-40F8-8ABC-A31593DAD377}" srcOrd="3" destOrd="0" parTransId="{1F1AA314-D4BF-4E60-AD7E-9F80909077E5}" sibTransId="{29B4C987-E904-4EE8-B4AA-EED29F3342AC}"/>
-    <dgm:cxn modelId="{4D8E3ED3-DBBA-4CA1-9BE5-879DD8B52F9B}" srcId="{1148BC83-A01B-42F4-9D03-51BBB011F61C}" destId="{05621564-F11A-4EE9-9288-EA5921E810A3}" srcOrd="0" destOrd="0" parTransId="{0A9EB010-0AAD-4524-8229-3DF9E0B57893}" sibTransId="{011E9C3E-D8DF-4E10-86AE-3E0314E92FE6}"/>
-    <dgm:cxn modelId="{CB7888DA-04CA-4A6B-A2DB-B1313994AFED}" type="presOf" srcId="{05621564-F11A-4EE9-9288-EA5921E810A3}" destId="{3BAB98A5-18A1-49BE-8DEE-81E69C9B915F}" srcOrd="1" destOrd="0" presId="urn:microsoft.com/office/officeart/2008/layout/NameandTitleOrganizationalChart"/>
-    <dgm:cxn modelId="{B0D195DF-58DF-4629-B09A-73EBF2203F89}" type="presOf" srcId="{1EB909B9-745A-48AE-89AC-C00DFBC368E3}" destId="{1C3D9A89-5DEC-4ADB-9F05-46CC3351D978}" srcOrd="0" destOrd="0" presId="urn:microsoft.com/office/officeart/2008/layout/NameandTitleOrganizationalChart"/>
-    <dgm:cxn modelId="{A7CA49E4-2B96-4D8E-9E0D-A34D03619E46}" type="presOf" srcId="{EE9293C8-FEFB-40F8-8ABC-A31593DAD377}" destId="{73479AE9-B852-4846-974C-71B5E8D2567B}" srcOrd="1" destOrd="0" presId="urn:microsoft.com/office/officeart/2008/layout/NameandTitleOrganizationalChart"/>
-    <dgm:cxn modelId="{B13CE85A-4D4D-4775-9859-9AAB989E8BB2}" type="presParOf" srcId="{0FEEA645-9467-42F0-B4F5-9F09BFCE7212}" destId="{6A121CD9-8525-4B1B-A09A-7C4CA348085F}" srcOrd="0" destOrd="0" presId="urn:microsoft.com/office/officeart/2008/layout/NameandTitleOrganizationalChart"/>
-    <dgm:cxn modelId="{ABDDC178-344A-488B-AC23-02ACF6535329}" type="presParOf" srcId="{6A121CD9-8525-4B1B-A09A-7C4CA348085F}" destId="{82B3C2F7-587E-4A18-A41E-C03CD0EBEA42}" srcOrd="0" destOrd="0" presId="urn:microsoft.com/office/officeart/2008/layout/NameandTitleOrganizationalChart"/>
-    <dgm:cxn modelId="{E436A2AF-653C-4A64-A588-A22FAFF52016}" type="presParOf" srcId="{82B3C2F7-587E-4A18-A41E-C03CD0EBEA42}" destId="{D46A32EF-66B3-41A4-802D-2844F682BEF0}" srcOrd="0" destOrd="0" presId="urn:microsoft.com/office/officeart/2008/layout/NameandTitleOrganizationalChart"/>
-    <dgm:cxn modelId="{039AF168-CE1A-4226-AE83-091A15DB35D0}" type="presParOf" srcId="{82B3C2F7-587E-4A18-A41E-C03CD0EBEA42}" destId="{2EC97923-1A0F-451E-BAFD-2BFFF3F51752}" srcOrd="1" destOrd="0" presId="urn:microsoft.com/office/officeart/2008/layout/NameandTitleOrganizationalChart"/>
-    <dgm:cxn modelId="{BFF99516-51BC-435F-855E-F7510395F50B}" type="presParOf" srcId="{82B3C2F7-587E-4A18-A41E-C03CD0EBEA42}" destId="{3BAB98A5-18A1-49BE-8DEE-81E69C9B915F}" srcOrd="2" destOrd="0" presId="urn:microsoft.com/office/officeart/2008/layout/NameandTitleOrganizationalChart"/>
-    <dgm:cxn modelId="{16C03CB3-7125-41DD-BAFD-394E80DBCFEB}" type="presParOf" srcId="{6A121CD9-8525-4B1B-A09A-7C4CA348085F}" destId="{D93CFA2F-D63F-4E42-AB5E-0430AF2D8E64}" srcOrd="1" destOrd="0" presId="urn:microsoft.com/office/officeart/2008/layout/NameandTitleOrganizationalChart"/>
-    <dgm:cxn modelId="{3376B36B-DD7F-4878-81F8-1091233E4801}" type="presParOf" srcId="{D93CFA2F-D63F-4E42-AB5E-0430AF2D8E64}" destId="{F38697DA-5A4B-49B7-B6C8-378F238E4FC9}" srcOrd="0" destOrd="0" presId="urn:microsoft.com/office/officeart/2008/layout/NameandTitleOrganizationalChart"/>
-    <dgm:cxn modelId="{117D8714-6C19-4DC5-AA93-D00121AC3091}" type="presParOf" srcId="{D93CFA2F-D63F-4E42-AB5E-0430AF2D8E64}" destId="{AAFCE382-D830-47CA-97BC-F93ADCE7FE9A}" srcOrd="1" destOrd="0" presId="urn:microsoft.com/office/officeart/2008/layout/NameandTitleOrganizationalChart"/>
-    <dgm:cxn modelId="{A1951313-A3B8-447F-9657-2C445465BC96}" type="presParOf" srcId="{AAFCE382-D830-47CA-97BC-F93ADCE7FE9A}" destId="{25A66D28-9137-4631-9351-078934DD7B84}" srcOrd="0" destOrd="0" presId="urn:microsoft.com/office/officeart/2008/layout/NameandTitleOrganizationalChart"/>
-    <dgm:cxn modelId="{6CD54154-5812-498F-930A-FB84EA6CFEFA}" type="presParOf" srcId="{25A66D28-9137-4631-9351-078934DD7B84}" destId="{7C42552F-545A-4E12-934A-5AE68389673D}" srcOrd="0" destOrd="0" presId="urn:microsoft.com/office/officeart/2008/layout/NameandTitleOrganizationalChart"/>
-    <dgm:cxn modelId="{D9D6FE98-044C-45DF-8870-CCA2FC7EA41F}" type="presParOf" srcId="{25A66D28-9137-4631-9351-078934DD7B84}" destId="{9FFD6547-1490-423C-B748-A892BFCEF6D1}" srcOrd="1" destOrd="0" presId="urn:microsoft.com/office/officeart/2008/layout/NameandTitleOrganizationalChart"/>
-    <dgm:cxn modelId="{1B376E02-A881-40E4-BF5C-B1BFD05DC7EC}" type="presParOf" srcId="{25A66D28-9137-4631-9351-078934DD7B84}" destId="{437B0F72-2A2A-4417-A68D-C0831648D83B}" srcOrd="2" destOrd="0" presId="urn:microsoft.com/office/officeart/2008/layout/NameandTitleOrganizationalChart"/>
-    <dgm:cxn modelId="{CEA75B25-D71E-4451-B8BB-6B2F548B802D}" type="presParOf" srcId="{AAFCE382-D830-47CA-97BC-F93ADCE7FE9A}" destId="{03D5394C-126D-4286-BE9A-186529C0D837}" srcOrd="1" destOrd="0" presId="urn:microsoft.com/office/officeart/2008/layout/NameandTitleOrganizationalChart"/>
-    <dgm:cxn modelId="{246D4E7E-51D5-47FE-AAD9-4724CD6FEEC7}" type="presParOf" srcId="{AAFCE382-D830-47CA-97BC-F93ADCE7FE9A}" destId="{68C68886-964F-4D59-B713-C57C534B2EE6}" srcOrd="2" destOrd="0" presId="urn:microsoft.com/office/officeart/2008/layout/NameandTitleOrganizationalChart"/>
-    <dgm:cxn modelId="{5BB89FBC-26BA-42DE-87A8-2D474F684351}" type="presParOf" srcId="{D93CFA2F-D63F-4E42-AB5E-0430AF2D8E64}" destId="{92E20963-03B8-44AC-A77D-D16EAF0943EC}" srcOrd="2" destOrd="0" presId="urn:microsoft.com/office/officeart/2008/layout/NameandTitleOrganizationalChart"/>
-    <dgm:cxn modelId="{362D35C7-A172-4386-B189-076A13BAE6AC}" type="presParOf" srcId="{D93CFA2F-D63F-4E42-AB5E-0430AF2D8E64}" destId="{13F01CFD-C4BE-463A-9FED-172891F39D30}" srcOrd="3" destOrd="0" presId="urn:microsoft.com/office/officeart/2008/layout/NameandTitleOrganizationalChart"/>
-    <dgm:cxn modelId="{EABDA83A-3C43-46F0-A7B8-B7FF3CF5AA8D}" type="presParOf" srcId="{13F01CFD-C4BE-463A-9FED-172891F39D30}" destId="{018C04D7-3006-43C3-AE02-09B3AE8BF3F1}" srcOrd="0" destOrd="0" presId="urn:microsoft.com/office/officeart/2008/layout/NameandTitleOrganizationalChart"/>
-    <dgm:cxn modelId="{FA83A215-0AC2-4967-9030-90106606A453}" type="presParOf" srcId="{018C04D7-3006-43C3-AE02-09B3AE8BF3F1}" destId="{1C3D9A89-5DEC-4ADB-9F05-46CC3351D978}" srcOrd="0" destOrd="0" presId="urn:microsoft.com/office/officeart/2008/layout/NameandTitleOrganizationalChart"/>
-    <dgm:cxn modelId="{D5A336B4-B190-4D25-96E4-50844BEB96F0}" type="presParOf" srcId="{018C04D7-3006-43C3-AE02-09B3AE8BF3F1}" destId="{FD9BE22B-C738-4A82-813A-DE1614740311}" srcOrd="1" destOrd="0" presId="urn:microsoft.com/office/officeart/2008/layout/NameandTitleOrganizationalChart"/>
-    <dgm:cxn modelId="{F0DDFE85-7EE4-4399-AFE8-8519DCA2D86E}" type="presParOf" srcId="{018C04D7-3006-43C3-AE02-09B3AE8BF3F1}" destId="{B270CDF5-7C12-4E9D-AA83-AC163F5E476E}" srcOrd="2" destOrd="0" presId="urn:microsoft.com/office/officeart/2008/layout/NameandTitleOrganizationalChart"/>
-    <dgm:cxn modelId="{7130EC45-6F34-474D-BC2A-5E739D5278BD}" type="presParOf" srcId="{13F01CFD-C4BE-463A-9FED-172891F39D30}" destId="{0EE73575-A1A2-4220-8ED6-ABDE4A446CF8}" srcOrd="1" destOrd="0" presId="urn:microsoft.com/office/officeart/2008/layout/NameandTitleOrganizationalChart"/>
-    <dgm:cxn modelId="{BFFC43A7-6F16-46AB-B02A-5A306AB15066}" type="presParOf" srcId="{13F01CFD-C4BE-463A-9FED-172891F39D30}" destId="{4DC67D45-4B44-4B79-BAFB-069ECAEBB98C}" srcOrd="2" destOrd="0" presId="urn:microsoft.com/office/officeart/2008/layout/NameandTitleOrganizationalChart"/>
-    <dgm:cxn modelId="{55647A34-72C3-4877-80B1-A48BB45D5F54}" type="presParOf" srcId="{D93CFA2F-D63F-4E42-AB5E-0430AF2D8E64}" destId="{7876B364-D131-49D2-A2F3-681226F6BF1F}" srcOrd="4" destOrd="0" presId="urn:microsoft.com/office/officeart/2008/layout/NameandTitleOrganizationalChart"/>
-    <dgm:cxn modelId="{A14657BF-1F0D-4516-B2AA-81434ED90DB1}" type="presParOf" srcId="{D93CFA2F-D63F-4E42-AB5E-0430AF2D8E64}" destId="{34532F60-C42F-45EE-828C-FEC3948A3EC2}" srcOrd="5" destOrd="0" presId="urn:microsoft.com/office/officeart/2008/layout/NameandTitleOrganizationalChart"/>
-    <dgm:cxn modelId="{1C7DA261-C838-4EB2-8893-16EAB22D9EFB}" type="presParOf" srcId="{34532F60-C42F-45EE-828C-FEC3948A3EC2}" destId="{1EBCAF75-DB7D-4CFA-92A0-717DB628C07E}" srcOrd="0" destOrd="0" presId="urn:microsoft.com/office/officeart/2008/layout/NameandTitleOrganizationalChart"/>
-    <dgm:cxn modelId="{4DC8B524-05F7-444C-AC61-23D3E0A978E1}" type="presParOf" srcId="{1EBCAF75-DB7D-4CFA-92A0-717DB628C07E}" destId="{028D17BA-3ADF-47D5-8491-EFEB15A78C0A}" srcOrd="0" destOrd="0" presId="urn:microsoft.com/office/officeart/2008/layout/NameandTitleOrganizationalChart"/>
-    <dgm:cxn modelId="{69E1C0CE-D69E-454B-804E-0C693E990142}" type="presParOf" srcId="{1EBCAF75-DB7D-4CFA-92A0-717DB628C07E}" destId="{A20B163B-647E-452D-BA22-421B96063E02}" srcOrd="1" destOrd="0" presId="urn:microsoft.com/office/officeart/2008/layout/NameandTitleOrganizationalChart"/>
-    <dgm:cxn modelId="{34DD365E-AB5E-4339-85C6-20E018D0C7BB}" type="presParOf" srcId="{1EBCAF75-DB7D-4CFA-92A0-717DB628C07E}" destId="{73479AE9-B852-4846-974C-71B5E8D2567B}" srcOrd="2" destOrd="0" presId="urn:microsoft.com/office/officeart/2008/layout/NameandTitleOrganizationalChart"/>
-    <dgm:cxn modelId="{273725C9-02C5-4482-96BA-53E054D69FB9}" type="presParOf" srcId="{34532F60-C42F-45EE-828C-FEC3948A3EC2}" destId="{CA395066-8FAA-41AA-85BB-277EB45428D9}" srcOrd="1" destOrd="0" presId="urn:microsoft.com/office/officeart/2008/layout/NameandTitleOrganizationalChart"/>
-    <dgm:cxn modelId="{601AE97D-CEE0-433D-8042-1CF6342FA712}" type="presParOf" srcId="{34532F60-C42F-45EE-828C-FEC3948A3EC2}" destId="{FDD955E0-FEC5-4770-B6D4-B37A22914C39}" srcOrd="2" destOrd="0" presId="urn:microsoft.com/office/officeart/2008/layout/NameandTitleOrganizationalChart"/>
-    <dgm:cxn modelId="{D089CBA7-999A-4EF5-808E-A22F34965E91}" type="presParOf" srcId="{6A121CD9-8525-4B1B-A09A-7C4CA348085F}" destId="{8CDC58EB-8563-45E9-802B-AFF9577DAAA9}" srcOrd="2" destOrd="0" presId="urn:microsoft.com/office/officeart/2008/layout/NameandTitleOrganizationalChart"/>
-    <dgm:cxn modelId="{9F037170-09BB-47E1-938F-11DED4962175}" type="presParOf" srcId="{8CDC58EB-8563-45E9-802B-AFF9577DAAA9}" destId="{663F0EC2-46C1-40FF-A397-FC76ABCC153A}" srcOrd="0" destOrd="0" presId="urn:microsoft.com/office/officeart/2008/layout/NameandTitleOrganizationalChart"/>
-    <dgm:cxn modelId="{CA5529FF-F9E0-41E9-BD92-68157CCB0712}" type="presParOf" srcId="{8CDC58EB-8563-45E9-802B-AFF9577DAAA9}" destId="{CCAF1DF5-33E9-43DF-A3AF-11ADCA80AFC9}" srcOrd="1" destOrd="0" presId="urn:microsoft.com/office/officeart/2008/layout/NameandTitleOrganizationalChart"/>
-    <dgm:cxn modelId="{307E1885-280B-4780-B473-16A784A2BD82}" type="presParOf" srcId="{CCAF1DF5-33E9-43DF-A3AF-11ADCA80AFC9}" destId="{AA05B460-E466-4F84-9735-937F5845BC29}" srcOrd="0" destOrd="0" presId="urn:microsoft.com/office/officeart/2008/layout/NameandTitleOrganizationalChart"/>
-    <dgm:cxn modelId="{59D24BAA-1292-4614-BE4F-51749B7B10BD}" type="presParOf" srcId="{AA05B460-E466-4F84-9735-937F5845BC29}" destId="{96524951-A31F-4E40-B9F7-E20E45172749}" srcOrd="0" destOrd="0" presId="urn:microsoft.com/office/officeart/2008/layout/NameandTitleOrganizationalChart"/>
-    <dgm:cxn modelId="{F365F3BE-06DF-4CAB-9052-CCF300EE2863}" type="presParOf" srcId="{AA05B460-E466-4F84-9735-937F5845BC29}" destId="{713DBC5A-9AD0-4D96-8A86-E40C9AB35E28}" srcOrd="1" destOrd="0" presId="urn:microsoft.com/office/officeart/2008/layout/NameandTitleOrganizationalChart"/>
-    <dgm:cxn modelId="{B1FCC1B4-C896-4C7D-A9F3-82E96F082241}" type="presParOf" srcId="{AA05B460-E466-4F84-9735-937F5845BC29}" destId="{0522E79A-F287-4B22-92AF-1D187ED87D10}" srcOrd="2" destOrd="0" presId="urn:microsoft.com/office/officeart/2008/layout/NameandTitleOrganizationalChart"/>
-    <dgm:cxn modelId="{BFEE84BD-1721-4FB4-98AB-4904FB200E38}" type="presParOf" srcId="{CCAF1DF5-33E9-43DF-A3AF-11ADCA80AFC9}" destId="{C40A7AC1-2C97-430E-BCC7-91B611C2EFBD}" srcOrd="1" destOrd="0" presId="urn:microsoft.com/office/officeart/2008/layout/NameandTitleOrganizationalChart"/>
-    <dgm:cxn modelId="{B3279CD4-E869-4890-8E19-B77DB3451040}" type="presParOf" srcId="{CCAF1DF5-33E9-43DF-A3AF-11ADCA80AFC9}" destId="{A716F923-2FE1-44AE-8961-8A88F7807E7A}" srcOrd="2" destOrd="0" presId="urn:microsoft.com/office/officeart/2008/layout/NameandTitleOrganizationalChart"/>
-  </dgm:cxnLst>
-  <dgm:bg/>
-  <dgm:whole/>
-  <dgm:extLst>
-    <a:ext uri="http://schemas.microsoft.com/office/drawing/2008/diagram">
-      <dsp:dataModelExt xmlns:dsp="http://schemas.microsoft.com/office/drawing/2008/diagram" relId="rId6" minVer="http://schemas.openxmlformats.org/drawingml/2006/diagram"/>
-    </a:ext>
-  </dgm:extLst>
-</dgm:dataModel>
-</file>
-
-<file path=ppt/diagrams/drawing1.xml><?xml version="1.0" encoding="utf-8"?>
-<dsp:drawing xmlns:dgm="http://schemas.openxmlformats.org/drawingml/2006/diagram" xmlns:dsp="http://schemas.microsoft.com/office/drawing/2008/diagram" xmlns:a="http://schemas.openxmlformats.org/drawingml/2006/main">
-  <dsp:spTree>
-    <dsp:nvGrpSpPr>
-      <dsp:cNvPr id="0" name=""/>
-      <dsp:cNvGrpSpPr/>
-    </dsp:nvGrpSpPr>
-    <dsp:grpSpPr/>
-    <dsp:sp modelId="{663F0EC2-46C1-40FF-A397-FC76ABCC153A}">
-      <dsp:nvSpPr>
-        <dsp:cNvPr id="0" name=""/>
-        <dsp:cNvSpPr/>
-      </dsp:nvSpPr>
-      <dsp:spPr>
-        <a:xfrm>
-          <a:off x="4822994" y="1020198"/>
-          <a:ext cx="336348" cy="1098830"/>
-        </a:xfrm>
-        <a:custGeom>
-          <a:avLst/>
-          <a:gdLst/>
-          <a:ahLst/>
-          <a:cxnLst/>
-          <a:rect l="0" t="0" r="0" b="0"/>
-          <a:pathLst>
-            <a:path>
-              <a:moveTo>
-                <a:pt x="336348" y="0"/>
-              </a:moveTo>
-              <a:lnTo>
-                <a:pt x="336348" y="1098830"/>
-              </a:lnTo>
-              <a:lnTo>
-                <a:pt x="0" y="1098830"/>
-              </a:lnTo>
-            </a:path>
-          </a:pathLst>
-        </a:custGeom>
-        <a:noFill/>
-        <a:ln w="12700" cap="flat" cmpd="sng" algn="ctr">
-          <a:solidFill>
-            <a:schemeClr val="accent1">
-              <a:shade val="60000"/>
-              <a:hueOff val="0"/>
-              <a:satOff val="0"/>
-              <a:lumOff val="0"/>
-              <a:alphaOff val="0"/>
-            </a:schemeClr>
-          </a:solidFill>
-          <a:prstDash val="solid"/>
-          <a:miter lim="800000"/>
-        </a:ln>
-        <a:effectLst/>
-      </dsp:spPr>
-      <dsp:style>
-        <a:lnRef idx="2">
-          <a:scrgbClr r="0" g="0" b="0"/>
-        </a:lnRef>
-        <a:fillRef idx="0">
-          <a:scrgbClr r="0" g="0" b="0"/>
-        </a:fillRef>
-        <a:effectRef idx="0">
-          <a:scrgbClr r="0" g="0" b="0"/>
-        </a:effectRef>
-        <a:fontRef idx="minor"/>
-      </dsp:style>
-    </dsp:sp>
-    <dsp:sp modelId="{7876B364-D131-49D2-A2F3-681226F6BF1F}">
-      <dsp:nvSpPr>
-        <dsp:cNvPr id="0" name=""/>
-        <dsp:cNvSpPr/>
-      </dsp:nvSpPr>
-      <dsp:spPr>
-        <a:xfrm>
-          <a:off x="5159343" y="1020198"/>
-          <a:ext cx="2641835" cy="2197660"/>
-        </a:xfrm>
-        <a:custGeom>
-          <a:avLst/>
-          <a:gdLst/>
-          <a:ahLst/>
-          <a:cxnLst/>
-          <a:rect l="0" t="0" r="0" b="0"/>
-          <a:pathLst>
-            <a:path>
-              <a:moveTo>
-                <a:pt x="0" y="0"/>
-              </a:moveTo>
-              <a:lnTo>
-                <a:pt x="0" y="1959769"/>
-              </a:lnTo>
-              <a:lnTo>
-                <a:pt x="2641835" y="1959769"/>
-              </a:lnTo>
-              <a:lnTo>
-                <a:pt x="2641835" y="2197660"/>
-              </a:lnTo>
-            </a:path>
-          </a:pathLst>
-        </a:custGeom>
-        <a:noFill/>
-        <a:ln w="12700" cap="flat" cmpd="sng" algn="ctr">
-          <a:solidFill>
-            <a:schemeClr val="accent1">
-              <a:shade val="60000"/>
-              <a:hueOff val="0"/>
-              <a:satOff val="0"/>
-              <a:lumOff val="0"/>
-              <a:alphaOff val="0"/>
-            </a:schemeClr>
-          </a:solidFill>
-          <a:prstDash val="solid"/>
-          <a:miter lim="800000"/>
-        </a:ln>
-        <a:effectLst/>
-      </dsp:spPr>
-      <dsp:style>
-        <a:lnRef idx="2">
-          <a:scrgbClr r="0" g="0" b="0"/>
-        </a:lnRef>
-        <a:fillRef idx="0">
-          <a:scrgbClr r="0" g="0" b="0"/>
-        </a:fillRef>
-        <a:effectRef idx="0">
-          <a:scrgbClr r="0" g="0" b="0"/>
-        </a:effectRef>
-        <a:fontRef idx="minor"/>
-      </dsp:style>
-    </dsp:sp>
-    <dsp:sp modelId="{92E20963-03B8-44AC-A77D-D16EAF0943EC}">
-      <dsp:nvSpPr>
-        <dsp:cNvPr id="0" name=""/>
-        <dsp:cNvSpPr/>
-      </dsp:nvSpPr>
-      <dsp:spPr>
-        <a:xfrm>
-          <a:off x="5113623" y="1020198"/>
-          <a:ext cx="91440" cy="2197660"/>
-        </a:xfrm>
-        <a:custGeom>
-          <a:avLst/>
-          <a:gdLst/>
-          <a:ahLst/>
-          <a:cxnLst/>
-          <a:rect l="0" t="0" r="0" b="0"/>
-          <a:pathLst>
-            <a:path>
-              <a:moveTo>
-                <a:pt x="45720" y="0"/>
-              </a:moveTo>
-              <a:lnTo>
-                <a:pt x="45720" y="2197660"/>
-              </a:lnTo>
-            </a:path>
-          </a:pathLst>
-        </a:custGeom>
-        <a:noFill/>
-        <a:ln w="12700" cap="flat" cmpd="sng" algn="ctr">
-          <a:solidFill>
-            <a:schemeClr val="accent1">
-              <a:shade val="60000"/>
-              <a:hueOff val="0"/>
-              <a:satOff val="0"/>
-              <a:lumOff val="0"/>
-              <a:alphaOff val="0"/>
-            </a:schemeClr>
-          </a:solidFill>
-          <a:prstDash val="solid"/>
-          <a:miter lim="800000"/>
-        </a:ln>
-        <a:effectLst/>
-      </dsp:spPr>
-      <dsp:style>
-        <a:lnRef idx="2">
-          <a:scrgbClr r="0" g="0" b="0"/>
-        </a:lnRef>
-        <a:fillRef idx="0">
-          <a:scrgbClr r="0" g="0" b="0"/>
-        </a:fillRef>
-        <a:effectRef idx="0">
-          <a:scrgbClr r="0" g="0" b="0"/>
-        </a:effectRef>
-        <a:fontRef idx="minor"/>
-      </dsp:style>
-    </dsp:sp>
-    <dsp:sp modelId="{F38697DA-5A4B-49B7-B6C8-378F238E4FC9}">
-      <dsp:nvSpPr>
-        <dsp:cNvPr id="0" name=""/>
-        <dsp:cNvSpPr/>
-      </dsp:nvSpPr>
-      <dsp:spPr>
-        <a:xfrm>
-          <a:off x="2517507" y="1020198"/>
-          <a:ext cx="2641835" cy="2197660"/>
-        </a:xfrm>
-        <a:custGeom>
-          <a:avLst/>
-          <a:gdLst/>
-          <a:ahLst/>
-          <a:cxnLst/>
-          <a:rect l="0" t="0" r="0" b="0"/>
-          <a:pathLst>
-            <a:path>
-              <a:moveTo>
-                <a:pt x="2641835" y="0"/>
-              </a:moveTo>
-              <a:lnTo>
-                <a:pt x="2641835" y="1959769"/>
-              </a:lnTo>
-              <a:lnTo>
-                <a:pt x="0" y="1959769"/>
-              </a:lnTo>
-              <a:lnTo>
-                <a:pt x="0" y="2197660"/>
-              </a:lnTo>
-            </a:path>
-          </a:pathLst>
-        </a:custGeom>
-        <a:noFill/>
-        <a:ln w="12700" cap="flat" cmpd="sng" algn="ctr">
-          <a:solidFill>
-            <a:schemeClr val="accent1">
-              <a:shade val="60000"/>
-              <a:hueOff val="0"/>
-              <a:satOff val="0"/>
-              <a:lumOff val="0"/>
-              <a:alphaOff val="0"/>
-            </a:schemeClr>
-          </a:solidFill>
-          <a:prstDash val="solid"/>
-          <a:miter lim="800000"/>
-        </a:ln>
-        <a:effectLst/>
-      </dsp:spPr>
-      <dsp:style>
-        <a:lnRef idx="2">
-          <a:scrgbClr r="0" g="0" b="0"/>
-        </a:lnRef>
-        <a:fillRef idx="0">
-          <a:scrgbClr r="0" g="0" b="0"/>
-        </a:fillRef>
-        <a:effectRef idx="0">
-          <a:scrgbClr r="0" g="0" b="0"/>
-        </a:effectRef>
-        <a:fontRef idx="minor"/>
-      </dsp:style>
-    </dsp:sp>
-    <dsp:sp modelId="{D46A32EF-66B3-41A4-802D-2844F682BEF0}">
-      <dsp:nvSpPr>
-        <dsp:cNvPr id="0" name=""/>
-        <dsp:cNvSpPr/>
-      </dsp:nvSpPr>
-      <dsp:spPr>
-        <a:xfrm>
-          <a:off x="4174773" y="665"/>
-          <a:ext cx="1969139" cy="1019533"/>
-        </a:xfrm>
-        <a:prstGeom prst="rect">
-          <a:avLst/>
-        </a:prstGeom>
-        <a:solidFill>
-          <a:schemeClr val="accent1">
-            <a:hueOff val="0"/>
-            <a:satOff val="0"/>
-            <a:lumOff val="0"/>
-            <a:alphaOff val="0"/>
-          </a:schemeClr>
-        </a:solidFill>
-        <a:ln w="12700" cap="flat" cmpd="sng" algn="ctr">
-          <a:solidFill>
-            <a:schemeClr val="lt1">
-              <a:hueOff val="0"/>
-              <a:satOff val="0"/>
-              <a:lumOff val="0"/>
-              <a:alphaOff val="0"/>
-            </a:schemeClr>
-          </a:solidFill>
-          <a:prstDash val="solid"/>
-          <a:miter lim="800000"/>
-        </a:ln>
-        <a:effectLst/>
-      </dsp:spPr>
-      <dsp:style>
-        <a:lnRef idx="2">
-          <a:scrgbClr r="0" g="0" b="0"/>
-        </a:lnRef>
-        <a:fillRef idx="1">
-          <a:scrgbClr r="0" g="0" b="0"/>
-        </a:fillRef>
-        <a:effectRef idx="0">
-          <a:scrgbClr r="0" g="0" b="0"/>
-        </a:effectRef>
-        <a:fontRef idx="minor">
-          <a:schemeClr val="lt1"/>
-        </a:fontRef>
-      </dsp:style>
-      <dsp:txBody>
-        <a:bodyPr spcFirstLastPara="0" vert="horz" wrap="square" lIns="26035" tIns="26035" rIns="26035" bIns="143867" numCol="1" spcCol="1270" anchor="ctr" anchorCtr="0">
-          <a:noAutofit/>
-        </a:bodyPr>
-        <a:lstStyle/>
-        <a:p>
-          <a:pPr marL="0" lvl="0" indent="0" algn="ctr" defTabSz="1822450">
-            <a:lnSpc>
-              <a:spcPct val="90000"/>
-            </a:lnSpc>
-            <a:spcBef>
-              <a:spcPct val="0"/>
-            </a:spcBef>
-            <a:spcAft>
-              <a:spcPct val="35000"/>
-            </a:spcAft>
-            <a:buNone/>
-          </a:pPr>
-          <a:r>
-            <a:rPr lang="nl-BE" sz="4100" kern="1200" dirty="0" err="1"/>
-            <a:t>Owner</a:t>
-          </a:r>
-          <a:endParaRPr lang="nl-BE" sz="4100" kern="1200" dirty="0"/>
-        </a:p>
-      </dsp:txBody>
-      <dsp:txXfrm>
-        <a:off x="4174773" y="665"/>
-        <a:ext cx="1969139" cy="1019533"/>
-      </dsp:txXfrm>
-    </dsp:sp>
-    <dsp:sp modelId="{2EC97923-1A0F-451E-BAFD-2BFFF3F51752}">
-      <dsp:nvSpPr>
-        <dsp:cNvPr id="0" name=""/>
-        <dsp:cNvSpPr/>
-      </dsp:nvSpPr>
-      <dsp:spPr>
-        <a:xfrm>
-          <a:off x="4568601" y="793635"/>
-          <a:ext cx="1772225" cy="339844"/>
-        </a:xfrm>
-        <a:prstGeom prst="rect">
-          <a:avLst/>
-        </a:prstGeom>
-        <a:solidFill>
-          <a:schemeClr val="lt1">
-            <a:alpha val="90000"/>
-            <a:hueOff val="0"/>
-            <a:satOff val="0"/>
-            <a:lumOff val="0"/>
-            <a:alphaOff val="0"/>
-          </a:schemeClr>
-        </a:solidFill>
-        <a:ln w="12700" cap="flat" cmpd="sng" algn="ctr">
-          <a:solidFill>
-            <a:schemeClr val="accent1">
-              <a:hueOff val="0"/>
-              <a:satOff val="0"/>
-              <a:lumOff val="0"/>
-              <a:alphaOff val="0"/>
-            </a:schemeClr>
-          </a:solidFill>
-          <a:prstDash val="solid"/>
-          <a:miter lim="800000"/>
-        </a:ln>
-        <a:effectLst/>
-      </dsp:spPr>
-      <dsp:style>
-        <a:lnRef idx="2">
-          <a:scrgbClr r="0" g="0" b="0"/>
-        </a:lnRef>
-        <a:fillRef idx="1">
-          <a:scrgbClr r="0" g="0" b="0"/>
-        </a:fillRef>
-        <a:effectRef idx="0">
-          <a:scrgbClr r="0" g="0" b="0"/>
-        </a:effectRef>
-        <a:fontRef idx="minor"/>
-      </dsp:style>
-      <dsp:txBody>
-        <a:bodyPr spcFirstLastPara="0" vert="horz" wrap="square" lIns="55880" tIns="13970" rIns="55880" bIns="13970" numCol="1" spcCol="1270" anchor="ctr" anchorCtr="0">
-          <a:noAutofit/>
-        </a:bodyPr>
-        <a:lstStyle/>
-        <a:p>
-          <a:pPr marL="0" lvl="0" indent="0" algn="r" defTabSz="977900">
-            <a:lnSpc>
-              <a:spcPct val="90000"/>
-            </a:lnSpc>
-            <a:spcBef>
-              <a:spcPct val="0"/>
-            </a:spcBef>
-            <a:spcAft>
-              <a:spcPct val="35000"/>
-            </a:spcAft>
-            <a:buNone/>
-          </a:pPr>
-          <a:endParaRPr lang="nl-BE" sz="2200" kern="1200"/>
-        </a:p>
-      </dsp:txBody>
-      <dsp:txXfrm>
-        <a:off x="4568601" y="793635"/>
-        <a:ext cx="1772225" cy="339844"/>
-      </dsp:txXfrm>
-    </dsp:sp>
-    <dsp:sp modelId="{7C42552F-545A-4E12-934A-5AE68389673D}">
-      <dsp:nvSpPr>
-        <dsp:cNvPr id="0" name=""/>
-        <dsp:cNvSpPr/>
-      </dsp:nvSpPr>
-      <dsp:spPr>
-        <a:xfrm>
-          <a:off x="1532937" y="3217858"/>
-          <a:ext cx="1969139" cy="1019533"/>
-        </a:xfrm>
-        <a:prstGeom prst="rect">
-          <a:avLst/>
-        </a:prstGeom>
-        <a:solidFill>
-          <a:schemeClr val="accent1">
-            <a:hueOff val="0"/>
-            <a:satOff val="0"/>
-            <a:lumOff val="0"/>
-            <a:alphaOff val="0"/>
-          </a:schemeClr>
-        </a:solidFill>
-        <a:ln w="12700" cap="flat" cmpd="sng" algn="ctr">
-          <a:solidFill>
-            <a:schemeClr val="lt1">
-              <a:hueOff val="0"/>
-              <a:satOff val="0"/>
-              <a:lumOff val="0"/>
-              <a:alphaOff val="0"/>
-            </a:schemeClr>
-          </a:solidFill>
-          <a:prstDash val="solid"/>
-          <a:miter lim="800000"/>
-        </a:ln>
-        <a:effectLst/>
-      </dsp:spPr>
-      <dsp:style>
-        <a:lnRef idx="2">
-          <a:scrgbClr r="0" g="0" b="0"/>
-        </a:lnRef>
-        <a:fillRef idx="1">
-          <a:scrgbClr r="0" g="0" b="0"/>
-        </a:fillRef>
-        <a:effectRef idx="0">
-          <a:scrgbClr r="0" g="0" b="0"/>
-        </a:effectRef>
-        <a:fontRef idx="minor">
-          <a:schemeClr val="lt1"/>
-        </a:fontRef>
-      </dsp:style>
-      <dsp:txBody>
-        <a:bodyPr spcFirstLastPara="0" vert="horz" wrap="square" lIns="26035" tIns="26035" rIns="26035" bIns="143867" numCol="1" spcCol="1270" anchor="ctr" anchorCtr="0">
-          <a:noAutofit/>
-        </a:bodyPr>
-        <a:lstStyle/>
-        <a:p>
-          <a:pPr marL="0" lvl="0" indent="0" algn="ctr" defTabSz="1822450">
-            <a:lnSpc>
-              <a:spcPct val="90000"/>
-            </a:lnSpc>
-            <a:spcBef>
-              <a:spcPct val="0"/>
-            </a:spcBef>
-            <a:spcAft>
-              <a:spcPct val="35000"/>
-            </a:spcAft>
-            <a:buNone/>
-          </a:pPr>
-          <a:r>
-            <a:rPr lang="nl-BE" sz="4100" kern="1200" dirty="0"/>
-            <a:t>Lead</a:t>
-          </a:r>
-        </a:p>
-      </dsp:txBody>
-      <dsp:txXfrm>
-        <a:off x="1532937" y="3217858"/>
-        <a:ext cx="1969139" cy="1019533"/>
-      </dsp:txXfrm>
-    </dsp:sp>
-    <dsp:sp modelId="{9FFD6547-1490-423C-B748-A892BFCEF6D1}">
-      <dsp:nvSpPr>
-        <dsp:cNvPr id="0" name=""/>
-        <dsp:cNvSpPr/>
-      </dsp:nvSpPr>
-      <dsp:spPr>
-        <a:xfrm>
-          <a:off x="1926765" y="4010828"/>
-          <a:ext cx="1772225" cy="339844"/>
-        </a:xfrm>
-        <a:prstGeom prst="rect">
-          <a:avLst/>
-        </a:prstGeom>
-        <a:solidFill>
-          <a:schemeClr val="lt1">
-            <a:alpha val="90000"/>
-            <a:hueOff val="0"/>
-            <a:satOff val="0"/>
-            <a:lumOff val="0"/>
-            <a:alphaOff val="0"/>
-          </a:schemeClr>
-        </a:solidFill>
-        <a:ln w="12700" cap="flat" cmpd="sng" algn="ctr">
-          <a:solidFill>
-            <a:schemeClr val="accent1">
-              <a:hueOff val="0"/>
-              <a:satOff val="0"/>
-              <a:lumOff val="0"/>
-              <a:alphaOff val="0"/>
-            </a:schemeClr>
-          </a:solidFill>
-          <a:prstDash val="solid"/>
-          <a:miter lim="800000"/>
-        </a:ln>
-        <a:effectLst/>
-      </dsp:spPr>
-      <dsp:style>
-        <a:lnRef idx="2">
-          <a:scrgbClr r="0" g="0" b="0"/>
-        </a:lnRef>
-        <a:fillRef idx="1">
-          <a:scrgbClr r="0" g="0" b="0"/>
-        </a:fillRef>
-        <a:effectRef idx="0">
-          <a:scrgbClr r="0" g="0" b="0"/>
-        </a:effectRef>
-        <a:fontRef idx="minor"/>
-      </dsp:style>
-      <dsp:txBody>
-        <a:bodyPr spcFirstLastPara="0" vert="horz" wrap="square" lIns="55880" tIns="13970" rIns="55880" bIns="13970" numCol="1" spcCol="1270" anchor="ctr" anchorCtr="0">
-          <a:noAutofit/>
-        </a:bodyPr>
-        <a:lstStyle/>
-        <a:p>
-          <a:pPr marL="0" lvl="0" indent="0" algn="r" defTabSz="977900">
-            <a:lnSpc>
-              <a:spcPct val="90000"/>
-            </a:lnSpc>
-            <a:spcBef>
-              <a:spcPct val="0"/>
-            </a:spcBef>
-            <a:spcAft>
-              <a:spcPct val="35000"/>
-            </a:spcAft>
-            <a:buNone/>
-          </a:pPr>
-          <a:endParaRPr lang="nl-BE" sz="2200" kern="1200"/>
-        </a:p>
-      </dsp:txBody>
-      <dsp:txXfrm>
-        <a:off x="1926765" y="4010828"/>
-        <a:ext cx="1772225" cy="339844"/>
-      </dsp:txXfrm>
-    </dsp:sp>
-    <dsp:sp modelId="{1C3D9A89-5DEC-4ADB-9F05-46CC3351D978}">
-      <dsp:nvSpPr>
-        <dsp:cNvPr id="0" name=""/>
-        <dsp:cNvSpPr/>
-      </dsp:nvSpPr>
-      <dsp:spPr>
-        <a:xfrm>
-          <a:off x="4174773" y="3217858"/>
-          <a:ext cx="1969139" cy="1019533"/>
-        </a:xfrm>
-        <a:prstGeom prst="rect">
-          <a:avLst/>
-        </a:prstGeom>
-        <a:solidFill>
-          <a:schemeClr val="accent1">
-            <a:hueOff val="0"/>
-            <a:satOff val="0"/>
-            <a:lumOff val="0"/>
-            <a:alphaOff val="0"/>
-          </a:schemeClr>
-        </a:solidFill>
-        <a:ln w="12700" cap="flat" cmpd="sng" algn="ctr">
-          <a:solidFill>
-            <a:schemeClr val="lt1">
-              <a:hueOff val="0"/>
-              <a:satOff val="0"/>
-              <a:lumOff val="0"/>
-              <a:alphaOff val="0"/>
-            </a:schemeClr>
-          </a:solidFill>
-          <a:prstDash val="solid"/>
-          <a:miter lim="800000"/>
-        </a:ln>
-        <a:effectLst/>
-      </dsp:spPr>
-      <dsp:style>
-        <a:lnRef idx="2">
-          <a:scrgbClr r="0" g="0" b="0"/>
-        </a:lnRef>
-        <a:fillRef idx="1">
-          <a:scrgbClr r="0" g="0" b="0"/>
-        </a:fillRef>
-        <a:effectRef idx="0">
-          <a:scrgbClr r="0" g="0" b="0"/>
-        </a:effectRef>
-        <a:fontRef idx="minor">
-          <a:schemeClr val="lt1"/>
-        </a:fontRef>
-      </dsp:style>
-      <dsp:txBody>
-        <a:bodyPr spcFirstLastPara="0" vert="horz" wrap="square" lIns="26035" tIns="26035" rIns="26035" bIns="143867" numCol="1" spcCol="1270" anchor="ctr" anchorCtr="0">
-          <a:noAutofit/>
-        </a:bodyPr>
-        <a:lstStyle/>
-        <a:p>
-          <a:pPr marL="0" lvl="0" indent="0" algn="ctr" defTabSz="1822450">
-            <a:lnSpc>
-              <a:spcPct val="90000"/>
-            </a:lnSpc>
-            <a:spcBef>
-              <a:spcPct val="0"/>
-            </a:spcBef>
-            <a:spcAft>
-              <a:spcPct val="35000"/>
-            </a:spcAft>
-            <a:buNone/>
-          </a:pPr>
-          <a:r>
-            <a:rPr lang="nl-BE" sz="4100" kern="1200" dirty="0" err="1"/>
-            <a:t>Dev</a:t>
-          </a:r>
-          <a:endParaRPr lang="nl-BE" sz="4100" kern="1200" dirty="0"/>
-        </a:p>
-      </dsp:txBody>
-      <dsp:txXfrm>
-        <a:off x="4174773" y="3217858"/>
-        <a:ext cx="1969139" cy="1019533"/>
-      </dsp:txXfrm>
-    </dsp:sp>
-    <dsp:sp modelId="{FD9BE22B-C738-4A82-813A-DE1614740311}">
-      <dsp:nvSpPr>
-        <dsp:cNvPr id="0" name=""/>
-        <dsp:cNvSpPr/>
-      </dsp:nvSpPr>
-      <dsp:spPr>
-        <a:xfrm>
-          <a:off x="4568601" y="4010828"/>
-          <a:ext cx="1772225" cy="339844"/>
-        </a:xfrm>
-        <a:prstGeom prst="rect">
-          <a:avLst/>
-        </a:prstGeom>
-        <a:solidFill>
-          <a:schemeClr val="lt1">
-            <a:alpha val="90000"/>
-            <a:hueOff val="0"/>
-            <a:satOff val="0"/>
-            <a:lumOff val="0"/>
-            <a:alphaOff val="0"/>
-          </a:schemeClr>
-        </a:solidFill>
-        <a:ln w="12700" cap="flat" cmpd="sng" algn="ctr">
-          <a:solidFill>
-            <a:schemeClr val="accent1">
-              <a:hueOff val="0"/>
-              <a:satOff val="0"/>
-              <a:lumOff val="0"/>
-              <a:alphaOff val="0"/>
-            </a:schemeClr>
-          </a:solidFill>
-          <a:prstDash val="solid"/>
-          <a:miter lim="800000"/>
-        </a:ln>
-        <a:effectLst/>
-      </dsp:spPr>
-      <dsp:style>
-        <a:lnRef idx="2">
-          <a:scrgbClr r="0" g="0" b="0"/>
-        </a:lnRef>
-        <a:fillRef idx="1">
-          <a:scrgbClr r="0" g="0" b="0"/>
-        </a:fillRef>
-        <a:effectRef idx="0">
-          <a:scrgbClr r="0" g="0" b="0"/>
-        </a:effectRef>
-        <a:fontRef idx="minor"/>
-      </dsp:style>
-      <dsp:txBody>
-        <a:bodyPr spcFirstLastPara="0" vert="horz" wrap="square" lIns="55880" tIns="13970" rIns="55880" bIns="13970" numCol="1" spcCol="1270" anchor="ctr" anchorCtr="0">
-          <a:noAutofit/>
-        </a:bodyPr>
-        <a:lstStyle/>
-        <a:p>
-          <a:pPr marL="0" lvl="0" indent="0" algn="r" defTabSz="977900">
-            <a:lnSpc>
-              <a:spcPct val="90000"/>
-            </a:lnSpc>
-            <a:spcBef>
-              <a:spcPct val="0"/>
-            </a:spcBef>
-            <a:spcAft>
-              <a:spcPct val="35000"/>
-            </a:spcAft>
-            <a:buNone/>
-          </a:pPr>
-          <a:endParaRPr lang="nl-BE" sz="2200" kern="1200"/>
-        </a:p>
-      </dsp:txBody>
-      <dsp:txXfrm>
-        <a:off x="4568601" y="4010828"/>
-        <a:ext cx="1772225" cy="339844"/>
-      </dsp:txXfrm>
-    </dsp:sp>
-    <dsp:sp modelId="{028D17BA-3ADF-47D5-8491-EFEB15A78C0A}">
-      <dsp:nvSpPr>
-        <dsp:cNvPr id="0" name=""/>
-        <dsp:cNvSpPr/>
-      </dsp:nvSpPr>
-      <dsp:spPr>
-        <a:xfrm>
-          <a:off x="6816608" y="3217858"/>
-          <a:ext cx="1969139" cy="1019533"/>
-        </a:xfrm>
-        <a:prstGeom prst="rect">
-          <a:avLst/>
-        </a:prstGeom>
-        <a:solidFill>
-          <a:schemeClr val="accent1">
-            <a:hueOff val="0"/>
-            <a:satOff val="0"/>
-            <a:lumOff val="0"/>
-            <a:alphaOff val="0"/>
-          </a:schemeClr>
-        </a:solidFill>
-        <a:ln w="12700" cap="flat" cmpd="sng" algn="ctr">
-          <a:solidFill>
-            <a:schemeClr val="lt1">
-              <a:hueOff val="0"/>
-              <a:satOff val="0"/>
-              <a:lumOff val="0"/>
-              <a:alphaOff val="0"/>
-            </a:schemeClr>
-          </a:solidFill>
-          <a:prstDash val="solid"/>
-          <a:miter lim="800000"/>
-        </a:ln>
-        <a:effectLst/>
-      </dsp:spPr>
-      <dsp:style>
-        <a:lnRef idx="2">
-          <a:scrgbClr r="0" g="0" b="0"/>
-        </a:lnRef>
-        <a:fillRef idx="1">
-          <a:scrgbClr r="0" g="0" b="0"/>
-        </a:fillRef>
-        <a:effectRef idx="0">
-          <a:scrgbClr r="0" g="0" b="0"/>
-        </a:effectRef>
-        <a:fontRef idx="minor">
-          <a:schemeClr val="lt1"/>
-        </a:fontRef>
-      </dsp:style>
-      <dsp:txBody>
-        <a:bodyPr spcFirstLastPara="0" vert="horz" wrap="square" lIns="26035" tIns="26035" rIns="26035" bIns="143867" numCol="1" spcCol="1270" anchor="ctr" anchorCtr="0">
-          <a:noAutofit/>
-        </a:bodyPr>
-        <a:lstStyle/>
-        <a:p>
-          <a:pPr marL="0" lvl="0" indent="0" algn="ctr" defTabSz="1822450">
-            <a:lnSpc>
-              <a:spcPct val="90000"/>
-            </a:lnSpc>
-            <a:spcBef>
-              <a:spcPct val="0"/>
-            </a:spcBef>
-            <a:spcAft>
-              <a:spcPct val="35000"/>
-            </a:spcAft>
-            <a:buNone/>
-          </a:pPr>
-          <a:r>
-            <a:rPr lang="nl-BE" sz="4100" kern="1200" dirty="0"/>
-            <a:t>Stagiair</a:t>
-          </a:r>
-        </a:p>
-      </dsp:txBody>
-      <dsp:txXfrm>
-        <a:off x="6816608" y="3217858"/>
-        <a:ext cx="1969139" cy="1019533"/>
-      </dsp:txXfrm>
-    </dsp:sp>
-    <dsp:sp modelId="{A20B163B-647E-452D-BA22-421B96063E02}">
-      <dsp:nvSpPr>
-        <dsp:cNvPr id="0" name=""/>
-        <dsp:cNvSpPr/>
-      </dsp:nvSpPr>
-      <dsp:spPr>
-        <a:xfrm>
-          <a:off x="7210436" y="4010828"/>
-          <a:ext cx="1772225" cy="339844"/>
-        </a:xfrm>
-        <a:prstGeom prst="rect">
-          <a:avLst/>
-        </a:prstGeom>
-        <a:solidFill>
-          <a:schemeClr val="lt1">
-            <a:alpha val="90000"/>
-            <a:hueOff val="0"/>
-            <a:satOff val="0"/>
-            <a:lumOff val="0"/>
-            <a:alphaOff val="0"/>
-          </a:schemeClr>
-        </a:solidFill>
-        <a:ln w="12700" cap="flat" cmpd="sng" algn="ctr">
-          <a:solidFill>
-            <a:schemeClr val="accent1">
-              <a:hueOff val="0"/>
-              <a:satOff val="0"/>
-              <a:lumOff val="0"/>
-              <a:alphaOff val="0"/>
-            </a:schemeClr>
-          </a:solidFill>
-          <a:prstDash val="solid"/>
-          <a:miter lim="800000"/>
-        </a:ln>
-        <a:effectLst/>
-      </dsp:spPr>
-      <dsp:style>
-        <a:lnRef idx="2">
-          <a:scrgbClr r="0" g="0" b="0"/>
-        </a:lnRef>
-        <a:fillRef idx="1">
-          <a:scrgbClr r="0" g="0" b="0"/>
-        </a:fillRef>
-        <a:effectRef idx="0">
-          <a:scrgbClr r="0" g="0" b="0"/>
-        </a:effectRef>
-        <a:fontRef idx="minor"/>
-      </dsp:style>
-      <dsp:txBody>
-        <a:bodyPr spcFirstLastPara="0" vert="horz" wrap="square" lIns="55880" tIns="13970" rIns="55880" bIns="13970" numCol="1" spcCol="1270" anchor="ctr" anchorCtr="0">
-          <a:noAutofit/>
-        </a:bodyPr>
-        <a:lstStyle/>
-        <a:p>
-          <a:pPr marL="0" lvl="0" indent="0" algn="r" defTabSz="977900">
-            <a:lnSpc>
-              <a:spcPct val="90000"/>
-            </a:lnSpc>
-            <a:spcBef>
-              <a:spcPct val="0"/>
-            </a:spcBef>
-            <a:spcAft>
-              <a:spcPct val="35000"/>
-            </a:spcAft>
-            <a:buNone/>
-          </a:pPr>
-          <a:endParaRPr lang="nl-BE" sz="2200" kern="1200"/>
-        </a:p>
-      </dsp:txBody>
-      <dsp:txXfrm>
-        <a:off x="7210436" y="4010828"/>
-        <a:ext cx="1772225" cy="339844"/>
-      </dsp:txXfrm>
-    </dsp:sp>
-    <dsp:sp modelId="{96524951-A31F-4E40-B9F7-E20E45172749}">
-      <dsp:nvSpPr>
-        <dsp:cNvPr id="0" name=""/>
-        <dsp:cNvSpPr/>
-      </dsp:nvSpPr>
-      <dsp:spPr>
-        <a:xfrm>
-          <a:off x="2853855" y="1609261"/>
-          <a:ext cx="1969139" cy="1019533"/>
-        </a:xfrm>
-        <a:prstGeom prst="rect">
-          <a:avLst/>
-        </a:prstGeom>
-        <a:solidFill>
-          <a:schemeClr val="accent1">
-            <a:hueOff val="0"/>
-            <a:satOff val="0"/>
-            <a:lumOff val="0"/>
-            <a:alphaOff val="0"/>
-          </a:schemeClr>
-        </a:solidFill>
-        <a:ln w="12700" cap="flat" cmpd="sng" algn="ctr">
-          <a:solidFill>
-            <a:schemeClr val="lt1">
-              <a:hueOff val="0"/>
-              <a:satOff val="0"/>
-              <a:lumOff val="0"/>
-              <a:alphaOff val="0"/>
-            </a:schemeClr>
-          </a:solidFill>
-          <a:prstDash val="solid"/>
-          <a:miter lim="800000"/>
-        </a:ln>
-        <a:effectLst/>
-      </dsp:spPr>
-      <dsp:style>
-        <a:lnRef idx="2">
-          <a:scrgbClr r="0" g="0" b="0"/>
-        </a:lnRef>
-        <a:fillRef idx="1">
-          <a:scrgbClr r="0" g="0" b="0"/>
-        </a:fillRef>
-        <a:effectRef idx="0">
-          <a:scrgbClr r="0" g="0" b="0"/>
-        </a:effectRef>
-        <a:fontRef idx="minor">
-          <a:schemeClr val="lt1"/>
-        </a:fontRef>
-      </dsp:style>
-      <dsp:txBody>
-        <a:bodyPr spcFirstLastPara="0" vert="horz" wrap="square" lIns="26035" tIns="26035" rIns="26035" bIns="143867" numCol="1" spcCol="1270" anchor="ctr" anchorCtr="0">
-          <a:noAutofit/>
-        </a:bodyPr>
-        <a:lstStyle/>
-        <a:p>
-          <a:pPr marL="0" lvl="0" indent="0" algn="ctr" defTabSz="1822450">
-            <a:lnSpc>
-              <a:spcPct val="90000"/>
-            </a:lnSpc>
-            <a:spcBef>
-              <a:spcPct val="0"/>
-            </a:spcBef>
-            <a:spcAft>
-              <a:spcPct val="35000"/>
-            </a:spcAft>
-            <a:buNone/>
-          </a:pPr>
-          <a:r>
-            <a:rPr lang="nl-BE" sz="4100" kern="1200" dirty="0"/>
-            <a:t>Manager</a:t>
-          </a:r>
-        </a:p>
-      </dsp:txBody>
-      <dsp:txXfrm>
-        <a:off x="2853855" y="1609261"/>
-        <a:ext cx="1969139" cy="1019533"/>
-      </dsp:txXfrm>
-    </dsp:sp>
-    <dsp:sp modelId="{713DBC5A-9AD0-4D96-8A86-E40C9AB35E28}">
-      <dsp:nvSpPr>
-        <dsp:cNvPr id="0" name=""/>
-        <dsp:cNvSpPr/>
-      </dsp:nvSpPr>
-      <dsp:spPr>
-        <a:xfrm>
-          <a:off x="3247683" y="2402231"/>
-          <a:ext cx="1772225" cy="339844"/>
-        </a:xfrm>
-        <a:prstGeom prst="rect">
-          <a:avLst/>
-        </a:prstGeom>
-        <a:solidFill>
-          <a:schemeClr val="lt1">
-            <a:alpha val="90000"/>
-            <a:hueOff val="0"/>
-            <a:satOff val="0"/>
-            <a:lumOff val="0"/>
-            <a:alphaOff val="0"/>
-          </a:schemeClr>
-        </a:solidFill>
-        <a:ln w="12700" cap="flat" cmpd="sng" algn="ctr">
-          <a:solidFill>
-            <a:schemeClr val="accent1">
-              <a:hueOff val="0"/>
-              <a:satOff val="0"/>
-              <a:lumOff val="0"/>
-              <a:alphaOff val="0"/>
-            </a:schemeClr>
-          </a:solidFill>
-          <a:prstDash val="solid"/>
-          <a:miter lim="800000"/>
-        </a:ln>
-        <a:effectLst/>
-      </dsp:spPr>
-      <dsp:style>
-        <a:lnRef idx="2">
-          <a:scrgbClr r="0" g="0" b="0"/>
-        </a:lnRef>
-        <a:fillRef idx="1">
-          <a:scrgbClr r="0" g="0" b="0"/>
-        </a:fillRef>
-        <a:effectRef idx="0">
-          <a:scrgbClr r="0" g="0" b="0"/>
-        </a:effectRef>
-        <a:fontRef idx="minor"/>
-      </dsp:style>
-      <dsp:txBody>
-        <a:bodyPr spcFirstLastPara="0" vert="horz" wrap="square" lIns="55880" tIns="13970" rIns="55880" bIns="13970" numCol="1" spcCol="1270" anchor="ctr" anchorCtr="0">
-          <a:noAutofit/>
-        </a:bodyPr>
-        <a:lstStyle/>
-        <a:p>
-          <a:pPr marL="0" lvl="0" indent="0" algn="r" defTabSz="977900">
-            <a:lnSpc>
-              <a:spcPct val="90000"/>
-            </a:lnSpc>
-            <a:spcBef>
-              <a:spcPct val="0"/>
-            </a:spcBef>
-            <a:spcAft>
-              <a:spcPct val="35000"/>
-            </a:spcAft>
-            <a:buNone/>
-          </a:pPr>
-          <a:endParaRPr lang="nl-BE" sz="2200" kern="1200"/>
-        </a:p>
-      </dsp:txBody>
-      <dsp:txXfrm>
-        <a:off x="3247683" y="2402231"/>
-        <a:ext cx="1772225" cy="339844"/>
-      </dsp:txXfrm>
-    </dsp:sp>
-  </dsp:spTree>
-</dsp:drawing>
-</file>
-
-<file path=ppt/diagrams/layout1.xml><?xml version="1.0" encoding="utf-8"?>
-<dgm:layoutDef xmlns:dgm="http://schemas.openxmlformats.org/drawingml/2006/diagram" xmlns:a="http://schemas.openxmlformats.org/drawingml/2006/main" uniqueId="urn:microsoft.com/office/officeart/2008/layout/NameandTitleOrganizationalChart">
-  <dgm:title val=""/>
-  <dgm:desc val=""/>
-  <dgm:catLst>
-    <dgm:cat type="hierarchy" pri="1250"/>
-  </dgm:catLst>
-  <dgm:sampData>
-    <dgm:dataModel>
-      <dgm:ptLst>
-        <dgm:pt modelId="0" type="doc"/>
-        <dgm:pt modelId="1">
-          <dgm:prSet phldr="1"/>
-        </dgm:pt>
-        <dgm:pt modelId="2" type="asst">
-          <dgm:prSet phldr="1"/>
-        </dgm:pt>
-        <dgm:pt modelId="3">
-          <dgm:prSet phldr="1"/>
-        </dgm:pt>
-        <dgm:pt modelId="4">
-          <dgm:prSet phldr="1"/>
-        </dgm:pt>
-        <dgm:pt modelId="5">
-          <dgm:prSet phldr="1"/>
-        </dgm:pt>
-      </dgm:ptLst>
-      <dgm:cxnLst>
-        <dgm:cxn modelId="5" srcId="0" destId="1" srcOrd="0" destOrd="0"/>
-        <dgm:cxn modelId="6" srcId="1" destId="2" srcOrd="0" destOrd="0"/>
-        <dgm:cxn modelId="7" srcId="1" destId="3" srcOrd="1" destOrd="0"/>
-        <dgm:cxn modelId="8" srcId="1" destId="4" srcOrd="2" destOrd="0"/>
-        <dgm:cxn modelId="9" srcId="1" destId="5" srcOrd="3" destOrd="0"/>
-      </dgm:cxnLst>
-      <dgm:bg/>
-      <dgm:whole/>
-    </dgm:dataModel>
-  </dgm:sampData>
-  <dgm:styleData>
-    <dgm:dataModel>
-      <dgm:ptLst>
-        <dgm:pt modelId="0" type="doc"/>
-        <dgm:pt modelId="1"/>
-        <dgm:pt modelId="12"/>
-        <dgm:pt modelId="13"/>
-      </dgm:ptLst>
-      <dgm:cxnLst>
-        <dgm:cxn modelId="2" srcId="0" destId="1" srcOrd="0" destOrd="0"/>
-        <dgm:cxn modelId="16" srcId="1" destId="12" srcOrd="1" destOrd="0"/>
-        <dgm:cxn modelId="17" srcId="1" destId="13" srcOrd="2" destOrd="0"/>
-      </dgm:cxnLst>
-      <dgm:bg/>
-      <dgm:whole/>
-    </dgm:dataModel>
-  </dgm:styleData>
-  <dgm:clrData>
-    <dgm:dataModel>
-      <dgm:ptLst>
-        <dgm:pt modelId="0" type="doc"/>
-        <dgm:pt modelId="1"/>
-        <dgm:pt modelId="11" type="asst"/>
-        <dgm:pt modelId="12"/>
-        <dgm:pt modelId="13"/>
-        <dgm:pt modelId="14"/>
-      </dgm:ptLst>
-      <dgm:cxnLst>
-        <dgm:cxn modelId="2" srcId="0" destId="1" srcOrd="0" destOrd="0"/>
-        <dgm:cxn modelId="15" srcId="1" destId="11" srcOrd="0" destOrd="0"/>
-        <dgm:cxn modelId="16" srcId="1" destId="12" srcOrd="1" destOrd="0"/>
-        <dgm:cxn modelId="17" srcId="1" destId="13" srcOrd="2" destOrd="0"/>
-        <dgm:cxn modelId="18" srcId="1" destId="14" srcOrd="2" destOrd="0"/>
-      </dgm:cxnLst>
-      <dgm:bg/>
-      <dgm:whole/>
-    </dgm:dataModel>
-  </dgm:clrData>
-  <dgm:layoutNode name="hierChild1">
-    <dgm:varLst>
-      <dgm:orgChart val="1"/>
-      <dgm:chPref val="1"/>
-      <dgm:dir/>
-      <dgm:animOne val="branch"/>
-      <dgm:animLvl val="lvl"/>
-      <dgm:resizeHandles/>
-    </dgm:varLst>
-    <dgm:choose name="Name0">
-      <dgm:if name="Name1" func="var" arg="dir" op="equ" val="norm">
-        <dgm:alg type="hierChild">
-          <dgm:param type="linDir" val="fromL"/>
-        </dgm:alg>
-      </dgm:if>
-      <dgm:else name="Name2">
-        <dgm:alg type="hierChild">
-          <dgm:param type="linDir" val="fromR"/>
-        </dgm:alg>
-      </dgm:else>
-    </dgm:choose>
-    <dgm:shape xmlns:r="http://schemas.openxmlformats.org/officeDocument/2006/relationships" r:blip="">
-      <dgm:adjLst/>
-    </dgm:shape>
-    <dgm:presOf/>
-    <dgm:constrLst>
-      <dgm:constr type="w" for="des" forName="rootComposite1" refType="w" fact="10"/>
-      <dgm:constr type="h" for="des" forName="rootComposite1" refType="w" refFor="des" refForName="rootComposite1" fact="0.5"/>
-      <dgm:constr type="w" for="des" forName="rootComposite" refType="w" fact="10"/>
-      <dgm:constr type="h" for="des" forName="rootComposite" refType="w" refFor="des" refForName="rootComposite1" fact="0.5"/>
-      <dgm:constr type="w" for="des" forName="rootComposite3" refType="w" fact="10"/>
-      <dgm:constr type="h" for="des" forName="rootComposite3" refType="w" refFor="des" refForName="rootComposite1" fact="0.5"/>
-      <dgm:constr type="primFontSz" for="des" ptType="node" op="equ"/>
-      <dgm:constr type="sp" for="des" op="equ"/>
-      <dgm:constr type="sp" for="des" forName="hierRoot1" refType="w" refFor="des" refForName="rootComposite1" fact="0.21"/>
-      <dgm:constr type="sp" for="des" forName="hierRoot2" refType="sp" refFor="des" refForName="hierRoot1"/>
-      <dgm:constr type="sp" for="des" forName="hierRoot3" refType="sp" refFor="des" refForName="hierRoot1"/>
-      <dgm:constr type="sibSp" refType="w" refFor="des" refForName="rootComposite1" fact="0.21"/>
-      <dgm:constr type="sibSp" for="des" forName="hierChild2" refType="sibSp"/>
-      <dgm:constr type="sibSp" for="des" forName="hierChild3" refType="sibSp"/>
-      <dgm:constr type="sibSp" for="des" forName="hierChild4" refType="sibSp"/>
-      <dgm:constr type="sibSp" for="des" forName="hierChild5" refType="sibSp"/>
-      <dgm:constr type="sibSp" for="des" forName="hierChild6" refType="sibSp"/>
-      <dgm:constr type="sibSp" for="des" forName="hierChild7" refType="sibSp"/>
-      <dgm:constr type="secSibSp" refType="w" refFor="des" refForName="rootComposite1" fact="0.21"/>
-      <dgm:constr type="secSibSp" for="des" forName="hierChild2" refType="secSibSp"/>
-      <dgm:constr type="secSibSp" for="des" forName="hierChild3" refType="secSibSp"/>
-      <dgm:constr type="secSibSp" for="des" forName="hierChild4" refType="secSibSp"/>
-      <dgm:constr type="secSibSp" for="des" forName="hierChild5" refType="secSibSp"/>
-      <dgm:constr type="secSibSp" for="des" forName="hierChild6" refType="secSibSp"/>
-      <dgm:constr type="secSibSp" for="des" forName="hierChild7" refType="secSibSp"/>
-    </dgm:constrLst>
-    <dgm:ruleLst/>
-    <dgm:forEach name="Name3" axis="ch">
-      <dgm:forEach name="Name4" axis="self" ptType="node">
-        <dgm:layoutNode name="hierRoot1">
-          <dgm:varLst>
-            <dgm:hierBranch val="init"/>
-          </dgm:varLst>
-          <dgm:choose name="Name5">
-            <dgm:if name="Name6" func="var" arg="hierBranch" op="equ" val="l">
-              <dgm:choose name="Name7">
-                <dgm:if name="Name8" axis="ch" ptType="asst" func="cnt" op="gte" val="1">
-                  <dgm:alg type="hierRoot">
-                    <dgm:param type="hierAlign" val="tR"/>
-                  </dgm:alg>
-                  <dgm:constrLst>
-                    <dgm:constr type="alignOff" val="0.65"/>
-                  </dgm:constrLst>
-                </dgm:if>
-                <dgm:else name="Name9">
-                  <dgm:alg type="hierRoot">
-                    <dgm:param type="hierAlign" val="tR"/>
-                  </dgm:alg>
-                  <dgm:constrLst>
-                    <dgm:constr type="alignOff" val="0.25"/>
-                  </dgm:constrLst>
-                </dgm:else>
-              </dgm:choose>
-            </dgm:if>
-            <dgm:if name="Name10" func="var" arg="hierBranch" op="equ" val="r">
-              <dgm:choose name="Name11">
-                <dgm:if name="Name12" axis="ch" ptType="asst" func="cnt" op="gte" val="1">
-                  <dgm:alg type="hierRoot">
-                    <dgm:param type="hierAlign" val="tL"/>
-                  </dgm:alg>
-                  <dgm:constrLst>
-                    <dgm:constr type="alignOff" val="0.65"/>
-                  </dgm:constrLst>
-                </dgm:if>
-                <dgm:else name="Name13">
-                  <dgm:alg type="hierRoot">
-                    <dgm:param type="hierAlign" val="tL"/>
-                  </dgm:alg>
-                  <dgm:constrLst>
-                    <dgm:constr type="alignOff" val="0.25"/>
-                  </dgm:constrLst>
-                </dgm:else>
-              </dgm:choose>
-            </dgm:if>
-            <dgm:if name="Name14" func="var" arg="hierBranch" op="equ" val="hang">
-              <dgm:alg type="hierRoot"/>
-              <dgm:constrLst>
-                <dgm:constr type="alignOff" val="0.65"/>
-              </dgm:constrLst>
-            </dgm:if>
-            <dgm:else name="Name15">
-              <dgm:alg type="hierRoot"/>
-              <dgm:constrLst>
-                <dgm:constr type="alignOff"/>
-                <dgm:constr type="bendDist" for="des" ptType="parTrans" refType="sp" fact="0.5"/>
-              </dgm:constrLst>
-            </dgm:else>
-          </dgm:choose>
-          <dgm:shape xmlns:r="http://schemas.openxmlformats.org/officeDocument/2006/relationships" r:blip="">
-            <dgm:adjLst/>
-          </dgm:shape>
-          <dgm:presOf/>
-          <dgm:ruleLst/>
-          <dgm:layoutNode name="rootComposite1">
-            <dgm:alg type="composite"/>
-            <dgm:shape xmlns:r="http://schemas.openxmlformats.org/officeDocument/2006/relationships" r:blip="">
-              <dgm:adjLst/>
-            </dgm:shape>
-            <dgm:presOf axis="self" ptType="node" cnt="1"/>
-            <dgm:choose name="Name16">
-              <dgm:if name="Name17" func="var" arg="hierBranch" op="equ" val="init">
-                <dgm:constrLst>
-                  <dgm:constr type="l" for="ch" forName="rootText1"/>
-                  <dgm:constr type="t" for="ch" forName="rootText1"/>
-                  <dgm:constr type="w" for="ch" forName="rootText1" refType="w"/>
-                  <dgm:constr type="h" for="ch" forName="rootText1" refType="h" fact="0.9"/>
-                  <dgm:constr type="l" for="ch" forName="titleText1" refType="w" fact="0.2"/>
-                  <dgm:constr type="t" for="ch" forName="titleText1" refType="h" fact="0.7"/>
-                  <dgm:constr type="w" for="ch" forName="titleText1" refType="w" fact="0.9"/>
-                  <dgm:constr type="h" for="ch" forName="titleText1" refType="h" fact="0.3"/>
-                  <dgm:constr type="primFontSz" for="des" forName="titleText1" refType="primFontSz" refFor="des" refForName="rootText1" op="lte"/>
-                  <dgm:constr type="l" for="ch" forName="rootConnector1"/>
-                  <dgm:constr type="t" for="ch" forName="rootConnector1"/>
-                  <dgm:constr type="w" for="ch" forName="rootConnector1" refType="w" refFor="ch" refForName="rootText1" fact="0.2"/>
-                  <dgm:constr type="h" for="ch" forName="rootConnector1" refType="h" refFor="ch" refForName="rootText1"/>
-                </dgm:constrLst>
-              </dgm:if>
-              <dgm:if name="Name18" func="var" arg="hierBranch" op="equ" val="l">
-                <dgm:constrLst>
-                  <dgm:constr type="l" for="ch" forName="rootText1"/>
-                  <dgm:constr type="t" for="ch" forName="rootText1"/>
-                  <dgm:constr type="w" for="ch" forName="rootText1" refType="w"/>
-                  <dgm:constr type="h" for="ch" forName="rootText1" refType="h" fact="0.9"/>
-                  <dgm:constr type="l" for="ch" forName="titleText1" refType="w" fact="0.2"/>
-                  <dgm:constr type="t" for="ch" forName="titleText1" refType="h" fact="0.7"/>
-                  <dgm:constr type="w" for="ch" forName="titleText1" refType="w" fact="0.9"/>
-                  <dgm:constr type="h" for="ch" forName="titleText1" refType="h" fact="0.3"/>
-                  <dgm:constr type="primFontSz" for="des" forName="titleText1" refType="primFontSz" refFor="des" refForName="rootText1" op="lte"/>
-                  <dgm:constr type="r" for="ch" forName="rootConnector1" refType="w"/>
-                  <dgm:constr type="t" for="ch" forName="rootConnector1"/>
-                  <dgm:constr type="w" for="ch" forName="rootConnector1" refType="w" refFor="ch" refForName="rootText1" fact="0.2"/>
-                  <dgm:constr type="h" for="ch" forName="rootConnector1" refType="h" refFor="ch" refForName="rootText1"/>
-                </dgm:constrLst>
-              </dgm:if>
-              <dgm:if name="Name19" func="var" arg="hierBranch" op="equ" val="r">
-                <dgm:constrLst>
-                  <dgm:constr type="l" for="ch" forName="rootText1"/>
-                  <dgm:constr type="t" for="ch" forName="rootText1"/>
-                  <dgm:constr type="w" for="ch" forName="rootText1" refType="w"/>
-                  <dgm:constr type="h" for="ch" forName="rootText1" refType="h" fact="0.9"/>
-                  <dgm:constr type="l" for="ch" forName="titleText1" refType="w" fact="0.2"/>
-                  <dgm:constr type="t" for="ch" forName="titleText1" refType="h" fact="0.7"/>
-                  <dgm:constr type="w" for="ch" forName="titleText1" refType="w" fact="0.9"/>
-                  <dgm:constr type="h" for="ch" forName="titleText1" refType="h" fact="0.3"/>
-                  <dgm:constr type="primFontSz" for="des" forName="titleText1" refType="primFontSz" refFor="des" refForName="rootText1" op="lte"/>
-                  <dgm:constr type="l" for="ch" forName="rootConnector1"/>
-                  <dgm:constr type="t" for="ch" forName="rootConnector1"/>
-                  <dgm:constr type="w" for="ch" forName="rootConnector1" refType="w" refFor="ch" refForName="rootText1" fact="0.2"/>
-                  <dgm:constr type="h" for="ch" forName="rootConnector1" refType="h" refFor="ch" refForName="rootText1"/>
-                </dgm:constrLst>
-              </dgm:if>
-              <dgm:else name="Name20">
-                <dgm:constrLst>
-                  <dgm:constr type="l" for="ch" forName="rootText1"/>
-                  <dgm:constr type="t" for="ch" forName="rootText1"/>
-                  <dgm:constr type="w" for="ch" forName="rootText1" refType="w"/>
-                  <dgm:constr type="h" for="ch" forName="rootText1" refType="h" fact="0.9"/>
-                  <dgm:constr type="l" for="ch" forName="titleText1" refType="w" fact="0.2"/>
-                  <dgm:constr type="t" for="ch" forName="titleText1" refType="h" fact="0.7"/>
-                  <dgm:constr type="w" for="ch" forName="titleText1" refType="w" fact="0.9"/>
-                  <dgm:constr type="h" for="ch" forName="titleText1" refType="h" fact="0.3"/>
-                  <dgm:constr type="primFontSz" for="des" forName="titleText1" refType="primFontSz" refFor="des" refForName="rootText1" op="lte"/>
-                  <dgm:constr type="r" for="ch" forName="rootConnector1" refType="w"/>
-                  <dgm:constr type="t" for="ch" forName="rootConnector1"/>
-                  <dgm:constr type="w" for="ch" forName="rootConnector1" refType="w" refFor="ch" refForName="rootText1" fact="0.2"/>
-                  <dgm:constr type="h" for="ch" forName="rootConnector1" refType="h" refFor="ch" refForName="rootText1"/>
-                </dgm:constrLst>
-              </dgm:else>
-            </dgm:choose>
-            <dgm:ruleLst/>
-            <dgm:layoutNode name="rootText1" styleLbl="node0">
-              <dgm:varLst>
-                <dgm:chMax/>
-                <dgm:chPref val="3"/>
-              </dgm:varLst>
-              <dgm:alg type="tx"/>
-              <dgm:shape xmlns:r="http://schemas.openxmlformats.org/officeDocument/2006/relationships" type="rect" r:blip="">
-                <dgm:adjLst/>
-              </dgm:shape>
-              <dgm:presOf axis="self" ptType="node" cnt="1"/>
-              <dgm:constrLst>
-                <dgm:constr type="primFontSz" val="65"/>
-                <dgm:constr type="lMarg" refType="primFontSz" fact="0.05"/>
-                <dgm:constr type="rMarg" refType="primFontSz" fact="0.05"/>
-                <dgm:constr type="tMarg" refType="primFontSz" fact="0.05"/>
-                <dgm:constr type="bMarg" refType="h" fact="0.4"/>
-              </dgm:constrLst>
-              <dgm:ruleLst>
-                <dgm:rule type="primFontSz" val="5" fact="NaN" max="NaN"/>
-              </dgm:ruleLst>
-            </dgm:layoutNode>
-            <dgm:layoutNode name="titleText1" styleLbl="fgAcc0">
-              <dgm:varLst>
-                <dgm:chMax val="0"/>
-                <dgm:chPref val="0"/>
-              </dgm:varLst>
-              <dgm:alg type="tx">
-                <dgm:param type="parTxLTRAlign" val="r"/>
-              </dgm:alg>
-              <dgm:shape xmlns:r="http://schemas.openxmlformats.org/officeDocument/2006/relationships" type="rect" r:blip="">
-                <dgm:adjLst/>
-              </dgm:shape>
-              <dgm:presOf axis="followSib" ptType="sibTrans" hideLastTrans="0" cnt="1"/>
-              <dgm:constrLst>
-                <dgm:constr type="primFontSz" val="65"/>
-                <dgm:constr type="lMarg" refType="primFontSz" fact="0.2"/>
-                <dgm:constr type="rMarg" refType="primFontSz" fact="0.2"/>
-                <dgm:constr type="tMarg" refType="primFontSz" fact="0.05"/>
-                <dgm:constr type="bMarg" refType="primFontSz" fact="0.05"/>
-              </dgm:constrLst>
-              <dgm:ruleLst>
-                <dgm:rule type="primFontSz" val="5" fact="NaN" max="NaN"/>
-              </dgm:ruleLst>
-            </dgm:layoutNode>
-            <dgm:layoutNode name="rootConnector1" moveWith="rootText1">
-              <dgm:alg type="sp"/>
-              <dgm:shape xmlns:r="http://schemas.openxmlformats.org/officeDocument/2006/relationships" type="rect" r:blip="" hideGeom="1">
-                <dgm:adjLst/>
-              </dgm:shape>
-              <dgm:presOf axis="self" ptType="node" cnt="1"/>
-              <dgm:constrLst/>
-              <dgm:ruleLst/>
-            </dgm:layoutNode>
-          </dgm:layoutNode>
-          <dgm:layoutNode name="hierChild2">
-            <dgm:choose name="Name21">
-              <dgm:if name="Name22" func="var" arg="hierBranch" op="equ" val="l">
-                <dgm:alg type="hierChild">
-                  <dgm:param type="chAlign" val="r"/>
-                  <dgm:param type="linDir" val="fromT"/>
-                </dgm:alg>
-              </dgm:if>
-              <dgm:if name="Name23" func="var" arg="hierBranch" op="equ" val="r">
-                <dgm:alg type="hierChild">
-                  <dgm:param type="chAlign" val="l"/>
-                  <dgm:param type="linDir" val="fromT"/>
-                </dgm:alg>
-              </dgm:if>
-              <dgm:if name="Name24" func="var" arg="hierBranch" op="equ" val="hang">
-                <dgm:choose name="Name25">
-                  <dgm:if name="Name26" func="var" arg="dir" op="equ" val="norm">
-                    <dgm:alg type="hierChild">
-                      <dgm:param type="chAlign" val="l"/>
-                      <dgm:param type="linDir" val="fromL"/>
-                      <dgm:param type="secChAlign" val="t"/>
-                      <dgm:param type="secLinDir" val="fromT"/>
-                    </dgm:alg>
-                  </dgm:if>
-                  <dgm:else name="Name27">
-                    <dgm:alg type="hierChild">
-                      <dgm:param type="chAlign" val="l"/>
-                      <dgm:param type="linDir" val="fromR"/>
-                      <dgm:param type="secChAlign" val="t"/>
-                      <dgm:param type="secLinDir" val="fromT"/>
-                    </dgm:alg>
-                  </dgm:else>
-                </dgm:choose>
-              </dgm:if>
-              <dgm:else name="Name28">
-                <dgm:choose name="Name29">
-                  <dgm:if name="Name30" func="var" arg="dir" op="equ" val="norm">
-                    <dgm:alg type="hierChild"/>
-                  </dgm:if>
-                  <dgm:else name="Name31">
-                    <dgm:alg type="hierChild">
-                      <dgm:param type="linDir" val="fromR"/>
-                    </dgm:alg>
-                  </dgm:else>
-                </dgm:choose>
-              </dgm:else>
-            </dgm:choose>
-            <dgm:shape xmlns:r="http://schemas.openxmlformats.org/officeDocument/2006/relationships" r:blip="">
-              <dgm:adjLst/>
-            </dgm:shape>
-            <dgm:presOf/>
-            <dgm:constrLst/>
-            <dgm:ruleLst/>
-            <dgm:forEach name="rep2a" axis="ch" ptType="nonAsst">
-              <dgm:forEach name="Name32" axis="precedSib" ptType="parTrans" st="-1" cnt="1">
-                <dgm:choose name="Name33">
-                  <dgm:if name="Name34" func="var" arg="hierBranch" op="equ" val="std">
-                    <dgm:layoutNode name="Name35">
-                      <dgm:alg type="conn">
-                        <dgm:param type="connRout" val="bend"/>
-                        <dgm:param type="dim" val="1D"/>
-                        <dgm:param type="endSty" val="noArr"/>
-                        <dgm:param type="begPts" val="bCtr"/>
-                        <dgm:param type="endPts" val="tCtr"/>
-                        <dgm:param type="bendPt" val="end"/>
-                      </dgm:alg>
-                      <dgm:shape xmlns:r="http://schemas.openxmlformats.org/officeDocument/2006/relationships" type="conn" r:blip="" zOrderOff="-99999">
-                        <dgm:adjLst/>
-                      </dgm:shape>
-                      <dgm:presOf axis="self"/>
-                      <dgm:constrLst>
-                        <dgm:constr type="begPad"/>
-                        <dgm:constr type="endPad"/>
-                      </dgm:constrLst>
-                      <dgm:ruleLst/>
-                    </dgm:layoutNode>
-                  </dgm:if>
-                  <dgm:if name="Name36" func="var" arg="hierBranch" op="equ" val="init">
-                    <dgm:layoutNode name="Name37">
-                      <dgm:choose name="Name38">
-                        <dgm:if name="Name39" axis="self" func="depth" op="lte" val="2">
-                          <dgm:alg type="conn">
-                            <dgm:param type="connRout" val="bend"/>
-                            <dgm:param type="dim" val="1D"/>
-                            <dgm:param type="endSty" val="noArr"/>
-                            <dgm:param type="begPts" val="bCtr"/>
-                            <dgm:param type="endPts" val="tCtr"/>
-                            <dgm:param type="bendPt" val="end"/>
-                          </dgm:alg>
-                        </dgm:if>
-                        <dgm:else name="Name40">
-                          <dgm:alg type="conn">
-                            <dgm:param type="connRout" val="bend"/>
-                            <dgm:param type="dim" val="1D"/>
-                            <dgm:param type="endSty" val="noArr"/>
-                            <dgm:param type="begPts" val="bCtr"/>
-                            <dgm:param type="endPts" val="tCtr"/>
-                            <dgm:param type="bendPt" val="end"/>
-                          </dgm:alg>
-                        </dgm:else>
-                      </dgm:choose>
-                      <dgm:shape xmlns:r="http://schemas.openxmlformats.org/officeDocument/2006/relationships" type="conn" r:blip="" zOrderOff="-99999">
-                        <dgm:adjLst/>
-                      </dgm:shape>
-                      <dgm:presOf axis="self"/>
-                      <dgm:constrLst>
-                        <dgm:constr type="begPad"/>
-                        <dgm:constr type="endPad"/>
-                      </dgm:constrLst>
-                      <dgm:ruleLst/>
-                    </dgm:layoutNode>
-                  </dgm:if>
-                  <dgm:if name="Name41" func="var" arg="hierBranch" op="equ" val="hang">
-                    <dgm:layoutNode name="Name42">
-                      <dgm:alg type="conn">
-                        <dgm:param type="connRout" val="bend"/>
-                        <dgm:param type="dim" val="1D"/>
-                        <dgm:param type="endSty" val="noArr"/>
-                        <dgm:param type="begPts" val="bCtr"/>
-                        <dgm:param type="endPts" val="midL midR"/>
-                      </dgm:alg>
-                      <dgm:shape xmlns:r="http://schemas.openxmlformats.org/officeDocument/2006/relationships" type="conn" r:blip="" zOrderOff="-99999">
-                        <dgm:adjLst/>
-                      </dgm:shape>
-                      <dgm:presOf axis="self"/>
-                      <dgm:constrLst>
-                        <dgm:constr type="begPad"/>
-                        <dgm:constr type="endPad"/>
-                      </dgm:constrLst>
-                      <dgm:ruleLst/>
-                    </dgm:layoutNode>
-                  </dgm:if>
-                  <dgm:else name="Name43">
-                    <dgm:layoutNode name="Name44">
-                      <dgm:choose name="Name45">
-                        <dgm:if name="Name46" axis="self" func="depth" op="lte" val="2">
-                          <dgm:choose name="Name47">
-                            <dgm:if name="Name48" axis="par ch" ptType="node asst" func="cnt" op="gte" val="1">
-                              <dgm:alg type="conn">
-                                <dgm:param type="connRout" val="bend"/>
-                                <dgm:param type="dim" val="1D"/>
-                                <dgm:param type="endSty" val="noArr"/>
-                                <dgm:param type="begPts" val="bCtr"/>
-                                <dgm:param type="endPts" val="midL midR"/>
-                              </dgm:alg>
-                            </dgm:if>
-                            <dgm:else name="Name49">
-                              <dgm:alg type="conn">
-                                <dgm:param type="connRout" val="bend"/>
-                                <dgm:param type="dim" val="1D"/>
-                                <dgm:param type="endSty" val="noArr"/>
-                                <dgm:param type="begPts" val="bCtr"/>
-                                <dgm:param type="endPts" val="midL midR"/>
-                                <dgm:param type="srcNode" val="rootConnector1"/>
-                              </dgm:alg>
-                            </dgm:else>
-                          </dgm:choose>
-                        </dgm:if>
-                        <dgm:else name="Name50">
-                          <dgm:choose name="Name51">
-                            <dgm:if name="Name52" axis="par ch" ptType="node asst" func="cnt" op="gte" val="1">
-                              <dgm:alg type="conn">
-                                <dgm:param type="connRout" val="bend"/>
-                                <dgm:param type="dim" val="1D"/>
-                                <dgm:param type="endSty" val="noArr"/>
-                                <dgm:param type="begPts" val="bCtr"/>
-                                <dgm:param type="endPts" val="midL midR"/>
-                              </dgm:alg>
-                            </dgm:if>
-                            <dgm:else name="Name53">
-                              <dgm:alg type="conn">
-                                <dgm:param type="connRout" val="bend"/>
-                                <dgm:param type="dim" val="1D"/>
-                                <dgm:param type="endSty" val="noArr"/>
-                                <dgm:param type="begPts" val="bCtr"/>
-                                <dgm:param type="endPts" val="midL midR"/>
-                                <dgm:param type="srcNode" val="rootConnector"/>
-                              </dgm:alg>
-                            </dgm:else>
-                          </dgm:choose>
-                        </dgm:else>
-                      </dgm:choose>
-                      <dgm:shape xmlns:r="http://schemas.openxmlformats.org/officeDocument/2006/relationships" type="conn" r:blip="" zOrderOff="-99999">
-                        <dgm:adjLst/>
-                      </dgm:shape>
-                      <dgm:presOf axis="self"/>
-                      <dgm:constrLst>
-                        <dgm:constr type="begPad"/>
-                        <dgm:constr type="endPad"/>
-                      </dgm:constrLst>
-                      <dgm:ruleLst/>
-                    </dgm:layoutNode>
-                  </dgm:else>
-                </dgm:choose>
-              </dgm:forEach>
-              <dgm:layoutNode name="hierRoot2">
-                <dgm:varLst>
-                  <dgm:hierBranch val="init"/>
-                </dgm:varLst>
-                <dgm:choose name="Name54">
-                  <dgm:if name="Name55" func="var" arg="hierBranch" op="equ" val="l">
-                    <dgm:choose name="Name56">
-                      <dgm:if name="Name57" axis="ch" ptType="asst" func="cnt" op="gte" val="1">
-                        <dgm:alg type="hierRoot">
-                          <dgm:param type="hierAlign" val="tR"/>
-                        </dgm:alg>
-                        <dgm:shape xmlns:r="http://schemas.openxmlformats.org/officeDocument/2006/relationships" r:blip="">
-                          <dgm:adjLst/>
-                        </dgm:shape>
-                        <dgm:presOf/>
-                        <dgm:constrLst>
-                          <dgm:constr type="alignOff" val="0.65"/>
-                        </dgm:constrLst>
-                      </dgm:if>
-                      <dgm:else name="Name58">
-                        <dgm:alg type="hierRoot">
-                          <dgm:param type="hierAlign" val="tR"/>
-                        </dgm:alg>
-                        <dgm:shape xmlns:r="http://schemas.openxmlformats.org/officeDocument/2006/relationships" r:blip="">
-                          <dgm:adjLst/>
-                        </dgm:shape>
-                        <dgm:presOf/>
-                        <dgm:constrLst>
-                          <dgm:constr type="alignOff" val="0.25"/>
-                        </dgm:constrLst>
-                      </dgm:else>
-                    </dgm:choose>
-                  </dgm:if>
-                  <dgm:if name="Name59" func="var" arg="hierBranch" op="equ" val="r">
-                    <dgm:choose name="Name60">
-                      <dgm:if name="Name61" axis="ch" ptType="asst" func="cnt" op="gte" val="1">
-                        <dgm:alg type="hierRoot">
-                          <dgm:param type="hierAlign" val="tL"/>
-                        </dgm:alg>
-                        <dgm:shape xmlns:r="http://schemas.openxmlformats.org/officeDocument/2006/relationships" r:blip="">
-                          <dgm:adjLst/>
-                        </dgm:shape>
-                        <dgm:presOf/>
-                        <dgm:constrLst>
-                          <dgm:constr type="alignOff" val="0.65"/>
-                        </dgm:constrLst>
-                      </dgm:if>
-                      <dgm:else name="Name62">
-                        <dgm:alg type="hierRoot">
-                          <dgm:param type="hierAlign" val="tL"/>
-                        </dgm:alg>
-                        <dgm:shape xmlns:r="http://schemas.openxmlformats.org/officeDocument/2006/relationships" r:blip="">
-                          <dgm:adjLst/>
-                        </dgm:shape>
-                        <dgm:presOf/>
-                        <dgm:constrLst>
-                          <dgm:constr type="alignOff" val="0.25"/>
-                        </dgm:constrLst>
-                      </dgm:else>
-                    </dgm:choose>
-                  </dgm:if>
-                  <dgm:if name="Name63" func="var" arg="hierBranch" op="equ" val="std">
-                    <dgm:alg type="hierRoot"/>
-                    <dgm:shape xmlns:r="http://schemas.openxmlformats.org/officeDocument/2006/relationships" r:blip="">
-                      <dgm:adjLst/>
-                    </dgm:shape>
-                    <dgm:presOf/>
-                    <dgm:constrLst>
-                      <dgm:constr type="alignOff"/>
-                      <dgm:constr type="bendDist" for="des" ptType="parTrans" refType="sp" fact="0.5"/>
-                    </dgm:constrLst>
-                  </dgm:if>
-                  <dgm:if name="Name64" func="var" arg="hierBranch" op="equ" val="init">
-                    <dgm:alg type="hierRoot"/>
-                    <dgm:shape xmlns:r="http://schemas.openxmlformats.org/officeDocument/2006/relationships" r:blip="">
-                      <dgm:adjLst/>
-                    </dgm:shape>
-                    <dgm:presOf/>
-                    <dgm:constrLst>
-                      <dgm:constr type="alignOff"/>
-                      <dgm:constr type="bendDist" for="des" ptType="parTrans" refType="sp" fact="0.5"/>
-                    </dgm:constrLst>
-                  </dgm:if>
-                  <dgm:else name="Name65">
-                    <dgm:alg type="hierRoot"/>
-                    <dgm:shape xmlns:r="http://schemas.openxmlformats.org/officeDocument/2006/relationships" r:blip="">
-                      <dgm:adjLst/>
-                    </dgm:shape>
-                    <dgm:presOf/>
-                    <dgm:constrLst>
-                      <dgm:constr type="alignOff" val="0.65"/>
-                    </dgm:constrLst>
-                  </dgm:else>
-                </dgm:choose>
-                <dgm:ruleLst/>
-                <dgm:layoutNode name="rootComposite">
-                  <dgm:alg type="composite"/>
-                  <dgm:shape xmlns:r="http://schemas.openxmlformats.org/officeDocument/2006/relationships" r:blip="">
-                    <dgm:adjLst/>
-                  </dgm:shape>
-                  <dgm:presOf axis="self" ptType="node" cnt="1"/>
-                  <dgm:choose name="Name66">
-                    <dgm:if name="Name67" func="var" arg="hierBranch" op="equ" val="init">
-                      <dgm:constrLst>
-                        <dgm:constr type="l" for="ch" forName="rootText"/>
-                        <dgm:constr type="t" for="ch" forName="rootText"/>
-                        <dgm:constr type="w" for="ch" forName="rootText" refType="w"/>
-                        <dgm:constr type="h" for="ch" forName="rootText" refType="h" fact="0.9"/>
-                        <dgm:constr type="l" for="ch" forName="titleText2" refType="w" fact="0.2"/>
-                        <dgm:constr type="t" for="ch" forName="titleText2" refType="h" fact="0.7"/>
-                        <dgm:constr type="w" for="ch" forName="titleText2" refType="w" fact="0.9"/>
-                        <dgm:constr type="h" for="ch" forName="titleText2" refType="h" fact="0.3"/>
-                        <dgm:constr type="primFontSz" for="des" forName="titleText2" refType="primFontSz" refFor="des" refForName="rootText1" op="lte"/>
-                        <dgm:constr type="l" for="ch" forName="rootConnector"/>
-                        <dgm:constr type="t" for="ch" forName="rootConnector"/>
-                        <dgm:constr type="w" for="ch" forName="rootConnector" refType="w" refFor="ch" refForName="rootText" fact="0.2"/>
-                        <dgm:constr type="h" for="ch" forName="rootConnector" refType="h" refFor="ch" refForName="rootText"/>
-                      </dgm:constrLst>
-                    </dgm:if>
-                    <dgm:if name="Name68" func="var" arg="hierBranch" op="equ" val="l">
-                      <dgm:constrLst>
-                        <dgm:constr type="l" for="ch" forName="rootText"/>
-                        <dgm:constr type="t" for="ch" forName="rootText"/>
-                        <dgm:constr type="w" for="ch" forName="rootText" refType="w"/>
-                        <dgm:constr type="h" for="ch" forName="rootText" refType="h" fact="0.9"/>
-                        <dgm:constr type="l" for="ch" forName="titleText2" refType="w" fact="0.2"/>
-                        <dgm:constr type="t" for="ch" forName="titleText2" refType="h" fact="0.7"/>
-                        <dgm:constr type="w" for="ch" forName="titleText2" refType="w" fact="0.9"/>
-                        <dgm:constr type="h" for="ch" forName="titleText2" refType="h" fact="0.3"/>
-                        <dgm:constr type="primFontSz" for="des" forName="titleText2" refType="primFontSz" refFor="des" refForName="rootText1" op="lte"/>
-                        <dgm:constr type="r" for="ch" forName="rootConnector" refType="w"/>
-                        <dgm:constr type="t" for="ch" forName="rootConnector"/>
-                        <dgm:constr type="w" for="ch" forName="rootConnector" refType="w" refFor="ch" refForName="rootText" fact="0.2"/>
-                        <dgm:constr type="h" for="ch" forName="rootConnector" refType="h" refFor="ch" refForName="rootText"/>
-                      </dgm:constrLst>
-                    </dgm:if>
-                    <dgm:if name="Name69" func="var" arg="hierBranch" op="equ" val="r">
-                      <dgm:constrLst>
-                        <dgm:constr type="l" for="ch" forName="rootText"/>
-                        <dgm:constr type="t" for="ch" forName="rootText"/>
-                        <dgm:constr type="w" for="ch" forName="rootText" refType="w"/>
-                        <dgm:constr type="h" for="ch" forName="rootText" refType="h" fact="0.9"/>
-                        <dgm:constr type="l" for="ch" forName="titleText2" refType="w" fact="0.2"/>
-                        <dgm:constr type="t" for="ch" forName="titleText2" refType="h" fact="0.7"/>
-                        <dgm:constr type="w" for="ch" forName="titleText2" refType="w" fact="0.9"/>
-                        <dgm:constr type="h" for="ch" forName="titleText2" refType="h" fact="0.3"/>
-                        <dgm:constr type="primFontSz" for="des" forName="titleText2" refType="primFontSz" refFor="des" refForName="rootText1" op="lte"/>
-                        <dgm:constr type="l" for="ch" forName="rootConnector"/>
-                        <dgm:constr type="t" for="ch" forName="rootConnector"/>
-                        <dgm:constr type="w" for="ch" forName="rootConnector" refType="w" refFor="ch" refForName="rootText" fact="0.2"/>
-                        <dgm:constr type="h" for="ch" forName="rootConnector" refType="h" refFor="ch" refForName="rootText"/>
-                      </dgm:constrLst>
-                    </dgm:if>
-                    <dgm:else name="Name70">
-                      <dgm:constrLst>
-                        <dgm:constr type="l" for="ch" forName="rootText"/>
-                        <dgm:constr type="t" for="ch" forName="rootText"/>
-                        <dgm:constr type="w" for="ch" forName="rootText" refType="w"/>
-                        <dgm:constr type="h" for="ch" forName="rootText" refType="h" fact="0.9"/>
-                        <dgm:constr type="l" for="ch" forName="titleText2" refType="w" fact="0.2"/>
-                        <dgm:constr type="t" for="ch" forName="titleText2" refType="h" fact="0.7"/>
-                        <dgm:constr type="w" for="ch" forName="titleText2" refType="w" fact="0.9"/>
-                        <dgm:constr type="h" for="ch" forName="titleText2" refType="h" fact="0.3"/>
-                        <dgm:constr type="primFontSz" for="des" forName="titleText2" refType="primFontSz" refFor="des" refForName="rootText1" op="lte"/>
-                        <dgm:constr type="r" for="ch" forName="rootConnector" refType="w"/>
-                        <dgm:constr type="t" for="ch" forName="rootConnector"/>
-                        <dgm:constr type="w" for="ch" forName="rootConnector" refType="w" refFor="ch" refForName="rootText" fact="0.2"/>
-                        <dgm:constr type="h" for="ch" forName="rootConnector" refType="h" refFor="ch" refForName="rootText"/>
-                      </dgm:constrLst>
-                    </dgm:else>
-                  </dgm:choose>
-                  <dgm:ruleLst/>
-                  <dgm:layoutNode name="rootText" styleLbl="node1">
-                    <dgm:varLst>
-                      <dgm:chMax/>
-                      <dgm:chPref val="3"/>
-                    </dgm:varLst>
-                    <dgm:alg type="tx"/>
-                    <dgm:shape xmlns:r="http://schemas.openxmlformats.org/officeDocument/2006/relationships" type="rect" r:blip="">
-                      <dgm:adjLst/>
-                    </dgm:shape>
-                    <dgm:presOf axis="self" ptType="node" cnt="1"/>
-                    <dgm:constrLst>
-                      <dgm:constr type="primFontSz" val="65"/>
-                      <dgm:constr type="lMarg" refType="primFontSz" fact="0.05"/>
-                      <dgm:constr type="rMarg" refType="primFontSz" fact="0.05"/>
-                      <dgm:constr type="tMarg" refType="primFontSz" fact="0.05"/>
-                      <dgm:constr type="bMarg" refType="h" fact="0.4"/>
-                    </dgm:constrLst>
-                    <dgm:ruleLst>
-                      <dgm:rule type="primFontSz" val="5" fact="NaN" max="NaN"/>
-                    </dgm:ruleLst>
-                  </dgm:layoutNode>
-                  <dgm:layoutNode name="titleText2" styleLbl="fgAcc1">
-                    <dgm:varLst>
-                      <dgm:chMax val="0"/>
-                      <dgm:chPref val="0"/>
-                    </dgm:varLst>
-                    <dgm:alg type="tx">
-                      <dgm:param type="parTxLTRAlign" val="r"/>
-                    </dgm:alg>
-                    <dgm:shape xmlns:r="http://schemas.openxmlformats.org/officeDocument/2006/relationships" type="rect" r:blip="">
-                      <dgm:adjLst/>
-                    </dgm:shape>
-                    <dgm:presOf axis="followSib" ptType="sibTrans" hideLastTrans="0" cnt="1"/>
-                    <dgm:constrLst>
-                      <dgm:constr type="primFontSz" val="65"/>
-                      <dgm:constr type="lMarg" refType="primFontSz" fact="0.2"/>
-                      <dgm:constr type="rMarg" refType="primFontSz" fact="0.2"/>
-                      <dgm:constr type="tMarg" refType="primFontSz" fact="0.05"/>
-                      <dgm:constr type="bMarg" refType="primFontSz" fact="0.05"/>
-                    </dgm:constrLst>
-                    <dgm:ruleLst>
-                      <dgm:rule type="primFontSz" val="5" fact="NaN" max="NaN"/>
-                    </dgm:ruleLst>
-                  </dgm:layoutNode>
-                  <dgm:layoutNode name="rootConnector" moveWith="rootText">
-                    <dgm:alg type="sp"/>
-                    <dgm:shape xmlns:r="http://schemas.openxmlformats.org/officeDocument/2006/relationships" type="rect" r:blip="" hideGeom="1">
-                      <dgm:adjLst/>
-                    </dgm:shape>
-                    <dgm:presOf axis="self" ptType="node" cnt="1"/>
-                    <dgm:constrLst/>
-                    <dgm:ruleLst/>
-                  </dgm:layoutNode>
-                </dgm:layoutNode>
-                <dgm:layoutNode name="hierChild4">
-                  <dgm:choose name="Name71">
-                    <dgm:if name="Name72" func="var" arg="hierBranch" op="equ" val="l">
-                      <dgm:alg type="hierChild">
-                        <dgm:param type="chAlign" val="r"/>
-                        <dgm:param type="linDir" val="fromT"/>
-                      </dgm:alg>
-                    </dgm:if>
-                    <dgm:if name="Name73" func="var" arg="hierBranch" op="equ" val="r">
-                      <dgm:alg type="hierChild">
-                        <dgm:param type="chAlign" val="l"/>
-                        <dgm:param type="linDir" val="fromT"/>
-                      </dgm:alg>
-                    </dgm:if>
-                    <dgm:if name="Name74" func="var" arg="hierBranch" op="equ" val="hang">
-                      <dgm:choose name="Name75">
-                        <dgm:if name="Name76" func="var" arg="dir" op="equ" val="norm">
-                          <dgm:alg type="hierChild">
-                            <dgm:param type="chAlign" val="l"/>
-                            <dgm:param type="linDir" val="fromL"/>
-                            <dgm:param type="secChAlign" val="t"/>
-                            <dgm:param type="secLinDir" val="fromT"/>
-                          </dgm:alg>
-                        </dgm:if>
-                        <dgm:else name="Name77">
-                          <dgm:alg type="hierChild">
-                            <dgm:param type="chAlign" val="l"/>
-                            <dgm:param type="linDir" val="fromR"/>
-                            <dgm:param type="secChAlign" val="t"/>
-                            <dgm:param type="secLinDir" val="fromT"/>
-                          </dgm:alg>
-                        </dgm:else>
-                      </dgm:choose>
-                    </dgm:if>
-                    <dgm:if name="Name78" func="var" arg="hierBranch" op="equ" val="std">
-                      <dgm:choose name="Name79">
-                        <dgm:if name="Name80" func="var" arg="dir" op="equ" val="norm">
-                          <dgm:alg type="hierChild"/>
-                        </dgm:if>
-                        <dgm:else name="Name81">
-                          <dgm:alg type="hierChild">
-                            <dgm:param type="linDir" val="fromR"/>
-                          </dgm:alg>
-                        </dgm:else>
-                      </dgm:choose>
-                    </dgm:if>
-                    <dgm:if name="Name82" func="var" arg="hierBranch" op="equ" val="init">
-                      <dgm:choose name="Name83">
-                        <dgm:if name="Name84" func="var" arg="dir" op="equ" val="norm">
-                          <dgm:alg type="hierChild"/>
-                        </dgm:if>
-                        <dgm:else name="Name85">
-                          <dgm:alg type="hierChild">
-                            <dgm:param type="linDir" val="fromR"/>
-                          </dgm:alg>
-                        </dgm:else>
-                      </dgm:choose>
-                    </dgm:if>
-                    <dgm:else name="Name86"/>
-                  </dgm:choose>
-                  <dgm:shape xmlns:r="http://schemas.openxmlformats.org/officeDocument/2006/relationships" r:blip="">
-                    <dgm:adjLst/>
-                  </dgm:shape>
-                  <dgm:presOf/>
-                  <dgm:constrLst/>
-                  <dgm:ruleLst/>
-                  <dgm:forEach name="Name87" ref="rep2a"/>
-                </dgm:layoutNode>
-                <dgm:layoutNode name="hierChild5">
-                  <dgm:choose name="Name88">
-                    <dgm:if name="Name89" func="var" arg="dir" op="equ" val="norm">
-                      <dgm:alg type="hierChild">
-                        <dgm:param type="chAlign" val="l"/>
-                        <dgm:param type="linDir" val="fromL"/>
-                        <dgm:param type="secChAlign" val="t"/>
-                        <dgm:param type="secLinDir" val="fromT"/>
-                      </dgm:alg>
-                    </dgm:if>
-                    <dgm:else name="Name90">
-                      <dgm:alg type="hierChild">
-                        <dgm:param type="chAlign" val="l"/>
-                        <dgm:param type="linDir" val="fromR"/>
-                        <dgm:param type="secChAlign" val="t"/>
-                        <dgm:param type="secLinDir" val="fromT"/>
-                      </dgm:alg>
-                    </dgm:else>
-                  </dgm:choose>
-                  <dgm:shape xmlns:r="http://schemas.openxmlformats.org/officeDocument/2006/relationships" r:blip="">
-                    <dgm:adjLst/>
-                  </dgm:shape>
-                  <dgm:presOf/>
-                  <dgm:constrLst/>
-                  <dgm:ruleLst/>
-                  <dgm:forEach name="Name91" ref="rep2b"/>
-                </dgm:layoutNode>
-              </dgm:layoutNode>
-            </dgm:forEach>
-          </dgm:layoutNode>
-          <dgm:layoutNode name="hierChild3">
-            <dgm:choose name="Name92">
-              <dgm:if name="Name93" func="var" arg="dir" op="equ" val="norm">
-                <dgm:alg type="hierChild">
-                  <dgm:param type="chAlign" val="l"/>
-                  <dgm:param type="linDir" val="fromL"/>
-                  <dgm:param type="secChAlign" val="t"/>
-                  <dgm:param type="secLinDir" val="fromT"/>
-                </dgm:alg>
-              </dgm:if>
-              <dgm:else name="Name94">
-                <dgm:alg type="hierChild">
-                  <dgm:param type="chAlign" val="l"/>
-                  <dgm:param type="linDir" val="fromR"/>
-                  <dgm:param type="secChAlign" val="t"/>
-                  <dgm:param type="secLinDir" val="fromT"/>
-                </dgm:alg>
-              </dgm:else>
-            </dgm:choose>
-            <dgm:shape xmlns:r="http://schemas.openxmlformats.org/officeDocument/2006/relationships" r:blip="">
-              <dgm:adjLst/>
-            </dgm:shape>
-            <dgm:presOf/>
-            <dgm:constrLst/>
-            <dgm:ruleLst/>
-            <dgm:forEach name="rep2b" axis="ch" ptType="asst">
-              <dgm:forEach name="Name95" axis="precedSib" ptType="parTrans" st="-1" cnt="1">
-                <dgm:layoutNode name="Name96">
-                  <dgm:alg type="conn">
-                    <dgm:param type="connRout" val="bend"/>
-                    <dgm:param type="dim" val="1D"/>
-                    <dgm:param type="endSty" val="noArr"/>
-                    <dgm:param type="begPts" val="bCtr"/>
-                    <dgm:param type="endPts" val="midL midR"/>
-                  </dgm:alg>
-                  <dgm:shape xmlns:r="http://schemas.openxmlformats.org/officeDocument/2006/relationships" type="conn" r:blip="" zOrderOff="-99999">
-                    <dgm:adjLst/>
-                  </dgm:shape>
-                  <dgm:presOf axis="self"/>
-                  <dgm:constrLst>
-                    <dgm:constr type="begPad"/>
-                    <dgm:constr type="endPad"/>
-                  </dgm:constrLst>
-                  <dgm:ruleLst/>
-                </dgm:layoutNode>
-              </dgm:forEach>
-              <dgm:layoutNode name="hierRoot3">
-                <dgm:varLst>
-                  <dgm:hierBranch val="init"/>
-                </dgm:varLst>
-                <dgm:choose name="Name97">
-                  <dgm:if name="Name98" func="var" arg="hierBranch" op="equ" val="l">
-                    <dgm:alg type="hierRoot">
-                      <dgm:param type="hierAlign" val="tR"/>
-                    </dgm:alg>
-                    <dgm:shape xmlns:r="http://schemas.openxmlformats.org/officeDocument/2006/relationships" r:blip="">
-                      <dgm:adjLst/>
-                    </dgm:shape>
-                    <dgm:presOf/>
-                    <dgm:constrLst>
-                      <dgm:constr type="alignOff" val="0.65"/>
-                    </dgm:constrLst>
-                  </dgm:if>
-                  <dgm:if name="Name99" func="var" arg="hierBranch" op="equ" val="r">
-                    <dgm:alg type="hierRoot">
-                      <dgm:param type="hierAlign" val="tL"/>
-                    </dgm:alg>
-                    <dgm:shape xmlns:r="http://schemas.openxmlformats.org/officeDocument/2006/relationships" r:blip="">
-                      <dgm:adjLst/>
-                    </dgm:shape>
-                    <dgm:presOf/>
-                    <dgm:constrLst>
-                      <dgm:constr type="alignOff" val="0.65"/>
-                    </dgm:constrLst>
-                  </dgm:if>
-                  <dgm:if name="Name100" func="var" arg="hierBranch" op="equ" val="hang">
-                    <dgm:alg type="hierRoot"/>
-                    <dgm:shape xmlns:r="http://schemas.openxmlformats.org/officeDocument/2006/relationships" r:blip="">
-                      <dgm:adjLst/>
-                    </dgm:shape>
-                    <dgm:presOf/>
-                    <dgm:constrLst>
-                      <dgm:constr type="alignOff" val="0.65"/>
-                    </dgm:constrLst>
-                  </dgm:if>
-                  <dgm:if name="Name101" func="var" arg="hierBranch" op="equ" val="std">
-                    <dgm:alg type="hierRoot"/>
-                    <dgm:shape xmlns:r="http://schemas.openxmlformats.org/officeDocument/2006/relationships" r:blip="">
-                      <dgm:adjLst/>
-                    </dgm:shape>
-                    <dgm:presOf/>
-                    <dgm:constrLst>
-                      <dgm:constr type="alignOff"/>
-                      <dgm:constr type="bendDist" for="des" ptType="parTrans" refType="sp" fact="0.5"/>
-                    </dgm:constrLst>
-                  </dgm:if>
-                  <dgm:if name="Name102" func="var" arg="hierBranch" op="equ" val="init">
-                    <dgm:alg type="hierRoot"/>
-                    <dgm:shape xmlns:r="http://schemas.openxmlformats.org/officeDocument/2006/relationships" r:blip="">
-                      <dgm:adjLst/>
-                    </dgm:shape>
-                    <dgm:presOf/>
-                    <dgm:constrLst>
-                      <dgm:constr type="alignOff"/>
-                      <dgm:constr type="bendDist" for="des" ptType="parTrans" refType="sp" fact="0.5"/>
-                    </dgm:constrLst>
-                  </dgm:if>
-                  <dgm:else name="Name103"/>
-                </dgm:choose>
-                <dgm:ruleLst/>
-                <dgm:layoutNode name="rootComposite3">
-                  <dgm:alg type="composite"/>
-                  <dgm:shape xmlns:r="http://schemas.openxmlformats.org/officeDocument/2006/relationships" r:blip="">
-                    <dgm:adjLst/>
-                  </dgm:shape>
-                  <dgm:presOf axis="self" ptType="node" cnt="1"/>
-                  <dgm:choose name="Name104">
-                    <dgm:if name="Name105" func="var" arg="hierBranch" op="equ" val="init">
-                      <dgm:constrLst>
-                        <dgm:constr type="l" for="ch" forName="rootText3"/>
-                        <dgm:constr type="t" for="ch" forName="rootText3"/>
-                        <dgm:constr type="w" for="ch" forName="rootText3" refType="w"/>
-                        <dgm:constr type="h" for="ch" forName="rootText3" refType="h" fact="0.9"/>
-                        <dgm:constr type="l" for="ch" forName="titleText3" refType="w" fact="0.2"/>
-                        <dgm:constr type="t" for="ch" forName="titleText3" refType="h" fact="0.7"/>
-                        <dgm:constr type="w" for="ch" forName="titleText3" refType="w" fact="0.9"/>
-                        <dgm:constr type="h" for="ch" forName="titleText3" refType="h" fact="0.3"/>
-                        <dgm:constr type="primFontSz" for="des" forName="titleText3" refType="primFontSz" refFor="des" refForName="rootText3" op="lte"/>
-                        <dgm:constr type="l" for="ch" forName="rootConnector3"/>
-                        <dgm:constr type="t" for="ch" forName="rootConnector3"/>
-                        <dgm:constr type="w" for="ch" forName="rootConnector3" refType="w" refFor="ch" refForName="rootText3" fact="0.2"/>
-                        <dgm:constr type="h" for="ch" forName="rootConnector3" refType="h" refFor="ch" refForName="rootText3"/>
-                      </dgm:constrLst>
-                    </dgm:if>
-                    <dgm:if name="Name106" func="var" arg="hierBranch" op="equ" val="l">
-                      <dgm:constrLst>
-                        <dgm:constr type="l" for="ch" forName="rootText3"/>
-                        <dgm:constr type="t" for="ch" forName="rootText3"/>
-                        <dgm:constr type="w" for="ch" forName="rootText3" refType="w"/>
-                        <dgm:constr type="h" for="ch" forName="rootText3" refType="h" fact="0.9"/>
-                        <dgm:constr type="l" for="ch" forName="titleText3" refType="w" fact="0.2"/>
-                        <dgm:constr type="t" for="ch" forName="titleText3" refType="h" fact="0.7"/>
-                        <dgm:constr type="w" for="ch" forName="titleText3" refType="w" fact="0.9"/>
-                        <dgm:constr type="h" for="ch" forName="titleText3" refType="h" fact="0.3"/>
-                        <dgm:constr type="primFontSz" for="des" forName="titleText3" refType="primFontSz" refFor="des" refForName="rootText3" op="lte"/>
-                        <dgm:constr type="r" for="ch" forName="rootConnector3" refType="w"/>
-                        <dgm:constr type="t" for="ch" forName="rootConnector3"/>
-                        <dgm:constr type="w" for="ch" forName="rootConnector3" refType="w" refFor="ch" refForName="rootText3" fact="0.2"/>
-                        <dgm:constr type="h" for="ch" forName="rootConnector3" refType="h" refFor="ch" refForName="rootText3"/>
-                      </dgm:constrLst>
-                    </dgm:if>
-                    <dgm:if name="Name107" func="var" arg="hierBranch" op="equ" val="r">
-                      <dgm:constrLst>
-                        <dgm:constr type="l" for="ch" forName="rootText3"/>
-                        <dgm:constr type="t" for="ch" forName="rootText3"/>
-                        <dgm:constr type="w" for="ch" forName="rootText3" refType="w"/>
-                        <dgm:constr type="h" for="ch" forName="rootText3" refType="h" fact="0.9"/>
-                        <dgm:constr type="l" for="ch" forName="titleText3" refType="w" fact="0.2"/>
-                        <dgm:constr type="t" for="ch" forName="titleText3" refType="h" fact="0.7"/>
-                        <dgm:constr type="w" for="ch" forName="titleText3" refType="w" fact="0.9"/>
-                        <dgm:constr type="h" for="ch" forName="titleText3" refType="h" fact="0.3"/>
-                        <dgm:constr type="primFontSz" for="des" forName="titleText3" refType="primFontSz" refFor="des" refForName="rootText3" op="lte"/>
-                        <dgm:constr type="l" for="ch" forName="rootConnector3"/>
-                        <dgm:constr type="t" for="ch" forName="rootConnector3"/>
-                        <dgm:constr type="w" for="ch" forName="rootConnector3" refType="w" refFor="ch" refForName="rootText3" fact="0.2"/>
-                        <dgm:constr type="h" for="ch" forName="rootConnector3" refType="h" refFor="ch" refForName="rootText3"/>
-                      </dgm:constrLst>
-                    </dgm:if>
-                    <dgm:else name="Name108">
-                      <dgm:constrLst>
-                        <dgm:constr type="l" for="ch" forName="rootText3"/>
-                        <dgm:constr type="t" for="ch" forName="rootText3"/>
-                        <dgm:constr type="w" for="ch" forName="rootText3" refType="w"/>
-                        <dgm:constr type="h" for="ch" forName="rootText3" refType="h" fact="0.9"/>
-                        <dgm:constr type="l" for="ch" forName="titleText3" refType="w" fact="0.2"/>
-                        <dgm:constr type="t" for="ch" forName="titleText3" refType="h" fact="0.7"/>
-                        <dgm:constr type="w" for="ch" forName="titleText3" refType="w" fact="0.9"/>
-                        <dgm:constr type="h" for="ch" forName="titleText3" refType="h" fact="0.3"/>
-                        <dgm:constr type="primFontSz" for="des" forName="titleText3" refType="primFontSz" refFor="des" refForName="rootText3" op="lte"/>
-                        <dgm:constr type="r" for="ch" forName="rootConnector3" refType="w"/>
-                        <dgm:constr type="t" for="ch" forName="rootConnector3"/>
-                        <dgm:constr type="w" for="ch" forName="rootConnector3" refType="w" refFor="ch" refForName="rootText3" fact="0.2"/>
-                        <dgm:constr type="h" for="ch" forName="rootConnector3" refType="h" refFor="ch" refForName="rootText3"/>
-                      </dgm:constrLst>
-                    </dgm:else>
-                  </dgm:choose>
-                  <dgm:ruleLst/>
-                  <dgm:layoutNode name="rootText3" styleLbl="asst1">
-                    <dgm:varLst>
-                      <dgm:chPref val="3"/>
-                    </dgm:varLst>
-                    <dgm:alg type="tx"/>
-                    <dgm:shape xmlns:r="http://schemas.openxmlformats.org/officeDocument/2006/relationships" type="rect" r:blip="">
-                      <dgm:adjLst/>
-                    </dgm:shape>
-                    <dgm:presOf axis="self" ptType="node" cnt="1"/>
-                    <dgm:constrLst>
-                      <dgm:constr type="primFontSz" val="65"/>
-                      <dgm:constr type="lMarg" refType="primFontSz" fact="0.05"/>
-                      <dgm:constr type="rMarg" refType="primFontSz" fact="0.05"/>
-                      <dgm:constr type="tMarg" refType="primFontSz" fact="0.05"/>
-                      <dgm:constr type="bMarg" refType="h" fact="0.4"/>
-                    </dgm:constrLst>
-                    <dgm:ruleLst>
-                      <dgm:rule type="primFontSz" val="5" fact="NaN" max="NaN"/>
-                    </dgm:ruleLst>
-                  </dgm:layoutNode>
-                  <dgm:layoutNode name="titleText3" styleLbl="fgAcc2">
-                    <dgm:varLst>
-                      <dgm:chMax val="0"/>
-                      <dgm:chPref val="0"/>
-                    </dgm:varLst>
-                    <dgm:alg type="tx">
-                      <dgm:param type="parTxLTRAlign" val="r"/>
-                    </dgm:alg>
-                    <dgm:shape xmlns:r="http://schemas.openxmlformats.org/officeDocument/2006/relationships" type="rect" r:blip="">
-                      <dgm:adjLst/>
-                    </dgm:shape>
-                    <dgm:presOf axis="followSib" ptType="sibTrans" hideLastTrans="0" cnt="1"/>
-                    <dgm:constrLst>
-                      <dgm:constr type="primFontSz" val="65"/>
-                      <dgm:constr type="lMarg" refType="primFontSz" fact="0.2"/>
-                      <dgm:constr type="rMarg" refType="primFontSz" fact="0.2"/>
-                      <dgm:constr type="tMarg" refType="primFontSz" fact="0.05"/>
-                      <dgm:constr type="bMarg" refType="primFontSz" fact="0.05"/>
-                    </dgm:constrLst>
-                    <dgm:ruleLst>
-                      <dgm:rule type="primFontSz" val="5" fact="NaN" max="NaN"/>
-                    </dgm:ruleLst>
-                  </dgm:layoutNode>
-                  <dgm:layoutNode name="rootConnector3" moveWith="rootText1">
-                    <dgm:alg type="sp"/>
-                    <dgm:shape xmlns:r="http://schemas.openxmlformats.org/officeDocument/2006/relationships" type="rect" r:blip="" hideGeom="1">
-                      <dgm:adjLst/>
-                    </dgm:shape>
-                    <dgm:presOf axis="self" ptType="node" cnt="1"/>
-                    <dgm:constrLst/>
-                    <dgm:ruleLst/>
-                  </dgm:layoutNode>
-                </dgm:layoutNode>
-                <dgm:layoutNode name="hierChild6">
-                  <dgm:choose name="Name109">
-                    <dgm:if name="Name110" func="var" arg="hierBranch" op="equ" val="l">
-                      <dgm:alg type="hierChild">
-                        <dgm:param type="chAlign" val="r"/>
-                        <dgm:param type="linDir" val="fromT"/>
-                      </dgm:alg>
-                    </dgm:if>
-                    <dgm:if name="Name111" func="var" arg="hierBranch" op="equ" val="r">
-                      <dgm:alg type="hierChild">
-                        <dgm:param type="chAlign" val="l"/>
-                        <dgm:param type="linDir" val="fromT"/>
-                      </dgm:alg>
-                    </dgm:if>
-                    <dgm:if name="Name112" func="var" arg="hierBranch" op="equ" val="hang">
-                      <dgm:choose name="Name113">
-                        <dgm:if name="Name114" func="var" arg="dir" op="equ" val="norm">
-                          <dgm:alg type="hierChild">
-                            <dgm:param type="chAlign" val="l"/>
-                            <dgm:param type="linDir" val="fromL"/>
-                            <dgm:param type="secChAlign" val="t"/>
-                            <dgm:param type="secLinDir" val="fromT"/>
-                          </dgm:alg>
-                        </dgm:if>
-                        <dgm:else name="Name115">
-                          <dgm:alg type="hierChild">
-                            <dgm:param type="chAlign" val="l"/>
-                            <dgm:param type="linDir" val="fromR"/>
-                            <dgm:param type="secChAlign" val="t"/>
-                            <dgm:param type="secLinDir" val="fromT"/>
-                          </dgm:alg>
-                        </dgm:else>
-                      </dgm:choose>
-                    </dgm:if>
-                    <dgm:if name="Name116" func="var" arg="hierBranch" op="equ" val="std">
-                      <dgm:choose name="Name117">
-                        <dgm:if name="Name118" func="var" arg="dir" op="equ" val="norm">
-                          <dgm:alg type="hierChild"/>
-                        </dgm:if>
-                        <dgm:else name="Name119">
-                          <dgm:alg type="hierChild">
-                            <dgm:param type="linDir" val="fromR"/>
-                          </dgm:alg>
-                        </dgm:else>
-                      </dgm:choose>
-                    </dgm:if>
-                    <dgm:if name="Name120" func="var" arg="hierBranch" op="equ" val="init">
-                      <dgm:alg type="hierChild"/>
-                    </dgm:if>
-                    <dgm:else name="Name121"/>
-                  </dgm:choose>
-                  <dgm:shape xmlns:r="http://schemas.openxmlformats.org/officeDocument/2006/relationships" r:blip="">
-                    <dgm:adjLst/>
-                  </dgm:shape>
-                  <dgm:presOf/>
-                  <dgm:constrLst/>
-                  <dgm:ruleLst/>
-                  <dgm:forEach name="Name122" ref="rep2a"/>
-                </dgm:layoutNode>
-                <dgm:layoutNode name="hierChild7">
-                  <dgm:choose name="Name123">
-                    <dgm:if name="Name124" func="var" arg="dir" op="equ" val="norm">
-                      <dgm:alg type="hierChild">
-                        <dgm:param type="chAlign" val="l"/>
-                        <dgm:param type="linDir" val="fromL"/>
-                        <dgm:param type="secChAlign" val="t"/>
-                        <dgm:param type="secLinDir" val="fromT"/>
-                      </dgm:alg>
-                    </dgm:if>
-                    <dgm:else name="Name125">
-                      <dgm:alg type="hierChild">
-                        <dgm:param type="chAlign" val="l"/>
-                        <dgm:param type="linDir" val="fromR"/>
-                        <dgm:param type="secChAlign" val="t"/>
-                        <dgm:param type="secLinDir" val="fromT"/>
-                      </dgm:alg>
-                    </dgm:else>
-                  </dgm:choose>
-                  <dgm:shape xmlns:r="http://schemas.openxmlformats.org/officeDocument/2006/relationships" r:blip="">
-                    <dgm:adjLst/>
-                  </dgm:shape>
-                  <dgm:presOf/>
-                  <dgm:constrLst/>
-                  <dgm:ruleLst/>
-                  <dgm:forEach name="Name126" ref="rep2b"/>
-                </dgm:layoutNode>
-              </dgm:layoutNode>
-            </dgm:forEach>
-          </dgm:layoutNode>
-        </dgm:layoutNode>
-      </dgm:forEach>
-    </dgm:forEach>
-  </dgm:layoutNode>
-</dgm:layoutDef>
-</file>
-
-<file path=ppt/diagrams/quickStyle1.xml><?xml version="1.0" encoding="utf-8"?>
-<dgm:styleDef xmlns:dgm="http://schemas.openxmlformats.org/drawingml/2006/diagram" xmlns:a="http://schemas.openxmlformats.org/drawingml/2006/main" uniqueId="urn:microsoft.com/office/officeart/2005/8/quickstyle/simple1">
-  <dgm:title val=""/>
-  <dgm:desc val=""/>
-  <dgm:catLst>
-    <dgm:cat type="simple" pri="10100"/>
-  </dgm:catLst>
-  <dgm:scene3d>
-    <a:camera prst="orthographicFront"/>
-    <a:lightRig rig="threePt" dir="t"/>
-  </dgm:scene3d>
-  <dgm:styleLbl name="node0">
-    <dgm:scene3d>
-      <a:camera prst="orthographicFront"/>
-      <a:lightRig rig="threePt" dir="t"/>
-    </dgm:scene3d>
-    <dgm:sp3d/>
-    <dgm:txPr/>
-    <dgm:style>
-      <a:lnRef idx="2">
-        <a:scrgbClr r="0" g="0" b="0"/>
-      </a:lnRef>
-      <a:fillRef idx="1">
-        <a:scrgbClr r="0" g="0" b="0"/>
-      </a:fillRef>
-      <a:effectRef idx="0">
-        <a:scrgbClr r="0" g="0" b="0"/>
-      </a:effectRef>
-      <a:fontRef idx="minor">
-        <a:schemeClr val="lt1"/>
-      </a:fontRef>
-    </dgm:style>
-  </dgm:styleLbl>
-  <dgm:styleLbl name="lnNode1">
-    <dgm:scene3d>
-      <a:camera prst="orthographicFront"/>
-      <a:lightRig rig="threePt" dir="t"/>
-    </dgm:scene3d>
-    <dgm:sp3d/>
-    <dgm:txPr/>
-    <dgm:style>
-      <a:lnRef idx="2">
-        <a:scrgbClr r="0" g="0" b="0"/>
-      </a:lnRef>
-      <a:fillRef idx="1">
-        <a:scrgbClr r="0" g="0" b="0"/>
-      </a:fillRef>
-      <a:effectRef idx="0">
-        <a:scrgbClr r="0" g="0" b="0"/>
-      </a:effectRef>
-      <a:fontRef idx="minor">
-        <a:schemeClr val="lt1"/>
-      </a:fontRef>
-    </dgm:style>
-  </dgm:styleLbl>
-  <dgm:styleLbl name="vennNode1">
-    <dgm:scene3d>
-      <a:camera prst="orthographicFront"/>
-      <a:lightRig rig="threePt" dir="t"/>
-    </dgm:scene3d>
-    <dgm:sp3d/>
-    <dgm:txPr/>
-    <dgm:style>
-      <a:lnRef idx="2">
-        <a:scrgbClr r="0" g="0" b="0"/>
-      </a:lnRef>
-      <a:fillRef idx="1">
-        <a:scrgbClr r="0" g="0" b="0"/>
-      </a:fillRef>
-      <a:effectRef idx="0">
-        <a:scrgbClr r="0" g="0" b="0"/>
-      </a:effectRef>
-      <a:fontRef idx="minor">
-        <a:schemeClr val="tx1"/>
-      </a:fontRef>
-    </dgm:style>
-  </dgm:styleLbl>
-  <dgm:styleLbl name="alignNode1">
-    <dgm:scene3d>
-      <a:camera prst="orthographicFront"/>
-      <a:lightRig rig="threePt" dir="t"/>
-    </dgm:scene3d>
-    <dgm:sp3d/>
-    <dgm:txPr/>
-    <dgm:style>
-      <a:lnRef idx="2">
-        <a:scrgbClr r="0" g="0" b="0"/>
-      </a:lnRef>
-      <a:fillRef idx="1">
-        <a:scrgbClr r="0" g="0" b="0"/>
-      </a:fillRef>
-      <a:effectRef idx="0">
-        <a:scrgbClr r="0" g="0" b="0"/>
-      </a:effectRef>
-      <a:fontRef idx="minor">
-        <a:schemeClr val="lt1"/>
-      </a:fontRef>
-    </dgm:style>
-  </dgm:styleLbl>
-  <dgm:styleLbl name="node1">
-    <dgm:scene3d>
-      <a:camera prst="orthographicFront"/>
-      <a:lightRig rig="threePt" dir="t"/>
-    </dgm:scene3d>
-    <dgm:sp3d/>
-    <dgm:txPr/>
-    <dgm:style>
-      <a:lnRef idx="2">
-        <a:scrgbClr r="0" g="0" b="0"/>
-      </a:lnRef>
-      <a:fillRef idx="1">
-        <a:scrgbClr r="0" g="0" b="0"/>
-      </a:fillRef>
-      <a:effectRef idx="0">
-        <a:scrgbClr r="0" g="0" b="0"/>
-      </a:effectRef>
-      <a:fontRef idx="minor">
-        <a:schemeClr val="lt1"/>
-      </a:fontRef>
-    </dgm:style>
-  </dgm:styleLbl>
-  <dgm:styleLbl name="node2">
-    <dgm:scene3d>
-      <a:camera prst="orthographicFront"/>
-      <a:lightRig rig="threePt" dir="t"/>
-    </dgm:scene3d>
-    <dgm:sp3d/>
-    <dgm:txPr/>
-    <dgm:style>
-      <a:lnRef idx="2">
-        <a:scrgbClr r="0" g="0" b="0"/>
-      </a:lnRef>
-      <a:fillRef idx="1">
-        <a:scrgbClr r="0" g="0" b="0"/>
-      </a:fillRef>
-      <a:effectRef idx="0">
-        <a:scrgbClr r="0" g="0" b="0"/>
-      </a:effectRef>
-      <a:fontRef idx="minor">
-        <a:schemeClr val="lt1"/>
-      </a:fontRef>
-    </dgm:style>
-  </dgm:styleLbl>
-  <dgm:styleLbl name="node3">
-    <dgm:scene3d>
-      <a:camera prst="orthographicFront"/>
-      <a:lightRig rig="threePt" dir="t"/>
-    </dgm:scene3d>
-    <dgm:sp3d/>
-    <dgm:txPr/>
-    <dgm:style>
-      <a:lnRef idx="2">
-        <a:scrgbClr r="0" g="0" b="0"/>
-      </a:lnRef>
-      <a:fillRef idx="1">
-        <a:scrgbClr r="0" g="0" b="0"/>
-      </a:fillRef>
-      <a:effectRef idx="0">
-        <a:scrgbClr r="0" g="0" b="0"/>
-      </a:effectRef>
-      <a:fontRef idx="minor">
-        <a:schemeClr val="lt1"/>
-      </a:fontRef>
-    </dgm:style>
-  </dgm:styleLbl>
-  <dgm:styleLbl name="node4">
-    <dgm:scene3d>
-      <a:camera prst="orthographicFront"/>
-      <a:lightRig rig="threePt" dir="t"/>
-    </dgm:scene3d>
-    <dgm:sp3d/>
-    <dgm:txPr/>
-    <dgm:style>
-      <a:lnRef idx="2">
-        <a:scrgbClr r="0" g="0" b="0"/>
-      </a:lnRef>
-      <a:fillRef idx="1">
-        <a:scrgbClr r="0" g="0" b="0"/>
-      </a:fillRef>
-      <a:effectRef idx="0">
-        <a:scrgbClr r="0" g="0" b="0"/>
-      </a:effectRef>
-      <a:fontRef idx="minor">
-        <a:schemeClr val="lt1"/>
-      </a:fontRef>
-    </dgm:style>
-  </dgm:styleLbl>
-  <dgm:styleLbl name="fgImgPlace1">
-    <dgm:scene3d>
-      <a:camera prst="orthographicFront"/>
-      <a:lightRig rig="threePt" dir="t"/>
-    </dgm:scene3d>
-    <dgm:sp3d/>
-    <dgm:txPr/>
-    <dgm:style>
-      <a:lnRef idx="2">
-        <a:scrgbClr r="0" g="0" b="0"/>
-      </a:lnRef>
-      <a:fillRef idx="1">
-        <a:scrgbClr r="0" g="0" b="0"/>
-      </a:fillRef>
-      <a:effectRef idx="0">
-        <a:scrgbClr r="0" g="0" b="0"/>
-      </a:effectRef>
-      <a:fontRef idx="minor"/>
-    </dgm:style>
-  </dgm:styleLbl>
-  <dgm:styleLbl name="alignImgPlace1">
-    <dgm:scene3d>
-      <a:camera prst="orthographicFront"/>
-      <a:lightRig rig="threePt" dir="t"/>
-    </dgm:scene3d>
-    <dgm:sp3d/>
-    <dgm:txPr/>
-    <dgm:style>
-      <a:lnRef idx="2">
-        <a:scrgbClr r="0" g="0" b="0"/>
-      </a:lnRef>
-      <a:fillRef idx="1">
-        <a:scrgbClr r="0" g="0" b="0"/>
-      </a:fillRef>
-      <a:effectRef idx="0">
-        <a:scrgbClr r="0" g="0" b="0"/>
-      </a:effectRef>
-      <a:fontRef idx="minor"/>
-    </dgm:style>
-  </dgm:styleLbl>
-  <dgm:styleLbl name="bgImgPlace1">
-    <dgm:scene3d>
-      <a:camera prst="orthographicFront"/>
-      <a:lightRig rig="threePt" dir="t"/>
-    </dgm:scene3d>
-    <dgm:sp3d/>
-    <dgm:txPr/>
-    <dgm:style>
-      <a:lnRef idx="2">
-        <a:scrgbClr r="0" g="0" b="0"/>
-      </a:lnRef>
-      <a:fillRef idx="1">
-        <a:scrgbClr r="0" g="0" b="0"/>
-      </a:fillRef>
-      <a:effectRef idx="0">
-        <a:scrgbClr r="0" g="0" b="0"/>
-      </a:effectRef>
-      <a:fontRef idx="minor"/>
-    </dgm:style>
-  </dgm:styleLbl>
-  <dgm:styleLbl name="sibTrans2D1">
-    <dgm:scene3d>
-      <a:camera prst="orthographicFront"/>
-      <a:lightRig rig="threePt" dir="t"/>
-    </dgm:scene3d>
-    <dgm:sp3d/>
-    <dgm:txPr/>
-    <dgm:style>
-      <a:lnRef idx="0">
-        <a:scrgbClr r="0" g="0" b="0"/>
-      </a:lnRef>
-      <a:fillRef idx="1">
-        <a:scrgbClr r="0" g="0" b="0"/>
-      </a:fillRef>
-      <a:effectRef idx="0">
-        <a:scrgbClr r="0" g="0" b="0"/>
-      </a:effectRef>
-      <a:fontRef idx="minor">
-        <a:schemeClr val="lt1"/>
-      </a:fontRef>
-    </dgm:style>
-  </dgm:styleLbl>
-  <dgm:styleLbl name="fgSibTrans2D1">
-    <dgm:scene3d>
-      <a:camera prst="orthographicFront"/>
-      <a:lightRig rig="threePt" dir="t"/>
-    </dgm:scene3d>
-    <dgm:sp3d/>
-    <dgm:txPr/>
-    <dgm:style>
-      <a:lnRef idx="0">
-        <a:scrgbClr r="0" g="0" b="0"/>
-      </a:lnRef>
-      <a:fillRef idx="1">
-        <a:scrgbClr r="0" g="0" b="0"/>
-      </a:fillRef>
-      <a:effectRef idx="0">
-        <a:scrgbClr r="0" g="0" b="0"/>
-      </a:effectRef>
-      <a:fontRef idx="minor">
-        <a:schemeClr val="lt1"/>
-      </a:fontRef>
-    </dgm:style>
-  </dgm:styleLbl>
-  <dgm:styleLbl name="bgSibTrans2D1">
-    <dgm:scene3d>
-      <a:camera prst="orthographicFront"/>
-      <a:lightRig rig="threePt" dir="t"/>
-    </dgm:scene3d>
-    <dgm:sp3d/>
-    <dgm:txPr/>
-    <dgm:style>
-      <a:lnRef idx="0">
-        <a:scrgbClr r="0" g="0" b="0"/>
-      </a:lnRef>
-      <a:fillRef idx="1">
-        <a:scrgbClr r="0" g="0" b="0"/>
-      </a:fillRef>
-      <a:effectRef idx="0">
-        <a:scrgbClr r="0" g="0" b="0"/>
-      </a:effectRef>
-      <a:fontRef idx="minor">
-        <a:schemeClr val="lt1"/>
-      </a:fontRef>
-    </dgm:style>
-  </dgm:styleLbl>
-  <dgm:styleLbl name="sibTrans1D1">
-    <dgm:scene3d>
-      <a:camera prst="orthographicFront"/>
-      <a:lightRig rig="threePt" dir="t"/>
-    </dgm:scene3d>
-    <dgm:sp3d/>
-    <dgm:txPr/>
-    <dgm:style>
-      <a:lnRef idx="1">
-        <a:scrgbClr r="0" g="0" b="0"/>
-      </a:lnRef>
-      <a:fillRef idx="0">
-        <a:scrgbClr r="0" g="0" b="0"/>
-      </a:fillRef>
-      <a:effectRef idx="0">
-        <a:scrgbClr r="0" g="0" b="0"/>
-      </a:effectRef>
-      <a:fontRef idx="minor"/>
-    </dgm:style>
-  </dgm:styleLbl>
-  <dgm:styleLbl name="callout">
-    <dgm:scene3d>
-      <a:camera prst="orthographicFront"/>
-      <a:lightRig rig="threePt" dir="t"/>
-    </dgm:scene3d>
-    <dgm:sp3d/>
-    <dgm:txPr/>
-    <dgm:style>
-      <a:lnRef idx="2">
-        <a:scrgbClr r="0" g="0" b="0"/>
-      </a:lnRef>
-      <a:fillRef idx="1">
-        <a:scrgbClr r="0" g="0" b="0"/>
-      </a:fillRef>
-      <a:effectRef idx="0">
-        <a:scrgbClr r="0" g="0" b="0"/>
-      </a:effectRef>
-      <a:fontRef idx="minor"/>
-    </dgm:style>
-  </dgm:styleLbl>
-  <dgm:styleLbl name="asst0">
-    <dgm:scene3d>
-      <a:camera prst="orthographicFront"/>
-      <a:lightRig rig="threePt" dir="t"/>
-    </dgm:scene3d>
-    <dgm:sp3d/>
-    <dgm:txPr/>
-    <dgm:style>
-      <a:lnRef idx="2">
-        <a:scrgbClr r="0" g="0" b="0"/>
-      </a:lnRef>
-      <a:fillRef idx="1">
-        <a:scrgbClr r="0" g="0" b="0"/>
-      </a:fillRef>
-      <a:effectRef idx="0">
-        <a:scrgbClr r="0" g="0" b="0"/>
-      </a:effectRef>
-      <a:fontRef idx="minor">
-        <a:schemeClr val="lt1"/>
-      </a:fontRef>
-    </dgm:style>
-  </dgm:styleLbl>
-  <dgm:styleLbl name="asst1">
-    <dgm:scene3d>
-      <a:camera prst="orthographicFront"/>
-      <a:lightRig rig="threePt" dir="t"/>
-    </dgm:scene3d>
-    <dgm:sp3d/>
-    <dgm:txPr/>
-    <dgm:style>
-      <a:lnRef idx="2">
-        <a:scrgbClr r="0" g="0" b="0"/>
-      </a:lnRef>
-      <a:fillRef idx="1">
-        <a:scrgbClr r="0" g="0" b="0"/>
-      </a:fillRef>
-      <a:effectRef idx="0">
-        <a:scrgbClr r="0" g="0" b="0"/>
-      </a:effectRef>
-      <a:fontRef idx="minor">
-        <a:schemeClr val="lt1"/>
-      </a:fontRef>
-    </dgm:style>
-  </dgm:styleLbl>
-  <dgm:styleLbl name="asst2">
-    <dgm:scene3d>
-      <a:camera prst="orthographicFront"/>
-      <a:lightRig rig="threePt" dir="t"/>
-    </dgm:scene3d>
-    <dgm:sp3d/>
-    <dgm:txPr/>
-    <dgm:style>
-      <a:lnRef idx="2">
-        <a:scrgbClr r="0" g="0" b="0"/>
-      </a:lnRef>
-      <a:fillRef idx="1">
-        <a:scrgbClr r="0" g="0" b="0"/>
-      </a:fillRef>
-      <a:effectRef idx="0">
-        <a:scrgbClr r="0" g="0" b="0"/>
-      </a:effectRef>
-      <a:fontRef idx="minor">
-        <a:schemeClr val="lt1"/>
-      </a:fontRef>
-    </dgm:style>
-  </dgm:styleLbl>
-  <dgm:styleLbl name="asst3">
-    <dgm:scene3d>
-      <a:camera prst="orthographicFront"/>
-      <a:lightRig rig="threePt" dir="t"/>
-    </dgm:scene3d>
-    <dgm:sp3d/>
-    <dgm:txPr/>
-    <dgm:style>
-      <a:lnRef idx="2">
-        <a:scrgbClr r="0" g="0" b="0"/>
-      </a:lnRef>
-      <a:fillRef idx="1">
-        <a:scrgbClr r="0" g="0" b="0"/>
-      </a:fillRef>
-      <a:effectRef idx="0">
-        <a:scrgbClr r="0" g="0" b="0"/>
-      </a:effectRef>
-      <a:fontRef idx="minor">
-        <a:schemeClr val="lt1"/>
-      </a:fontRef>
-    </dgm:style>
-  </dgm:styleLbl>
-  <dgm:styleLbl name="asst4">
-    <dgm:scene3d>
-      <a:camera prst="orthographicFront"/>
-      <a:lightRig rig="threePt" dir="t"/>
-    </dgm:scene3d>
-    <dgm:sp3d/>
-    <dgm:txPr/>
-    <dgm:style>
-      <a:lnRef idx="2">
-        <a:scrgbClr r="0" g="0" b="0"/>
-      </a:lnRef>
-      <a:fillRef idx="1">
-        <a:scrgbClr r="0" g="0" b="0"/>
-      </a:fillRef>
-      <a:effectRef idx="0">
-        <a:scrgbClr r="0" g="0" b="0"/>
-      </a:effectRef>
-      <a:fontRef idx="minor">
-        <a:schemeClr val="lt1"/>
-      </a:fontRef>
-    </dgm:style>
-  </dgm:styleLbl>
-  <dgm:styleLbl name="parChTrans2D1">
-    <dgm:scene3d>
-      <a:camera prst="orthographicFront"/>
-      <a:lightRig rig="threePt" dir="t"/>
-    </dgm:scene3d>
-    <dgm:sp3d/>
-    <dgm:txPr/>
-    <dgm:style>
-      <a:lnRef idx="2">
-        <a:scrgbClr r="0" g="0" b="0"/>
-      </a:lnRef>
-      <a:fillRef idx="1">
-        <a:scrgbClr r="0" g="0" b="0"/>
-      </a:fillRef>
-      <a:effectRef idx="0">
-        <a:scrgbClr r="0" g="0" b="0"/>
-      </a:effectRef>
-      <a:fontRef idx="minor">
-        <a:schemeClr val="lt1"/>
-      </a:fontRef>
-    </dgm:style>
-  </dgm:styleLbl>
-  <dgm:styleLbl name="parChTrans2D2">
-    <dgm:scene3d>
-      <a:camera prst="orthographicFront"/>
-      <a:lightRig rig="threePt" dir="t"/>
-    </dgm:scene3d>
-    <dgm:sp3d/>
-    <dgm:txPr/>
-    <dgm:style>
-      <a:lnRef idx="2">
-        <a:scrgbClr r="0" g="0" b="0"/>
-      </a:lnRef>
-      <a:fillRef idx="1">
-        <a:scrgbClr r="0" g="0" b="0"/>
-      </a:fillRef>
-      <a:effectRef idx="0">
-        <a:scrgbClr r="0" g="0" b="0"/>
-      </a:effectRef>
-      <a:fontRef idx="minor">
-        <a:schemeClr val="lt1"/>
-      </a:fontRef>
-    </dgm:style>
-  </dgm:styleLbl>
-  <dgm:styleLbl name="parChTrans2D3">
-    <dgm:scene3d>
-      <a:camera prst="orthographicFront"/>
-      <a:lightRig rig="threePt" dir="t"/>
-    </dgm:scene3d>
-    <dgm:sp3d/>
-    <dgm:txPr/>
-    <dgm:style>
-      <a:lnRef idx="2">
-        <a:scrgbClr r="0" g="0" b="0"/>
-      </a:lnRef>
-      <a:fillRef idx="1">
-        <a:scrgbClr r="0" g="0" b="0"/>
-      </a:fillRef>
-      <a:effectRef idx="0">
-        <a:scrgbClr r="0" g="0" b="0"/>
-      </a:effectRef>
-      <a:fontRef idx="minor">
-        <a:schemeClr val="lt1"/>
-      </a:fontRef>
-    </dgm:style>
-  </dgm:styleLbl>
-  <dgm:styleLbl name="parChTrans2D4">
-    <dgm:scene3d>
-      <a:camera prst="orthographicFront"/>
-      <a:lightRig rig="threePt" dir="t"/>
-    </dgm:scene3d>
-    <dgm:sp3d/>
-    <dgm:txPr/>
-    <dgm:style>
-      <a:lnRef idx="2">
-        <a:scrgbClr r="0" g="0" b="0"/>
-      </a:lnRef>
-      <a:fillRef idx="1">
-        <a:scrgbClr r="0" g="0" b="0"/>
-      </a:fillRef>
-      <a:effectRef idx="0">
-        <a:scrgbClr r="0" g="0" b="0"/>
-      </a:effectRef>
-      <a:fontRef idx="minor">
-        <a:schemeClr val="lt1"/>
-      </a:fontRef>
-    </dgm:style>
-  </dgm:styleLbl>
-  <dgm:styleLbl name="parChTrans1D1">
-    <dgm:scene3d>
-      <a:camera prst="orthographicFront"/>
-      <a:lightRig rig="threePt" dir="t"/>
-    </dgm:scene3d>
-    <dgm:sp3d/>
-    <dgm:txPr/>
-    <dgm:style>
-      <a:lnRef idx="2">
-        <a:scrgbClr r="0" g="0" b="0"/>
-      </a:lnRef>
-      <a:fillRef idx="0">
-        <a:scrgbClr r="0" g="0" b="0"/>
-      </a:fillRef>
-      <a:effectRef idx="0">
-        <a:scrgbClr r="0" g="0" b="0"/>
-      </a:effectRef>
-      <a:fontRef idx="minor"/>
-    </dgm:style>
-  </dgm:styleLbl>
-  <dgm:styleLbl name="parChTrans1D2">
-    <dgm:scene3d>
-      <a:camera prst="orthographicFront"/>
-      <a:lightRig rig="threePt" dir="t"/>
-    </dgm:scene3d>
-    <dgm:sp3d/>
-    <dgm:txPr/>
-    <dgm:style>
-      <a:lnRef idx="2">
-        <a:scrgbClr r="0" g="0" b="0"/>
-      </a:lnRef>
-      <a:fillRef idx="0">
-        <a:scrgbClr r="0" g="0" b="0"/>
-      </a:fillRef>
-      <a:effectRef idx="0">
-        <a:scrgbClr r="0" g="0" b="0"/>
-      </a:effectRef>
-      <a:fontRef idx="minor"/>
-    </dgm:style>
-  </dgm:styleLbl>
-  <dgm:styleLbl name="parChTrans1D3">
-    <dgm:scene3d>
-      <a:camera prst="orthographicFront"/>
-      <a:lightRig rig="threePt" dir="t"/>
-    </dgm:scene3d>
-    <dgm:sp3d/>
-    <dgm:txPr/>
-    <dgm:style>
-      <a:lnRef idx="2">
-        <a:scrgbClr r="0" g="0" b="0"/>
-      </a:lnRef>
-      <a:fillRef idx="0">
-        <a:scrgbClr r="0" g="0" b="0"/>
-      </a:fillRef>
-      <a:effectRef idx="0">
-        <a:scrgbClr r="0" g="0" b="0"/>
-      </a:effectRef>
-      <a:fontRef idx="minor"/>
-    </dgm:style>
-  </dgm:styleLbl>
-  <dgm:styleLbl name="parChTrans1D4">
-    <dgm:scene3d>
-      <a:camera prst="orthographicFront"/>
-      <a:lightRig rig="threePt" dir="t"/>
-    </dgm:scene3d>
-    <dgm:sp3d/>
-    <dgm:txPr/>
-    <dgm:style>
-      <a:lnRef idx="2">
-        <a:scrgbClr r="0" g="0" b="0"/>
-      </a:lnRef>
-      <a:fillRef idx="0">
-        <a:scrgbClr r="0" g="0" b="0"/>
-      </a:fillRef>
-      <a:effectRef idx="0">
-        <a:scrgbClr r="0" g="0" b="0"/>
-      </a:effectRef>
-      <a:fontRef idx="minor"/>
-    </dgm:style>
-  </dgm:styleLbl>
-  <dgm:styleLbl name="fgAcc1">
-    <dgm:scene3d>
-      <a:camera prst="orthographicFront"/>
-      <a:lightRig rig="threePt" dir="t"/>
-    </dgm:scene3d>
-    <dgm:sp3d/>
-    <dgm:txPr/>
-    <dgm:style>
-      <a:lnRef idx="2">
-        <a:scrgbClr r="0" g="0" b="0"/>
-      </a:lnRef>
-      <a:fillRef idx="1">
-        <a:scrgbClr r="0" g="0" b="0"/>
-      </a:fillRef>
-      <a:effectRef idx="0">
-        <a:scrgbClr r="0" g="0" b="0"/>
-      </a:effectRef>
-      <a:fontRef idx="minor"/>
-    </dgm:style>
-  </dgm:styleLbl>
-  <dgm:styleLbl name="conFgAcc1">
-    <dgm:scene3d>
-      <a:camera prst="orthographicFront"/>
-      <a:lightRig rig="threePt" dir="t"/>
-    </dgm:scene3d>
-    <dgm:sp3d/>
-    <dgm:txPr/>
-    <dgm:style>
-      <a:lnRef idx="2">
-        <a:scrgbClr r="0" g="0" b="0"/>
-      </a:lnRef>
-      <a:fillRef idx="1">
-        <a:scrgbClr r="0" g="0" b="0"/>
-      </a:fillRef>
-      <a:effectRef idx="0">
-        <a:scrgbClr r="0" g="0" b="0"/>
-      </a:effectRef>
-      <a:fontRef idx="minor"/>
-    </dgm:style>
-  </dgm:styleLbl>
-  <dgm:styleLbl name="alignAcc1">
-    <dgm:scene3d>
-      <a:camera prst="orthographicFront"/>
-      <a:lightRig rig="threePt" dir="t"/>
-    </dgm:scene3d>
-    <dgm:sp3d/>
-    <dgm:txPr/>
-    <dgm:style>
-      <a:lnRef idx="2">
-        <a:scrgbClr r="0" g="0" b="0"/>
-      </a:lnRef>
-      <a:fillRef idx="1">
-        <a:scrgbClr r="0" g="0" b="0"/>
-      </a:fillRef>
-      <a:effectRef idx="0">
-        <a:scrgbClr r="0" g="0" b="0"/>
-      </a:effectRef>
-      <a:fontRef idx="minor"/>
-    </dgm:style>
-  </dgm:styleLbl>
-  <dgm:styleLbl name="trAlignAcc1">
-    <dgm:scene3d>
-      <a:camera prst="orthographicFront"/>
-      <a:lightRig rig="threePt" dir="t"/>
-    </dgm:scene3d>
-    <dgm:sp3d/>
-    <dgm:txPr/>
-    <dgm:style>
-      <a:lnRef idx="1">
-        <a:scrgbClr r="0" g="0" b="0"/>
-      </a:lnRef>
-      <a:fillRef idx="1">
-        <a:scrgbClr r="0" g="0" b="0"/>
-      </a:fillRef>
-      <a:effectRef idx="0">
-        <a:scrgbClr r="0" g="0" b="0"/>
-      </a:effectRef>
-      <a:fontRef idx="minor"/>
-    </dgm:style>
-  </dgm:styleLbl>
-  <dgm:styleLbl name="bgAcc1">
-    <dgm:scene3d>
-      <a:camera prst="orthographicFront"/>
-      <a:lightRig rig="threePt" dir="t"/>
-    </dgm:scene3d>
-    <dgm:sp3d/>
-    <dgm:txPr/>
-    <dgm:style>
-      <a:lnRef idx="2">
-        <a:scrgbClr r="0" g="0" b="0"/>
-      </a:lnRef>
-      <a:fillRef idx="1">
-        <a:scrgbClr r="0" g="0" b="0"/>
-      </a:fillRef>
-      <a:effectRef idx="0">
-        <a:scrgbClr r="0" g="0" b="0"/>
-      </a:effectRef>
-      <a:fontRef idx="minor"/>
-    </dgm:style>
-  </dgm:styleLbl>
-  <dgm:styleLbl name="solidFgAcc1">
-    <dgm:scene3d>
-      <a:camera prst="orthographicFront"/>
-      <a:lightRig rig="threePt" dir="t"/>
-    </dgm:scene3d>
-    <dgm:sp3d/>
-    <dgm:txPr/>
-    <dgm:style>
-      <a:lnRef idx="2">
-        <a:scrgbClr r="0" g="0" b="0"/>
-      </a:lnRef>
-      <a:fillRef idx="1">
-        <a:scrgbClr r="0" g="0" b="0"/>
-      </a:fillRef>
-      <a:effectRef idx="0">
-        <a:scrgbClr r="0" g="0" b="0"/>
-      </a:effectRef>
-      <a:fontRef idx="minor"/>
-    </dgm:style>
-  </dgm:styleLbl>
-  <dgm:styleLbl name="solidAlignAcc1">
-    <dgm:scene3d>
-      <a:camera prst="orthographicFront"/>
-      <a:lightRig rig="threePt" dir="t"/>
-    </dgm:scene3d>
-    <dgm:sp3d/>
-    <dgm:txPr/>
-    <dgm:style>
-      <a:lnRef idx="2">
-        <a:scrgbClr r="0" g="0" b="0"/>
-      </a:lnRef>
-      <a:fillRef idx="1">
-        <a:scrgbClr r="0" g="0" b="0"/>
-      </a:fillRef>
-      <a:effectRef idx="0">
-        <a:scrgbClr r="0" g="0" b="0"/>
-      </a:effectRef>
-      <a:fontRef idx="minor"/>
-    </dgm:style>
-  </dgm:styleLbl>
-  <dgm:styleLbl name="solidBgAcc1">
-    <dgm:scene3d>
-      <a:camera prst="orthographicFront"/>
-      <a:lightRig rig="threePt" dir="t"/>
-    </dgm:scene3d>
-    <dgm:sp3d/>
-    <dgm:txPr/>
-    <dgm:style>
-      <a:lnRef idx="2">
-        <a:scrgbClr r="0" g="0" b="0"/>
-      </a:lnRef>
-      <a:fillRef idx="1">
-        <a:scrgbClr r="0" g="0" b="0"/>
-      </a:fillRef>
-      <a:effectRef idx="0">
-        <a:scrgbClr r="0" g="0" b="0"/>
-      </a:effectRef>
-      <a:fontRef idx="minor"/>
-    </dgm:style>
-  </dgm:styleLbl>
-  <dgm:styleLbl name="fgAccFollowNode1">
-    <dgm:scene3d>
-      <a:camera prst="orthographicFront"/>
-      <a:lightRig rig="threePt" dir="t"/>
-    </dgm:scene3d>
-    <dgm:sp3d/>
-    <dgm:txPr/>
-    <dgm:style>
-      <a:lnRef idx="2">
-        <a:scrgbClr r="0" g="0" b="0"/>
-      </a:lnRef>
-      <a:fillRef idx="1">
-        <a:scrgbClr r="0" g="0" b="0"/>
-      </a:fillRef>
-      <a:effectRef idx="0">
-        <a:scrgbClr r="0" g="0" b="0"/>
-      </a:effectRef>
-      <a:fontRef idx="minor"/>
-    </dgm:style>
-  </dgm:styleLbl>
-  <dgm:styleLbl name="alignAccFollowNode1">
-    <dgm:scene3d>
-      <a:camera prst="orthographicFront"/>
-      <a:lightRig rig="threePt" dir="t"/>
-    </dgm:scene3d>
-    <dgm:sp3d/>
-    <dgm:txPr/>
-    <dgm:style>
-      <a:lnRef idx="2">
-        <a:scrgbClr r="0" g="0" b="0"/>
-      </a:lnRef>
-      <a:fillRef idx="1">
-        <a:scrgbClr r="0" g="0" b="0"/>
-      </a:fillRef>
-      <a:effectRef idx="0">
-        <a:scrgbClr r="0" g="0" b="0"/>
-      </a:effectRef>
-      <a:fontRef idx="minor"/>
-    </dgm:style>
-  </dgm:styleLbl>
-  <dgm:styleLbl name="bgAccFollowNode1">
-    <dgm:scene3d>
-      <a:camera prst="orthographicFront"/>
-      <a:lightRig rig="threePt" dir="t"/>
-    </dgm:scene3d>
-    <dgm:sp3d/>
-    <dgm:txPr/>
-    <dgm:style>
-      <a:lnRef idx="2">
-        <a:scrgbClr r="0" g="0" b="0"/>
-      </a:lnRef>
-      <a:fillRef idx="1">
-        <a:scrgbClr r="0" g="0" b="0"/>
-      </a:fillRef>
-      <a:effectRef idx="0">
-        <a:scrgbClr r="0" g="0" b="0"/>
-      </a:effectRef>
-      <a:fontRef idx="minor"/>
-    </dgm:style>
-  </dgm:styleLbl>
-  <dgm:styleLbl name="fgAcc0">
-    <dgm:scene3d>
-      <a:camera prst="orthographicFront"/>
-      <a:lightRig rig="threePt" dir="t"/>
-    </dgm:scene3d>
-    <dgm:sp3d/>
-    <dgm:txPr/>
-    <dgm:style>
-      <a:lnRef idx="2">
-        <a:scrgbClr r="0" g="0" b="0"/>
-      </a:lnRef>
-      <a:fillRef idx="1">
-        <a:scrgbClr r="0" g="0" b="0"/>
-      </a:fillRef>
-      <a:effectRef idx="0">
-        <a:scrgbClr r="0" g="0" b="0"/>
-      </a:effectRef>
-      <a:fontRef idx="minor"/>
-    </dgm:style>
-  </dgm:styleLbl>
-  <dgm:styleLbl name="fgAcc2">
-    <dgm:scene3d>
-      <a:camera prst="orthographicFront"/>
-      <a:lightRig rig="threePt" dir="t"/>
-    </dgm:scene3d>
-    <dgm:sp3d/>
-    <dgm:txPr/>
-    <dgm:style>
-      <a:lnRef idx="2">
-        <a:scrgbClr r="0" g="0" b="0"/>
-      </a:lnRef>
-      <a:fillRef idx="1">
-        <a:scrgbClr r="0" g="0" b="0"/>
-      </a:fillRef>
-      <a:effectRef idx="0">
-        <a:scrgbClr r="0" g="0" b="0"/>
-      </a:effectRef>
-      <a:fontRef idx="minor"/>
-    </dgm:style>
-  </dgm:styleLbl>
-  <dgm:styleLbl name="fgAcc3">
-    <dgm:scene3d>
-      <a:camera prst="orthographicFront"/>
-      <a:lightRig rig="threePt" dir="t"/>
-    </dgm:scene3d>
-    <dgm:sp3d/>
-    <dgm:txPr/>
-    <dgm:style>
-      <a:lnRef idx="2">
-        <a:scrgbClr r="0" g="0" b="0"/>
-      </a:lnRef>
-      <a:fillRef idx="1">
-        <a:scrgbClr r="0" g="0" b="0"/>
-      </a:fillRef>
-      <a:effectRef idx="0">
-        <a:scrgbClr r="0" g="0" b="0"/>
-      </a:effectRef>
-      <a:fontRef idx="minor"/>
-    </dgm:style>
-  </dgm:styleLbl>
-  <dgm:styleLbl name="fgAcc4">
-    <dgm:scene3d>
-      <a:camera prst="orthographicFront"/>
-      <a:lightRig rig="threePt" dir="t"/>
-    </dgm:scene3d>
-    <dgm:sp3d/>
-    <dgm:txPr/>
-    <dgm:style>
-      <a:lnRef idx="2">
-        <a:scrgbClr r="0" g="0" b="0"/>
-      </a:lnRef>
-      <a:fillRef idx="1">
-        <a:scrgbClr r="0" g="0" b="0"/>
-      </a:fillRef>
-      <a:effectRef idx="0">
-        <a:scrgbClr r="0" g="0" b="0"/>
-      </a:effectRef>
-      <a:fontRef idx="minor"/>
-    </dgm:style>
-  </dgm:styleLbl>
-  <dgm:styleLbl name="bgShp">
-    <dgm:scene3d>
-      <a:camera prst="orthographicFront"/>
-      <a:lightRig rig="threePt" dir="t"/>
-    </dgm:scene3d>
-    <dgm:sp3d/>
-    <dgm:txPr/>
-    <dgm:style>
-      <a:lnRef idx="0">
-        <a:scrgbClr r="0" g="0" b="0"/>
-      </a:lnRef>
-      <a:fillRef idx="1">
-        <a:scrgbClr r="0" g="0" b="0"/>
-      </a:fillRef>
-      <a:effectRef idx="0">
-        <a:scrgbClr r="0" g="0" b="0"/>
-      </a:effectRef>
-      <a:fontRef idx="minor"/>
-    </dgm:style>
-  </dgm:styleLbl>
-  <dgm:styleLbl name="dkBgShp">
-    <dgm:scene3d>
-      <a:camera prst="orthographicFront"/>
-      <a:lightRig rig="threePt" dir="t"/>
-    </dgm:scene3d>
-    <dgm:sp3d/>
-    <dgm:txPr/>
-    <dgm:style>
-      <a:lnRef idx="0">
-        <a:scrgbClr r="0" g="0" b="0"/>
-      </a:lnRef>
-      <a:fillRef idx="1">
-        <a:scrgbClr r="0" g="0" b="0"/>
-      </a:fillRef>
-      <a:effectRef idx="0">
-        <a:scrgbClr r="0" g="0" b="0"/>
-      </a:effectRef>
-      <a:fontRef idx="minor"/>
-    </dgm:style>
-  </dgm:styleLbl>
-  <dgm:styleLbl name="trBgShp">
-    <dgm:scene3d>
-      <a:camera prst="orthographicFront"/>
-      <a:lightRig rig="threePt" dir="t"/>
-    </dgm:scene3d>
-    <dgm:sp3d/>
-    <dgm:txPr/>
-    <dgm:style>
-      <a:lnRef idx="0">
-        <a:scrgbClr r="0" g="0" b="0"/>
-      </a:lnRef>
-      <a:fillRef idx="1">
-        <a:scrgbClr r="0" g="0" b="0"/>
-      </a:fillRef>
-      <a:effectRef idx="0">
-        <a:scrgbClr r="0" g="0" b="0"/>
-      </a:effectRef>
-      <a:fontRef idx="minor"/>
-    </dgm:style>
-  </dgm:styleLbl>
-  <dgm:styleLbl name="fgShp">
-    <dgm:scene3d>
-      <a:camera prst="orthographicFront"/>
-      <a:lightRig rig="threePt" dir="t"/>
-    </dgm:scene3d>
-    <dgm:sp3d/>
-    <dgm:txPr/>
-    <dgm:style>
-      <a:lnRef idx="2">
-        <a:scrgbClr r="0" g="0" b="0"/>
-      </a:lnRef>
-      <a:fillRef idx="1">
-        <a:scrgbClr r="0" g="0" b="0"/>
-      </a:fillRef>
-      <a:effectRef idx="0">
-        <a:scrgbClr r="0" g="0" b="0"/>
-      </a:effectRef>
-      <a:fontRef idx="minor"/>
-    </dgm:style>
-  </dgm:styleLbl>
-  <dgm:styleLbl name="revTx">
-    <dgm:scene3d>
-      <a:camera prst="orthographicFront"/>
-      <a:lightRig rig="threePt" dir="t"/>
-    </dgm:scene3d>
-    <dgm:sp3d/>
-    <dgm:txPr/>
-    <dgm:style>
-      <a:lnRef idx="0">
-        <a:scrgbClr r="0" g="0" b="0"/>
-      </a:lnRef>
-      <a:fillRef idx="0">
-        <a:scrgbClr r="0" g="0" b="0"/>
-      </a:fillRef>
-      <a:effectRef idx="0">
-        <a:scrgbClr r="0" g="0" b="0"/>
-      </a:effectRef>
-      <a:fontRef idx="minor"/>
-    </dgm:style>
-  </dgm:styleLbl>
-</dgm:styleDef>
 </file>
 
 <file path=ppt/slideLayouts/slideLayout1.xml><?xml version="1.0" encoding="utf-8"?>
@@ -8696,37 +4210,35 @@
           </a:p>
         </p:txBody>
       </p:sp>
-      <p:graphicFrame>
-        <p:nvGraphicFramePr>
-          <p:cNvPr id="10" name="Tijdelijke aanduiding voor inhoud 9">
-            <a:extLst>
-              <a:ext uri="{FF2B5EF4-FFF2-40B4-BE49-F238E27FC236}">
-                <a16:creationId xmlns:a16="http://schemas.microsoft.com/office/drawing/2014/main" id="{6BEFE49D-0E9B-BCB2-13B0-C393B4DE5370}"/>
-              </a:ext>
-            </a:extLst>
-          </p:cNvPr>
-          <p:cNvGraphicFramePr>
-            <a:graphicFrameLocks noGrp="1"/>
-          </p:cNvGraphicFramePr>
+      <p:pic>
+        <p:nvPicPr>
+          <p:cNvPr id="6" name="Tijdelijke aanduiding voor inhoud 5">
+            <a:extLst>
+              <a:ext uri="{FF2B5EF4-FFF2-40B4-BE49-F238E27FC236}">
+                <a16:creationId xmlns:a16="http://schemas.microsoft.com/office/drawing/2014/main" id="{4E136CF0-27FD-27F4-067D-6B9361201526}"/>
+              </a:ext>
+            </a:extLst>
+          </p:cNvPr>
+          <p:cNvPicPr>
+            <a:picLocks noGrp="1" noChangeAspect="1"/>
+          </p:cNvPicPr>
           <p:nvPr>
             <p:ph idx="1"/>
-            <p:extLst>
-              <p:ext uri="{D42A27DB-BD31-4B8C-83A1-F6EECF244321}">
-                <p14:modId xmlns:p14="http://schemas.microsoft.com/office/powerpoint/2010/main" val="1798859139"/>
-              </p:ext>
-            </p:extLst>
-          </p:nvPr>
-        </p:nvGraphicFramePr>
-        <p:xfrm>
-          <a:off x="838200" y="1825625"/>
-          <a:ext cx="10515600" cy="4351338"/>
-        </p:xfrm>
-        <a:graphic>
-          <a:graphicData uri="http://schemas.openxmlformats.org/drawingml/2006/diagram">
-            <dgm:relIds xmlns:dgm="http://schemas.openxmlformats.org/drawingml/2006/diagram" xmlns:r="http://schemas.openxmlformats.org/officeDocument/2006/relationships" r:dm="rId2" r:lo="rId3" r:qs="rId4" r:cs="rId5"/>
-          </a:graphicData>
-        </a:graphic>
-      </p:graphicFrame>
+          </p:nvPr>
+        </p:nvPicPr>
+        <p:blipFill>
+          <a:blip r:embed="rId2"/>
+          <a:stretch>
+            <a:fillRect/>
+          </a:stretch>
+        </p:blipFill>
+        <p:spPr>
+          <a:xfrm>
+            <a:off x="400182" y="2189639"/>
+            <a:ext cx="11391635" cy="3992797"/>
+          </a:xfrm>
+        </p:spPr>
+      </p:pic>
     </p:spTree>
     <p:extLst>
       <p:ext uri="{BB962C8B-B14F-4D97-AF65-F5344CB8AC3E}">
